--- a/交互设计基础/课件/第5讲 界面设计.pptx
+++ b/交互设计基础/课件/第5讲 界面设计.pptx
@@ -30,6 +30,23 @@
     <p:sldId id="275" r:id="rId24"/>
     <p:sldId id="279" r:id="rId25"/>
     <p:sldId id="280" r:id="rId26"/>
+    <p:sldId id="281" r:id="rId27"/>
+    <p:sldId id="282" r:id="rId28"/>
+    <p:sldId id="283" r:id="rId29"/>
+    <p:sldId id="284" r:id="rId30"/>
+    <p:sldId id="285" r:id="rId31"/>
+    <p:sldId id="286" r:id="rId32"/>
+    <p:sldId id="287" r:id="rId33"/>
+    <p:sldId id="288" r:id="rId34"/>
+    <p:sldId id="289" r:id="rId35"/>
+    <p:sldId id="290" r:id="rId36"/>
+    <p:sldId id="291" r:id="rId37"/>
+    <p:sldId id="292" r:id="rId38"/>
+    <p:sldId id="293" r:id="rId39"/>
+    <p:sldId id="294" r:id="rId40"/>
+    <p:sldId id="295" r:id="rId41"/>
+    <p:sldId id="296" r:id="rId42"/>
+    <p:sldId id="297" r:id="rId43"/>
   </p:sldIdLst>
   <p:sldSz cx="9144000" cy="6858000" type="screen4x3"/>
   <p:notesSz cx="6858000" cy="9144000"/>
@@ -2888,7 +2905,7 @@
           <a:p>
             <a:fld id="{530820CF-B880-4189-942D-D702A7CBA730}" type="datetimeFigureOut">
               <a:rPr lang="zh-CN" altLang="en-US" smtClean="0"/>
-              <a:t>2020/6/1</a:t>
+              <a:t>2020/6/3</a:t>
             </a:fld>
             <a:endParaRPr lang="zh-CN" altLang="en-US"/>
           </a:p>
@@ -3173,7 +3190,7 @@
           <a:p>
             <a:fld id="{530820CF-B880-4189-942D-D702A7CBA730}" type="datetimeFigureOut">
               <a:rPr lang="zh-CN" altLang="en-US" smtClean="0"/>
-              <a:t>2020/6/1</a:t>
+              <a:t>2020/6/3</a:t>
             </a:fld>
             <a:endParaRPr lang="zh-CN" altLang="en-US"/>
           </a:p>
@@ -3348,7 +3365,7 @@
           <a:p>
             <a:fld id="{530820CF-B880-4189-942D-D702A7CBA730}" type="datetimeFigureOut">
               <a:rPr lang="zh-CN" altLang="en-US" smtClean="0"/>
-              <a:t>2020/6/1</a:t>
+              <a:t>2020/6/3</a:t>
             </a:fld>
             <a:endParaRPr lang="zh-CN" altLang="en-US"/>
           </a:p>
@@ -3513,7 +3530,7 @@
           <a:p>
             <a:fld id="{530820CF-B880-4189-942D-D702A7CBA730}" type="datetimeFigureOut">
               <a:rPr lang="zh-CN" altLang="en-US" smtClean="0"/>
-              <a:t>2020/6/1</a:t>
+              <a:t>2020/6/3</a:t>
             </a:fld>
             <a:endParaRPr lang="zh-CN" altLang="en-US"/>
           </a:p>
@@ -3754,7 +3771,7 @@
           <a:p>
             <a:fld id="{530820CF-B880-4189-942D-D702A7CBA730}" type="datetimeFigureOut">
               <a:rPr lang="zh-CN" altLang="en-US" smtClean="0"/>
-              <a:t>2020/6/1</a:t>
+              <a:t>2020/6/3</a:t>
             </a:fld>
             <a:endParaRPr lang="zh-CN" altLang="en-US"/>
           </a:p>
@@ -3867,7 +3884,7 @@
           <a:p>
             <a:fld id="{530820CF-B880-4189-942D-D702A7CBA730}" type="datetimeFigureOut">
               <a:rPr lang="zh-CN" altLang="en-US" smtClean="0"/>
-              <a:t>2020/6/1</a:t>
+              <a:t>2020/6/3</a:t>
             </a:fld>
             <a:endParaRPr lang="zh-CN" altLang="en-US"/>
           </a:p>
@@ -4406,7 +4423,7 @@
           <a:p>
             <a:fld id="{530820CF-B880-4189-942D-D702A7CBA730}" type="datetimeFigureOut">
               <a:rPr lang="zh-CN" altLang="en-US" smtClean="0"/>
-              <a:t>2020/6/1</a:t>
+              <a:t>2020/6/3</a:t>
             </a:fld>
             <a:endParaRPr lang="zh-CN" altLang="en-US"/>
           </a:p>
@@ -4519,7 +4536,7 @@
           <a:p>
             <a:fld id="{530820CF-B880-4189-942D-D702A7CBA730}" type="datetimeFigureOut">
               <a:rPr lang="zh-CN" altLang="en-US" smtClean="0"/>
-              <a:t>2020/6/1</a:t>
+              <a:t>2020/6/3</a:t>
             </a:fld>
             <a:endParaRPr lang="zh-CN" altLang="en-US"/>
           </a:p>
@@ -4609,7 +4626,7 @@
           <a:p>
             <a:fld id="{530820CF-B880-4189-942D-D702A7CBA730}" type="datetimeFigureOut">
               <a:rPr lang="zh-CN" altLang="en-US" smtClean="0"/>
-              <a:t>2020/6/1</a:t>
+              <a:t>2020/6/3</a:t>
             </a:fld>
             <a:endParaRPr lang="zh-CN" altLang="en-US"/>
           </a:p>
@@ -7260,7 +7277,7 @@
           <a:p>
             <a:fld id="{530820CF-B880-4189-942D-D702A7CBA730}" type="datetimeFigureOut">
               <a:rPr lang="zh-CN" altLang="en-US" smtClean="0"/>
-              <a:t>2020/6/1</a:t>
+              <a:t>2020/6/3</a:t>
             </a:fld>
             <a:endParaRPr lang="zh-CN" altLang="en-US"/>
           </a:p>
@@ -10472,7 +10489,7 @@
           <a:p>
             <a:fld id="{530820CF-B880-4189-942D-D702A7CBA730}" type="datetimeFigureOut">
               <a:rPr lang="zh-CN" altLang="en-US" smtClean="0"/>
-              <a:t>2020/6/1</a:t>
+              <a:t>2020/6/3</a:t>
             </a:fld>
             <a:endParaRPr lang="zh-CN" altLang="en-US"/>
           </a:p>
@@ -13294,7 +13311,7 @@
           <a:p>
             <a:fld id="{530820CF-B880-4189-942D-D702A7CBA730}" type="datetimeFigureOut">
               <a:rPr lang="zh-CN" altLang="en-US" smtClean="0"/>
-              <a:t>2020/6/1</a:t>
+              <a:t>2020/6/3</a:t>
             </a:fld>
             <a:endParaRPr lang="zh-CN" altLang="en-US"/>
           </a:p>
@@ -17507,15 +17524,6 @@
                   <a:tailEnd/>
                 </a14:hiddenLine>
               </a:ext>
-              <a:ext uri="{AF507438-7753-43E0-B8FC-AC1667EBCBE1}">
-                <a14:hiddenEffects xmlns:a14="http://schemas.microsoft.com/office/drawing/2010/main">
-                  <a:effectLst>
-                    <a:outerShdw dist="35921" dir="2700000" algn="ctr" rotWithShape="0">
-                      <a:schemeClr val="bg2"/>
-                    </a:outerShdw>
-                  </a:effectLst>
-                </a14:hiddenEffects>
-              </a:ext>
             </a:extLst>
           </p:spPr>
         </p:pic>
@@ -17836,15 +17844,6 @@
                 <a:tailEnd/>
               </a14:hiddenLine>
             </a:ext>
-            <a:ext uri="{AF507438-7753-43E0-B8FC-AC1667EBCBE1}">
-              <a14:hiddenEffects xmlns:a14="http://schemas.microsoft.com/office/drawing/2010/main">
-                <a:effectLst>
-                  <a:outerShdw dist="35921" dir="2700000" algn="ctr" rotWithShape="0">
-                    <a:schemeClr val="bg2"/>
-                  </a:outerShdw>
-                </a:effectLst>
-              </a14:hiddenEffects>
-            </a:ext>
           </a:extLst>
         </p:spPr>
       </p:pic>
@@ -18049,15 +18048,6 @@
                 <a:tailEnd/>
               </a14:hiddenLine>
             </a:ext>
-            <a:ext uri="{AF507438-7753-43E0-B8FC-AC1667EBCBE1}">
-              <a14:hiddenEffects xmlns:a14="http://schemas.microsoft.com/office/drawing/2010/main">
-                <a:effectLst>
-                  <a:outerShdw dist="35921" dir="2700000" algn="ctr" rotWithShape="0">
-                    <a:schemeClr val="bg2"/>
-                  </a:outerShdw>
-                </a:effectLst>
-              </a14:hiddenEffects>
-            </a:ext>
           </a:extLst>
         </p:spPr>
       </p:pic>
@@ -18280,15 +18270,6 @@
                 <a:headEnd/>
                 <a:tailEnd/>
               </a14:hiddenLine>
-            </a:ext>
-            <a:ext uri="{AF507438-7753-43E0-B8FC-AC1667EBCBE1}">
-              <a14:hiddenEffects xmlns:a14="http://schemas.microsoft.com/office/drawing/2010/main">
-                <a:effectLst>
-                  <a:outerShdw dist="35921" dir="2700000" algn="ctr" rotWithShape="0">
-                    <a:schemeClr val="bg2"/>
-                  </a:outerShdw>
-                </a:effectLst>
-              </a14:hiddenEffects>
             </a:ext>
           </a:extLst>
         </p:spPr>
@@ -18413,15 +18394,6 @@
                 <a:headEnd/>
                 <a:tailEnd/>
               </a14:hiddenLine>
-            </a:ext>
-            <a:ext uri="{AF507438-7753-43E0-B8FC-AC1667EBCBE1}">
-              <a14:hiddenEffects xmlns:a14="http://schemas.microsoft.com/office/drawing/2010/main">
-                <a:effectLst>
-                  <a:outerShdw dist="35921" dir="2700000" algn="ctr" rotWithShape="0">
-                    <a:schemeClr val="bg2"/>
-                  </a:outerShdw>
-                </a:effectLst>
-              </a14:hiddenEffects>
             </a:ext>
           </a:extLst>
         </p:spPr>
@@ -19572,10 +19544,956 @@
           <a:lstStyle/>
           <a:p>
             <a:r>
-              <a:rPr lang="zh-CN" altLang="en-US" smtClean="0"/>
+              <a:rPr lang="zh-CN" altLang="en-US" dirty="0" smtClean="0"/>
               <a:t>用户的区别</a:t>
             </a:r>
-            <a:endParaRPr lang="zh-CN" altLang="en-US"/>
+            <a:endParaRPr lang="zh-CN" altLang="en-US" dirty="0"/>
+          </a:p>
+        </p:txBody>
+      </p:sp>
+      <p:pic>
+        <p:nvPicPr>
+          <p:cNvPr id="16386" name="Picture 2" descr="https://ss1.bdstatic.com/70cFuXSh_Q1YnxGkpoWK1HF6hhy/it/u=2708549436,419956385&amp;fm=26&amp;gp=0.jpg"/>
+          <p:cNvPicPr>
+            <a:picLocks noChangeAspect="1" noChangeArrowheads="1"/>
+          </p:cNvPicPr>
+          <p:nvPr/>
+        </p:nvPicPr>
+        <p:blipFill rotWithShape="1">
+          <a:blip r:embed="rId2" cstate="print">
+            <a:extLst>
+              <a:ext uri="{28A0092B-C50C-407E-A947-70E740481C1C}">
+                <a14:useLocalDpi xmlns:a14="http://schemas.microsoft.com/office/drawing/2010/main" val="0"/>
+              </a:ext>
+            </a:extLst>
+          </a:blip>
+          <a:srcRect b="14263"/>
+          <a:stretch/>
+        </p:blipFill>
+        <p:spPr bwMode="auto">
+          <a:xfrm>
+            <a:off x="899592" y="2301805"/>
+            <a:ext cx="704428" cy="817757"/>
+          </a:xfrm>
+          <a:prstGeom prst="rect">
+            <a:avLst/>
+          </a:prstGeom>
+          <a:noFill/>
+          <a:extLst>
+            <a:ext uri="{909E8E84-426E-40DD-AFC4-6F175D3DCCD1}">
+              <a14:hiddenFill xmlns:a14="http://schemas.microsoft.com/office/drawing/2010/main">
+                <a:solidFill>
+                  <a:srgbClr val="FFFFFF"/>
+                </a:solidFill>
+              </a14:hiddenFill>
+            </a:ext>
+          </a:extLst>
+        </p:spPr>
+      </p:pic>
+      <p:pic>
+        <p:nvPicPr>
+          <p:cNvPr id="16390" name="Picture 6" descr="https://timgsa.baidu.com/timg?image&amp;quality=80&amp;size=b9999_10000&amp;sec=1591030264810&amp;di=80413e0d3b33a14cec86e63b4508eaa0&amp;imgtype=0&amp;src=http%3A%2F%2Fimg.mp.itc.cn%2Fupload%2F20170502%2Fcd24a69e9b444a51b9bacde14305cba2_th.jpeg"/>
+          <p:cNvPicPr>
+            <a:picLocks noChangeAspect="1" noChangeArrowheads="1"/>
+          </p:cNvPicPr>
+          <p:nvPr/>
+        </p:nvPicPr>
+        <p:blipFill rotWithShape="1">
+          <a:blip r:embed="rId3" cstate="print">
+            <a:extLst>
+              <a:ext uri="{28A0092B-C50C-407E-A947-70E740481C1C}">
+                <a14:useLocalDpi xmlns:a14="http://schemas.microsoft.com/office/drawing/2010/main" val="0"/>
+              </a:ext>
+            </a:extLst>
+          </a:blip>
+          <a:srcRect l="18656" t="14643" r="25094" b="4284"/>
+          <a:stretch/>
+        </p:blipFill>
+        <p:spPr bwMode="auto">
+          <a:xfrm>
+            <a:off x="899592" y="4295442"/>
+            <a:ext cx="704428" cy="1005766"/>
+          </a:xfrm>
+          <a:prstGeom prst="rect">
+            <a:avLst/>
+          </a:prstGeom>
+          <a:noFill/>
+          <a:extLst>
+            <a:ext uri="{909E8E84-426E-40DD-AFC4-6F175D3DCCD1}">
+              <a14:hiddenFill xmlns:a14="http://schemas.microsoft.com/office/drawing/2010/main">
+                <a:solidFill>
+                  <a:srgbClr val="FFFFFF"/>
+                </a:solidFill>
+              </a14:hiddenFill>
+            </a:ext>
+          </a:extLst>
+        </p:spPr>
+      </p:pic>
+      <p:pic>
+        <p:nvPicPr>
+          <p:cNvPr id="16392" name="Picture 8" descr="https://ss2.bdstatic.com/70cFvnSh_Q1YnxGkpoWK1HF6hhy/it/u=2235027092,3298155538&amp;fm=26&amp;gp=0.jpg"/>
+          <p:cNvPicPr>
+            <a:picLocks noChangeAspect="1" noChangeArrowheads="1"/>
+          </p:cNvPicPr>
+          <p:nvPr/>
+        </p:nvPicPr>
+        <p:blipFill>
+          <a:blip r:embed="rId4" cstate="print">
+            <a:extLst>
+              <a:ext uri="{28A0092B-C50C-407E-A947-70E740481C1C}">
+                <a14:useLocalDpi xmlns:a14="http://schemas.microsoft.com/office/drawing/2010/main" val="0"/>
+              </a:ext>
+            </a:extLst>
+          </a:blip>
+          <a:srcRect/>
+          <a:stretch>
+            <a:fillRect/>
+          </a:stretch>
+        </p:blipFill>
+        <p:spPr bwMode="auto">
+          <a:xfrm>
+            <a:off x="899592" y="3300214"/>
+            <a:ext cx="704428" cy="766418"/>
+          </a:xfrm>
+          <a:prstGeom prst="rect">
+            <a:avLst/>
+          </a:prstGeom>
+          <a:noFill/>
+          <a:extLst>
+            <a:ext uri="{909E8E84-426E-40DD-AFC4-6F175D3DCCD1}">
+              <a14:hiddenFill xmlns:a14="http://schemas.microsoft.com/office/drawing/2010/main">
+                <a:solidFill>
+                  <a:srgbClr val="FFFFFF"/>
+                </a:solidFill>
+              </a14:hiddenFill>
+            </a:ext>
+          </a:extLst>
+        </p:spPr>
+      </p:pic>
+      <p:pic>
+        <p:nvPicPr>
+          <p:cNvPr id="16394" name="Picture 10" descr="https://ss1.bdstatic.com/70cFvXSh_Q1YnxGkpoWK1HF6hhy/it/u=1589260152,3201887525&amp;fm=26&amp;gp=0.jpg"/>
+          <p:cNvPicPr>
+            <a:picLocks noChangeAspect="1" noChangeArrowheads="1"/>
+          </p:cNvPicPr>
+          <p:nvPr/>
+        </p:nvPicPr>
+        <p:blipFill rotWithShape="1">
+          <a:blip r:embed="rId5" cstate="print">
+            <a:extLst>
+              <a:ext uri="{28A0092B-C50C-407E-A947-70E740481C1C}">
+                <a14:useLocalDpi xmlns:a14="http://schemas.microsoft.com/office/drawing/2010/main" val="0"/>
+              </a:ext>
+            </a:extLst>
+          </a:blip>
+          <a:srcRect l="13521" t="9616" r="14018" b="8968"/>
+          <a:stretch/>
+        </p:blipFill>
+        <p:spPr bwMode="auto">
+          <a:xfrm>
+            <a:off x="899592" y="5472898"/>
+            <a:ext cx="704428" cy="793064"/>
+          </a:xfrm>
+          <a:prstGeom prst="rect">
+            <a:avLst/>
+          </a:prstGeom>
+          <a:noFill/>
+          <a:extLst>
+            <a:ext uri="{909E8E84-426E-40DD-AFC4-6F175D3DCCD1}">
+              <a14:hiddenFill xmlns:a14="http://schemas.microsoft.com/office/drawing/2010/main">
+                <a:solidFill>
+                  <a:srgbClr val="FFFFFF"/>
+                </a:solidFill>
+              </a14:hiddenFill>
+            </a:ext>
+          </a:extLst>
+        </p:spPr>
+      </p:pic>
+      <p:sp>
+        <p:nvSpPr>
+          <p:cNvPr id="4" name="TextBox 3"/>
+          <p:cNvSpPr txBox="1"/>
+          <p:nvPr/>
+        </p:nvSpPr>
+        <p:spPr>
+          <a:xfrm>
+            <a:off x="1604020" y="2301806"/>
+            <a:ext cx="6568380" cy="817756"/>
+          </a:xfrm>
+          <a:prstGeom prst="rect">
+            <a:avLst/>
+          </a:prstGeom>
+          <a:gradFill flip="none" rotWithShape="1">
+            <a:gsLst>
+              <a:gs pos="0">
+                <a:schemeClr val="accent1">
+                  <a:tint val="66000"/>
+                  <a:satMod val="160000"/>
+                </a:schemeClr>
+              </a:gs>
+              <a:gs pos="100000">
+                <a:schemeClr val="accent1">
+                  <a:tint val="23500"/>
+                  <a:satMod val="160000"/>
+                  <a:alpha val="0"/>
+                </a:schemeClr>
+              </a:gs>
+            </a:gsLst>
+            <a:path path="circle">
+              <a:fillToRect t="100000" r="100000"/>
+            </a:path>
+            <a:tileRect l="-100000" b="-100000"/>
+          </a:gradFill>
+        </p:spPr>
+        <p:txBody>
+          <a:bodyPr wrap="square" rtlCol="0">
+            <a:noAutofit/>
+          </a:bodyPr>
+          <a:lstStyle/>
+          <a:p>
+            <a:r>
+              <a:rPr lang="zh-CN" altLang="en-US" b="1" dirty="0">
+                <a:solidFill>
+                  <a:srgbClr val="C00000"/>
+                </a:solidFill>
+              </a:rPr>
+              <a:t>偶然型用户</a:t>
+            </a:r>
+            <a:r>
+              <a:rPr lang="zh-CN" altLang="en-US" dirty="0"/>
+              <a:t>：既没有计算机应用领域的专业知识，也缺少计算机系统基本知识的用户</a:t>
+            </a:r>
+          </a:p>
+        </p:txBody>
+      </p:sp>
+      <p:sp>
+        <p:nvSpPr>
+          <p:cNvPr id="10" name="TextBox 9"/>
+          <p:cNvSpPr txBox="1"/>
+          <p:nvPr/>
+        </p:nvSpPr>
+        <p:spPr>
+          <a:xfrm>
+            <a:off x="1604020" y="3274545"/>
+            <a:ext cx="6568380" cy="874535"/>
+          </a:xfrm>
+          <a:prstGeom prst="rect">
+            <a:avLst/>
+          </a:prstGeom>
+          <a:gradFill flip="none" rotWithShape="1">
+            <a:gsLst>
+              <a:gs pos="0">
+                <a:srgbClr val="CCFFFF"/>
+              </a:gs>
+              <a:gs pos="100000">
+                <a:schemeClr val="accent1">
+                  <a:tint val="23500"/>
+                  <a:satMod val="160000"/>
+                  <a:alpha val="0"/>
+                </a:schemeClr>
+              </a:gs>
+            </a:gsLst>
+            <a:path path="circle">
+              <a:fillToRect t="100000" r="100000"/>
+            </a:path>
+            <a:tileRect l="-100000" b="-100000"/>
+          </a:gradFill>
+        </p:spPr>
+        <p:txBody>
+          <a:bodyPr wrap="square" rtlCol="0">
+            <a:noAutofit/>
+          </a:bodyPr>
+          <a:lstStyle/>
+          <a:p>
+            <a:r>
+              <a:rPr lang="zh-CN" altLang="en-US" b="1" dirty="0">
+                <a:solidFill>
+                  <a:srgbClr val="C00000"/>
+                </a:solidFill>
+              </a:rPr>
+              <a:t>生疏型用户</a:t>
+            </a:r>
+            <a:r>
+              <a:rPr lang="zh-CN" altLang="en-US" b="1" dirty="0" smtClean="0">
+                <a:solidFill>
+                  <a:srgbClr val="C00000"/>
+                </a:solidFill>
+              </a:rPr>
+              <a:t>：</a:t>
+            </a:r>
+            <a:r>
+              <a:rPr lang="zh-CN" altLang="en-US" dirty="0" smtClean="0">
+                <a:solidFill>
+                  <a:schemeClr val="tx2"/>
+                </a:solidFill>
+              </a:rPr>
+              <a:t>常</a:t>
+            </a:r>
+            <a:r>
+              <a:rPr lang="zh-CN" altLang="en-US" dirty="0">
+                <a:solidFill>
+                  <a:schemeClr val="tx2"/>
+                </a:solidFill>
+              </a:rPr>
+              <a:t>使用计算机系统</a:t>
+            </a:r>
+            <a:r>
+              <a:rPr lang="zh-CN" altLang="en-US" dirty="0" smtClean="0">
+                <a:solidFill>
+                  <a:schemeClr val="tx2"/>
+                </a:solidFill>
+              </a:rPr>
+              <a:t>，对</a:t>
+            </a:r>
+            <a:r>
+              <a:rPr lang="zh-CN" altLang="en-US" dirty="0">
+                <a:solidFill>
+                  <a:schemeClr val="tx2"/>
+                </a:solidFill>
+              </a:rPr>
+              <a:t>计算机的性能及操作</a:t>
+            </a:r>
+            <a:r>
+              <a:rPr lang="zh-CN" altLang="en-US" dirty="0" smtClean="0">
+                <a:solidFill>
+                  <a:schemeClr val="tx2"/>
+                </a:solidFill>
+              </a:rPr>
+              <a:t>使用有</a:t>
+            </a:r>
+            <a:r>
+              <a:rPr lang="zh-CN" altLang="en-US" dirty="0">
+                <a:solidFill>
+                  <a:schemeClr val="tx2"/>
+                </a:solidFill>
+              </a:rPr>
+              <a:t>一定程度的理解和经验。</a:t>
+            </a:r>
+            <a:r>
+              <a:rPr lang="zh-CN" altLang="en-US" dirty="0" smtClean="0">
+                <a:solidFill>
+                  <a:schemeClr val="tx2"/>
+                </a:solidFill>
+              </a:rPr>
+              <a:t>但对</a:t>
+            </a:r>
+            <a:r>
+              <a:rPr lang="zh-CN" altLang="en-US" dirty="0">
+                <a:solidFill>
+                  <a:schemeClr val="tx2"/>
+                </a:solidFill>
+              </a:rPr>
+              <a:t>新使用的计算机系统缺乏了解，不太</a:t>
+            </a:r>
+            <a:r>
+              <a:rPr lang="zh-CN" altLang="en-US" dirty="0" smtClean="0">
+                <a:solidFill>
+                  <a:schemeClr val="tx2"/>
+                </a:solidFill>
+              </a:rPr>
+              <a:t>熟悉</a:t>
+            </a:r>
+            <a:endParaRPr lang="zh-CN" altLang="en-US" dirty="0">
+              <a:solidFill>
+                <a:schemeClr val="tx2"/>
+              </a:solidFill>
+            </a:endParaRPr>
+          </a:p>
+        </p:txBody>
+      </p:sp>
+      <p:sp>
+        <p:nvSpPr>
+          <p:cNvPr id="11" name="TextBox 10"/>
+          <p:cNvSpPr txBox="1"/>
+          <p:nvPr/>
+        </p:nvSpPr>
+        <p:spPr>
+          <a:xfrm>
+            <a:off x="1604020" y="4295442"/>
+            <a:ext cx="6568380" cy="1005766"/>
+          </a:xfrm>
+          <a:prstGeom prst="rect">
+            <a:avLst/>
+          </a:prstGeom>
+          <a:gradFill flip="none" rotWithShape="1">
+            <a:gsLst>
+              <a:gs pos="0">
+                <a:srgbClr val="FFFFCC"/>
+              </a:gs>
+              <a:gs pos="100000">
+                <a:schemeClr val="accent1">
+                  <a:tint val="23500"/>
+                  <a:satMod val="160000"/>
+                  <a:alpha val="0"/>
+                </a:schemeClr>
+              </a:gs>
+            </a:gsLst>
+            <a:path path="circle">
+              <a:fillToRect t="100000" r="100000"/>
+            </a:path>
+            <a:tileRect l="-100000" b="-100000"/>
+          </a:gradFill>
+        </p:spPr>
+        <p:txBody>
+          <a:bodyPr wrap="square" rtlCol="0">
+            <a:noAutofit/>
+          </a:bodyPr>
+          <a:lstStyle/>
+          <a:p>
+            <a:r>
+              <a:rPr lang="zh-CN" altLang="en-US" b="1" dirty="0">
+                <a:solidFill>
+                  <a:srgbClr val="C00000"/>
+                </a:solidFill>
+              </a:rPr>
+              <a:t>熟练型用户</a:t>
+            </a:r>
+            <a:r>
+              <a:rPr lang="zh-CN" altLang="en-US" dirty="0"/>
+              <a:t>：这类用户一般是专业技术人员，他们对需要计算机完成的工作任务有清楚地了解，对计算机系统也有相当多的知识和经验，并且能熟练地操作、使用</a:t>
+            </a:r>
+            <a:endParaRPr lang="zh-CN" altLang="en-US" dirty="0">
+              <a:solidFill>
+                <a:schemeClr val="tx2"/>
+              </a:solidFill>
+            </a:endParaRPr>
+          </a:p>
+        </p:txBody>
+      </p:sp>
+      <p:sp>
+        <p:nvSpPr>
+          <p:cNvPr id="12" name="TextBox 11"/>
+          <p:cNvSpPr txBox="1"/>
+          <p:nvPr/>
+        </p:nvSpPr>
+        <p:spPr>
+          <a:xfrm>
+            <a:off x="1604020" y="5472899"/>
+            <a:ext cx="6568380" cy="793064"/>
+          </a:xfrm>
+          <a:prstGeom prst="rect">
+            <a:avLst/>
+          </a:prstGeom>
+          <a:gradFill flip="none" rotWithShape="1">
+            <a:gsLst>
+              <a:gs pos="0">
+                <a:srgbClr val="FFCCCC"/>
+              </a:gs>
+              <a:gs pos="100000">
+                <a:schemeClr val="accent1">
+                  <a:tint val="23500"/>
+                  <a:satMod val="160000"/>
+                  <a:alpha val="0"/>
+                </a:schemeClr>
+              </a:gs>
+            </a:gsLst>
+            <a:path path="circle">
+              <a:fillToRect t="100000" r="100000"/>
+            </a:path>
+            <a:tileRect l="-100000" b="-100000"/>
+          </a:gradFill>
+        </p:spPr>
+        <p:txBody>
+          <a:bodyPr wrap="square" rtlCol="0">
+            <a:noAutofit/>
+          </a:bodyPr>
+          <a:lstStyle/>
+          <a:p>
+            <a:r>
+              <a:rPr lang="zh-CN" altLang="en-US" b="1" dirty="0">
+                <a:solidFill>
+                  <a:srgbClr val="C00000"/>
+                </a:solidFill>
+              </a:rPr>
+              <a:t>专家型用户</a:t>
+            </a:r>
+            <a:r>
+              <a:rPr lang="zh-CN" altLang="en-US" dirty="0"/>
+              <a:t>：对需要计算机完成的工作任务和计算机系统都很精通的，通常是计算机专业用户，称为专家型用户</a:t>
+            </a:r>
+            <a:endParaRPr lang="zh-CN" altLang="en-US" dirty="0">
+              <a:solidFill>
+                <a:schemeClr val="tx2"/>
+              </a:solidFill>
+            </a:endParaRPr>
+          </a:p>
+        </p:txBody>
+      </p:sp>
+    </p:spTree>
+    <p:extLst>
+      <p:ext uri="{BB962C8B-B14F-4D97-AF65-F5344CB8AC3E}">
+        <p14:creationId xmlns:p14="http://schemas.microsoft.com/office/powerpoint/2010/main" val="3918581509"/>
+      </p:ext>
+    </p:extLst>
+  </p:cSld>
+  <p:clrMapOvr>
+    <a:masterClrMapping/>
+  </p:clrMapOvr>
+  <p:timing>
+    <p:tnLst>
+      <p:par>
+        <p:cTn id="1" dur="indefinite" restart="never" nodeType="tmRoot">
+          <p:childTnLst>
+            <p:seq concurrent="1" nextAc="seek">
+              <p:cTn id="2" dur="indefinite" nodeType="mainSeq">
+                <p:childTnLst>
+                  <p:par>
+                    <p:cTn id="3" fill="hold">
+                      <p:stCondLst>
+                        <p:cond delay="indefinite"/>
+                      </p:stCondLst>
+                      <p:childTnLst>
+                        <p:par>
+                          <p:cTn id="4" fill="hold">
+                            <p:stCondLst>
+                              <p:cond delay="0"/>
+                            </p:stCondLst>
+                            <p:childTnLst>
+                              <p:par>
+                                <p:cTn id="5" presetID="22" presetClass="entr" presetSubtype="8" fill="hold" nodeType="clickEffect">
+                                  <p:stCondLst>
+                                    <p:cond delay="0"/>
+                                  </p:stCondLst>
+                                  <p:childTnLst>
+                                    <p:set>
+                                      <p:cBhvr>
+                                        <p:cTn id="6" dur="1" fill="hold">
+                                          <p:stCondLst>
+                                            <p:cond delay="0"/>
+                                          </p:stCondLst>
+                                        </p:cTn>
+                                        <p:tgtEl>
+                                          <p:spTgt spid="16386"/>
+                                        </p:tgtEl>
+                                        <p:attrNameLst>
+                                          <p:attrName>style.visibility</p:attrName>
+                                        </p:attrNameLst>
+                                      </p:cBhvr>
+                                      <p:to>
+                                        <p:strVal val="visible"/>
+                                      </p:to>
+                                    </p:set>
+                                    <p:animEffect transition="in" filter="wipe(left)">
+                                      <p:cBhvr>
+                                        <p:cTn id="7" dur="500"/>
+                                        <p:tgtEl>
+                                          <p:spTgt spid="16386"/>
+                                        </p:tgtEl>
+                                      </p:cBhvr>
+                                    </p:animEffect>
+                                  </p:childTnLst>
+                                </p:cTn>
+                              </p:par>
+                            </p:childTnLst>
+                          </p:cTn>
+                        </p:par>
+                        <p:par>
+                          <p:cTn id="8" fill="hold">
+                            <p:stCondLst>
+                              <p:cond delay="500"/>
+                            </p:stCondLst>
+                            <p:childTnLst>
+                              <p:par>
+                                <p:cTn id="9" presetID="22" presetClass="entr" presetSubtype="8" fill="hold" grpId="0" nodeType="afterEffect">
+                                  <p:stCondLst>
+                                    <p:cond delay="0"/>
+                                  </p:stCondLst>
+                                  <p:childTnLst>
+                                    <p:set>
+                                      <p:cBhvr>
+                                        <p:cTn id="10" dur="1" fill="hold">
+                                          <p:stCondLst>
+                                            <p:cond delay="0"/>
+                                          </p:stCondLst>
+                                        </p:cTn>
+                                        <p:tgtEl>
+                                          <p:spTgt spid="4"/>
+                                        </p:tgtEl>
+                                        <p:attrNameLst>
+                                          <p:attrName>style.visibility</p:attrName>
+                                        </p:attrNameLst>
+                                      </p:cBhvr>
+                                      <p:to>
+                                        <p:strVal val="visible"/>
+                                      </p:to>
+                                    </p:set>
+                                    <p:animEffect transition="in" filter="wipe(left)">
+                                      <p:cBhvr>
+                                        <p:cTn id="11" dur="500"/>
+                                        <p:tgtEl>
+                                          <p:spTgt spid="4"/>
+                                        </p:tgtEl>
+                                      </p:cBhvr>
+                                    </p:animEffect>
+                                  </p:childTnLst>
+                                </p:cTn>
+                              </p:par>
+                            </p:childTnLst>
+                          </p:cTn>
+                        </p:par>
+                      </p:childTnLst>
+                    </p:cTn>
+                  </p:par>
+                  <p:par>
+                    <p:cTn id="12" fill="hold">
+                      <p:stCondLst>
+                        <p:cond delay="indefinite"/>
+                      </p:stCondLst>
+                      <p:childTnLst>
+                        <p:par>
+                          <p:cTn id="13" fill="hold">
+                            <p:stCondLst>
+                              <p:cond delay="0"/>
+                            </p:stCondLst>
+                            <p:childTnLst>
+                              <p:par>
+                                <p:cTn id="14" presetID="22" presetClass="entr" presetSubtype="8" fill="hold" nodeType="clickEffect">
+                                  <p:stCondLst>
+                                    <p:cond delay="0"/>
+                                  </p:stCondLst>
+                                  <p:childTnLst>
+                                    <p:set>
+                                      <p:cBhvr>
+                                        <p:cTn id="15" dur="1" fill="hold">
+                                          <p:stCondLst>
+                                            <p:cond delay="0"/>
+                                          </p:stCondLst>
+                                        </p:cTn>
+                                        <p:tgtEl>
+                                          <p:spTgt spid="16392"/>
+                                        </p:tgtEl>
+                                        <p:attrNameLst>
+                                          <p:attrName>style.visibility</p:attrName>
+                                        </p:attrNameLst>
+                                      </p:cBhvr>
+                                      <p:to>
+                                        <p:strVal val="visible"/>
+                                      </p:to>
+                                    </p:set>
+                                    <p:animEffect transition="in" filter="wipe(left)">
+                                      <p:cBhvr>
+                                        <p:cTn id="16" dur="500"/>
+                                        <p:tgtEl>
+                                          <p:spTgt spid="16392"/>
+                                        </p:tgtEl>
+                                      </p:cBhvr>
+                                    </p:animEffect>
+                                  </p:childTnLst>
+                                </p:cTn>
+                              </p:par>
+                            </p:childTnLst>
+                          </p:cTn>
+                        </p:par>
+                        <p:par>
+                          <p:cTn id="17" fill="hold">
+                            <p:stCondLst>
+                              <p:cond delay="500"/>
+                            </p:stCondLst>
+                            <p:childTnLst>
+                              <p:par>
+                                <p:cTn id="18" presetID="22" presetClass="entr" presetSubtype="8" fill="hold" grpId="0" nodeType="afterEffect">
+                                  <p:stCondLst>
+                                    <p:cond delay="0"/>
+                                  </p:stCondLst>
+                                  <p:childTnLst>
+                                    <p:set>
+                                      <p:cBhvr>
+                                        <p:cTn id="19" dur="1" fill="hold">
+                                          <p:stCondLst>
+                                            <p:cond delay="0"/>
+                                          </p:stCondLst>
+                                        </p:cTn>
+                                        <p:tgtEl>
+                                          <p:spTgt spid="10"/>
+                                        </p:tgtEl>
+                                        <p:attrNameLst>
+                                          <p:attrName>style.visibility</p:attrName>
+                                        </p:attrNameLst>
+                                      </p:cBhvr>
+                                      <p:to>
+                                        <p:strVal val="visible"/>
+                                      </p:to>
+                                    </p:set>
+                                    <p:animEffect transition="in" filter="wipe(left)">
+                                      <p:cBhvr>
+                                        <p:cTn id="20" dur="500"/>
+                                        <p:tgtEl>
+                                          <p:spTgt spid="10"/>
+                                        </p:tgtEl>
+                                      </p:cBhvr>
+                                    </p:animEffect>
+                                  </p:childTnLst>
+                                </p:cTn>
+                              </p:par>
+                            </p:childTnLst>
+                          </p:cTn>
+                        </p:par>
+                      </p:childTnLst>
+                    </p:cTn>
+                  </p:par>
+                  <p:par>
+                    <p:cTn id="21" fill="hold">
+                      <p:stCondLst>
+                        <p:cond delay="indefinite"/>
+                      </p:stCondLst>
+                      <p:childTnLst>
+                        <p:par>
+                          <p:cTn id="22" fill="hold">
+                            <p:stCondLst>
+                              <p:cond delay="0"/>
+                            </p:stCondLst>
+                            <p:childTnLst>
+                              <p:par>
+                                <p:cTn id="23" presetID="22" presetClass="entr" presetSubtype="8" fill="hold" nodeType="clickEffect">
+                                  <p:stCondLst>
+                                    <p:cond delay="0"/>
+                                  </p:stCondLst>
+                                  <p:childTnLst>
+                                    <p:set>
+                                      <p:cBhvr>
+                                        <p:cTn id="24" dur="1" fill="hold">
+                                          <p:stCondLst>
+                                            <p:cond delay="0"/>
+                                          </p:stCondLst>
+                                        </p:cTn>
+                                        <p:tgtEl>
+                                          <p:spTgt spid="16390"/>
+                                        </p:tgtEl>
+                                        <p:attrNameLst>
+                                          <p:attrName>style.visibility</p:attrName>
+                                        </p:attrNameLst>
+                                      </p:cBhvr>
+                                      <p:to>
+                                        <p:strVal val="visible"/>
+                                      </p:to>
+                                    </p:set>
+                                    <p:animEffect transition="in" filter="wipe(left)">
+                                      <p:cBhvr>
+                                        <p:cTn id="25" dur="500"/>
+                                        <p:tgtEl>
+                                          <p:spTgt spid="16390"/>
+                                        </p:tgtEl>
+                                      </p:cBhvr>
+                                    </p:animEffect>
+                                  </p:childTnLst>
+                                </p:cTn>
+                              </p:par>
+                            </p:childTnLst>
+                          </p:cTn>
+                        </p:par>
+                        <p:par>
+                          <p:cTn id="26" fill="hold">
+                            <p:stCondLst>
+                              <p:cond delay="500"/>
+                            </p:stCondLst>
+                            <p:childTnLst>
+                              <p:par>
+                                <p:cTn id="27" presetID="22" presetClass="entr" presetSubtype="8" fill="hold" grpId="0" nodeType="afterEffect">
+                                  <p:stCondLst>
+                                    <p:cond delay="0"/>
+                                  </p:stCondLst>
+                                  <p:childTnLst>
+                                    <p:set>
+                                      <p:cBhvr>
+                                        <p:cTn id="28" dur="1" fill="hold">
+                                          <p:stCondLst>
+                                            <p:cond delay="0"/>
+                                          </p:stCondLst>
+                                        </p:cTn>
+                                        <p:tgtEl>
+                                          <p:spTgt spid="11"/>
+                                        </p:tgtEl>
+                                        <p:attrNameLst>
+                                          <p:attrName>style.visibility</p:attrName>
+                                        </p:attrNameLst>
+                                      </p:cBhvr>
+                                      <p:to>
+                                        <p:strVal val="visible"/>
+                                      </p:to>
+                                    </p:set>
+                                    <p:animEffect transition="in" filter="wipe(left)">
+                                      <p:cBhvr>
+                                        <p:cTn id="29" dur="500"/>
+                                        <p:tgtEl>
+                                          <p:spTgt spid="11"/>
+                                        </p:tgtEl>
+                                      </p:cBhvr>
+                                    </p:animEffect>
+                                  </p:childTnLst>
+                                </p:cTn>
+                              </p:par>
+                            </p:childTnLst>
+                          </p:cTn>
+                        </p:par>
+                      </p:childTnLst>
+                    </p:cTn>
+                  </p:par>
+                  <p:par>
+                    <p:cTn id="30" fill="hold">
+                      <p:stCondLst>
+                        <p:cond delay="indefinite"/>
+                      </p:stCondLst>
+                      <p:childTnLst>
+                        <p:par>
+                          <p:cTn id="31" fill="hold">
+                            <p:stCondLst>
+                              <p:cond delay="0"/>
+                            </p:stCondLst>
+                            <p:childTnLst>
+                              <p:par>
+                                <p:cTn id="32" presetID="22" presetClass="entr" presetSubtype="8" fill="hold" nodeType="clickEffect">
+                                  <p:stCondLst>
+                                    <p:cond delay="0"/>
+                                  </p:stCondLst>
+                                  <p:childTnLst>
+                                    <p:set>
+                                      <p:cBhvr>
+                                        <p:cTn id="33" dur="1" fill="hold">
+                                          <p:stCondLst>
+                                            <p:cond delay="0"/>
+                                          </p:stCondLst>
+                                        </p:cTn>
+                                        <p:tgtEl>
+                                          <p:spTgt spid="16394"/>
+                                        </p:tgtEl>
+                                        <p:attrNameLst>
+                                          <p:attrName>style.visibility</p:attrName>
+                                        </p:attrNameLst>
+                                      </p:cBhvr>
+                                      <p:to>
+                                        <p:strVal val="visible"/>
+                                      </p:to>
+                                    </p:set>
+                                    <p:animEffect transition="in" filter="wipe(left)">
+                                      <p:cBhvr>
+                                        <p:cTn id="34" dur="500"/>
+                                        <p:tgtEl>
+                                          <p:spTgt spid="16394"/>
+                                        </p:tgtEl>
+                                      </p:cBhvr>
+                                    </p:animEffect>
+                                  </p:childTnLst>
+                                </p:cTn>
+                              </p:par>
+                            </p:childTnLst>
+                          </p:cTn>
+                        </p:par>
+                        <p:par>
+                          <p:cTn id="35" fill="hold">
+                            <p:stCondLst>
+                              <p:cond delay="500"/>
+                            </p:stCondLst>
+                            <p:childTnLst>
+                              <p:par>
+                                <p:cTn id="36" presetID="22" presetClass="entr" presetSubtype="8" fill="hold" grpId="0" nodeType="afterEffect">
+                                  <p:stCondLst>
+                                    <p:cond delay="0"/>
+                                  </p:stCondLst>
+                                  <p:childTnLst>
+                                    <p:set>
+                                      <p:cBhvr>
+                                        <p:cTn id="37" dur="1" fill="hold">
+                                          <p:stCondLst>
+                                            <p:cond delay="0"/>
+                                          </p:stCondLst>
+                                        </p:cTn>
+                                        <p:tgtEl>
+                                          <p:spTgt spid="12"/>
+                                        </p:tgtEl>
+                                        <p:attrNameLst>
+                                          <p:attrName>style.visibility</p:attrName>
+                                        </p:attrNameLst>
+                                      </p:cBhvr>
+                                      <p:to>
+                                        <p:strVal val="visible"/>
+                                      </p:to>
+                                    </p:set>
+                                    <p:animEffect transition="in" filter="wipe(left)">
+                                      <p:cBhvr>
+                                        <p:cTn id="38" dur="500"/>
+                                        <p:tgtEl>
+                                          <p:spTgt spid="12"/>
+                                        </p:tgtEl>
+                                      </p:cBhvr>
+                                    </p:animEffect>
+                                  </p:childTnLst>
+                                </p:cTn>
+                              </p:par>
+                            </p:childTnLst>
+                          </p:cTn>
+                        </p:par>
+                      </p:childTnLst>
+                    </p:cTn>
+                  </p:par>
+                </p:childTnLst>
+              </p:cTn>
+              <p:prevCondLst>
+                <p:cond evt="onPrev" delay="0">
+                  <p:tgtEl>
+                    <p:sldTgt/>
+                  </p:tgtEl>
+                </p:cond>
+              </p:prevCondLst>
+              <p:nextCondLst>
+                <p:cond evt="onNext" delay="0">
+                  <p:tgtEl>
+                    <p:sldTgt/>
+                  </p:tgtEl>
+                </p:cond>
+              </p:nextCondLst>
+            </p:seq>
+          </p:childTnLst>
+        </p:cTn>
+      </p:par>
+    </p:tnLst>
+    <p:bldLst>
+      <p:bldP spid="4" grpId="0" animBg="1"/>
+      <p:bldP spid="10" grpId="0" animBg="1"/>
+      <p:bldP spid="11" grpId="0" animBg="1"/>
+      <p:bldP spid="12" grpId="0" animBg="1"/>
+    </p:bldLst>
+  </p:timing>
+</p:sld>
+</file>
+
+<file path=ppt/slides/slide26.xml><?xml version="1.0" encoding="utf-8"?>
+<p:sld xmlns:a="http://schemas.openxmlformats.org/drawingml/2006/main" xmlns:r="http://schemas.openxmlformats.org/officeDocument/2006/relationships" xmlns:p="http://schemas.openxmlformats.org/presentationml/2006/main">
+  <p:cSld>
+    <p:spTree>
+      <p:nvGrpSpPr>
+        <p:cNvPr id="1" name=""/>
+        <p:cNvGrpSpPr/>
+        <p:nvPr/>
+      </p:nvGrpSpPr>
+      <p:grpSpPr>
+        <a:xfrm>
+          <a:off x="0" y="0"/>
+          <a:ext cx="0" cy="0"/>
+          <a:chOff x="0" y="0"/>
+          <a:chExt cx="0" cy="0"/>
+        </a:xfrm>
+      </p:grpSpPr>
+      <p:sp>
+        <p:nvSpPr>
+          <p:cNvPr id="2" name="标题 1"/>
+          <p:cNvSpPr>
+            <a:spLocks noGrp="1"/>
+          </p:cNvSpPr>
+          <p:nvPr>
+            <p:ph type="title"/>
+          </p:nvPr>
+        </p:nvSpPr>
+        <p:spPr/>
+        <p:txBody>
+          <a:bodyPr>
+            <a:normAutofit fontScale="90000"/>
+          </a:bodyPr>
+          <a:lstStyle/>
+          <a:p>
+            <a:r>
+              <a:rPr lang="zh-CN" altLang="en-US" dirty="0"/>
+              <a:t>计算机领域经验和问题领域经验的区别</a:t>
+            </a:r>
           </a:p>
         </p:txBody>
       </p:sp>
@@ -19594,14 +20512,533 @@
           <a:bodyPr/>
           <a:lstStyle/>
           <a:p>
-            <a:endParaRPr lang="zh-CN" altLang="en-US"/>
+            <a:r>
+              <a:rPr lang="zh-CN" altLang="en-US" b="1" dirty="0" smtClean="0">
+                <a:solidFill>
+                  <a:srgbClr val="C00000"/>
+                </a:solidFill>
+              </a:rPr>
+              <a:t>计算机经验</a:t>
+            </a:r>
+            <a:r>
+              <a:rPr lang="zh-CN" altLang="en-US" dirty="0" smtClean="0"/>
+              <a:t>：对计算机技术的了解程度，顶级经验者称为计算机专家（</a:t>
+            </a:r>
+            <a:r>
+              <a:rPr lang="zh-CN" altLang="en-US" b="1" dirty="0" smtClean="0">
+                <a:solidFill>
+                  <a:srgbClr val="7030A0"/>
+                </a:solidFill>
+              </a:rPr>
+              <a:t>比尔盖茨</a:t>
+            </a:r>
+            <a:r>
+              <a:rPr lang="zh-CN" altLang="en-US" dirty="0" smtClean="0"/>
+              <a:t>）</a:t>
+            </a:r>
+            <a:endParaRPr lang="en-US" altLang="zh-CN" dirty="0" smtClean="0"/>
+          </a:p>
+          <a:p>
+            <a:r>
+              <a:rPr lang="zh-CN" altLang="en-US" b="1" dirty="0" smtClean="0">
+                <a:solidFill>
+                  <a:srgbClr val="C00000"/>
+                </a:solidFill>
+              </a:rPr>
+              <a:t>领域经验</a:t>
+            </a:r>
+            <a:r>
+              <a:rPr lang="zh-CN" altLang="en-US" dirty="0" smtClean="0"/>
+              <a:t>：对某个领域的业务或流程的了解程度，顶级经验者称为领域专家（</a:t>
+            </a:r>
+            <a:r>
+              <a:rPr lang="zh-CN" altLang="en-US" b="1" dirty="0" smtClean="0">
+                <a:solidFill>
+                  <a:srgbClr val="7030A0"/>
+                </a:solidFill>
+              </a:rPr>
+              <a:t>巴菲特</a:t>
+            </a:r>
+            <a:r>
+              <a:rPr lang="zh-CN" altLang="en-US" dirty="0" smtClean="0"/>
+              <a:t>）</a:t>
+            </a:r>
+            <a:endParaRPr lang="en-US" altLang="zh-CN" dirty="0" smtClean="0"/>
+          </a:p>
+        </p:txBody>
+      </p:sp>
+      <p:graphicFrame>
+        <p:nvGraphicFramePr>
+          <p:cNvPr id="4" name="对象 3"/>
+          <p:cNvGraphicFramePr>
+            <a:graphicFrameLocks noChangeAspect="1"/>
+          </p:cNvGraphicFramePr>
+          <p:nvPr>
+            <p:extLst>
+              <p:ext uri="{D42A27DB-BD31-4B8C-83A1-F6EECF244321}">
+                <p14:modId xmlns:p14="http://schemas.microsoft.com/office/powerpoint/2010/main" val="2321079518"/>
+              </p:ext>
+            </p:extLst>
+          </p:nvPr>
+        </p:nvGraphicFramePr>
+        <p:xfrm>
+          <a:off x="1259632" y="3943052"/>
+          <a:ext cx="6408737" cy="2654300"/>
+        </p:xfrm>
+        <a:graphic>
+          <a:graphicData uri="http://schemas.openxmlformats.org/presentationml/2006/ole">
+            <mc:AlternateContent xmlns:mc="http://schemas.openxmlformats.org/markup-compatibility/2006">
+              <mc:Choice xmlns:v="urn:schemas-microsoft-com:vml" Requires="v">
+                <p:oleObj spid="_x0000_s17414" r:id="rId3" imgW="10800720" imgH="4479480" progId="Visio.Drawing.11">
+                  <p:embed/>
+                </p:oleObj>
+              </mc:Choice>
+              <mc:Fallback>
+                <p:oleObj r:id="rId3" imgW="10800720" imgH="4479480" progId="Visio.Drawing.11">
+                  <p:embed/>
+                  <p:pic>
+                    <p:nvPicPr>
+                      <p:cNvPr id="0" name="Object 4"/>
+                      <p:cNvPicPr>
+                        <a:picLocks noChangeAspect="1" noChangeArrowheads="1"/>
+                      </p:cNvPicPr>
+                      <p:nvPr/>
+                    </p:nvPicPr>
+                    <p:blipFill>
+                      <a:blip r:embed="rId4">
+                        <a:extLst>
+                          <a:ext uri="{28A0092B-C50C-407E-A947-70E740481C1C}">
+                            <a14:useLocalDpi xmlns:a14="http://schemas.microsoft.com/office/drawing/2010/main" val="0"/>
+                          </a:ext>
+                        </a:extLst>
+                      </a:blip>
+                      <a:srcRect/>
+                      <a:stretch>
+                        <a:fillRect/>
+                      </a:stretch>
+                    </p:blipFill>
+                    <p:spPr bwMode="auto">
+                      <a:xfrm>
+                        <a:off x="1259632" y="3943052"/>
+                        <a:ext cx="6408737" cy="2654300"/>
+                      </a:xfrm>
+                      <a:prstGeom prst="rect">
+                        <a:avLst/>
+                      </a:prstGeom>
+                      <a:noFill/>
+                      <a:ln>
+                        <a:noFill/>
+                      </a:ln>
+                      <a:extLst>
+                        <a:ext uri="{909E8E84-426E-40DD-AFC4-6F175D3DCCD1}">
+                          <a14:hiddenFill xmlns:a14="http://schemas.microsoft.com/office/drawing/2010/main">
+                            <a:solidFill>
+                              <a:srgbClr val="FFFFFF"/>
+                            </a:solidFill>
+                          </a14:hiddenFill>
+                        </a:ext>
+                        <a:ext uri="{91240B29-F687-4F45-9708-019B960494DF}">
+                          <a14:hiddenLine xmlns:a14="http://schemas.microsoft.com/office/drawing/2010/main" w="9525">
+                            <a:solidFill>
+                              <a:srgbClr val="000000"/>
+                            </a:solidFill>
+                            <a:miter lim="800000"/>
+                            <a:headEnd/>
+                            <a:tailEnd/>
+                          </a14:hiddenLine>
+                        </a:ext>
+                      </a:extLst>
+                    </p:spPr>
+                  </p:pic>
+                </p:oleObj>
+              </mc:Fallback>
+            </mc:AlternateContent>
+          </a:graphicData>
+        </a:graphic>
+      </p:graphicFrame>
+      <p:sp>
+        <p:nvSpPr>
+          <p:cNvPr id="5" name="圆角矩形标注 4"/>
+          <p:cNvSpPr/>
+          <p:nvPr/>
+        </p:nvSpPr>
+        <p:spPr>
+          <a:xfrm>
+            <a:off x="539552" y="3933056"/>
+            <a:ext cx="2592288" cy="540640"/>
+          </a:xfrm>
+          <a:prstGeom prst="wedgeRoundRectCallout">
+            <a:avLst>
+              <a:gd name="adj1" fmla="val 61257"/>
+              <a:gd name="adj2" fmla="val 50167"/>
+              <a:gd name="adj3" fmla="val 16667"/>
+            </a:avLst>
+          </a:prstGeom>
+        </p:spPr>
+        <p:style>
+          <a:lnRef idx="2">
+            <a:schemeClr val="accent1">
+              <a:shade val="50000"/>
+            </a:schemeClr>
+          </a:lnRef>
+          <a:fillRef idx="1">
+            <a:schemeClr val="accent1"/>
+          </a:fillRef>
+          <a:effectRef idx="0">
+            <a:schemeClr val="accent1"/>
+          </a:effectRef>
+          <a:fontRef idx="minor">
+            <a:schemeClr val="lt1"/>
+          </a:fontRef>
+        </p:style>
+        <p:txBody>
+          <a:bodyPr rtlCol="0" anchor="ctr"/>
+          <a:lstStyle/>
+          <a:p>
+            <a:pPr algn="ctr"/>
+            <a:r>
+              <a:rPr lang="zh-CN" altLang="en-US" sz="1500" dirty="0" smtClean="0"/>
+              <a:t>拥有不同经验构成的用户其要求的交互界面区别很大</a:t>
+            </a:r>
+            <a:endParaRPr lang="zh-CN" altLang="en-US" sz="1500" dirty="0"/>
           </a:p>
         </p:txBody>
       </p:sp>
     </p:spTree>
     <p:extLst>
       <p:ext uri="{BB962C8B-B14F-4D97-AF65-F5344CB8AC3E}">
-        <p14:creationId xmlns:p14="http://schemas.microsoft.com/office/powerpoint/2010/main" val="3918581509"/>
+        <p14:creationId xmlns:p14="http://schemas.microsoft.com/office/powerpoint/2010/main" val="1595947123"/>
+      </p:ext>
+    </p:extLst>
+  </p:cSld>
+  <p:clrMapOvr>
+    <a:masterClrMapping/>
+  </p:clrMapOvr>
+  <p:timing>
+    <p:tnLst>
+      <p:par>
+        <p:cTn id="1" dur="indefinite" restart="never" nodeType="tmRoot">
+          <p:childTnLst>
+            <p:seq concurrent="1" nextAc="seek">
+              <p:cTn id="2" dur="indefinite" nodeType="mainSeq">
+                <p:childTnLst>
+                  <p:par>
+                    <p:cTn id="3" fill="hold">
+                      <p:stCondLst>
+                        <p:cond delay="indefinite"/>
+                      </p:stCondLst>
+                      <p:childTnLst>
+                        <p:par>
+                          <p:cTn id="4" fill="hold">
+                            <p:stCondLst>
+                              <p:cond delay="0"/>
+                            </p:stCondLst>
+                            <p:childTnLst>
+                              <p:par>
+                                <p:cTn id="5" presetID="22" presetClass="entr" presetSubtype="2" fill="hold" grpId="0" nodeType="clickEffect">
+                                  <p:stCondLst>
+                                    <p:cond delay="0"/>
+                                  </p:stCondLst>
+                                  <p:childTnLst>
+                                    <p:set>
+                                      <p:cBhvr>
+                                        <p:cTn id="6" dur="1" fill="hold">
+                                          <p:stCondLst>
+                                            <p:cond delay="0"/>
+                                          </p:stCondLst>
+                                        </p:cTn>
+                                        <p:tgtEl>
+                                          <p:spTgt spid="5"/>
+                                        </p:tgtEl>
+                                        <p:attrNameLst>
+                                          <p:attrName>style.visibility</p:attrName>
+                                        </p:attrNameLst>
+                                      </p:cBhvr>
+                                      <p:to>
+                                        <p:strVal val="visible"/>
+                                      </p:to>
+                                    </p:set>
+                                    <p:animEffect transition="in" filter="wipe(right)">
+                                      <p:cBhvr>
+                                        <p:cTn id="7" dur="500"/>
+                                        <p:tgtEl>
+                                          <p:spTgt spid="5"/>
+                                        </p:tgtEl>
+                                      </p:cBhvr>
+                                    </p:animEffect>
+                                  </p:childTnLst>
+                                </p:cTn>
+                              </p:par>
+                            </p:childTnLst>
+                          </p:cTn>
+                        </p:par>
+                      </p:childTnLst>
+                    </p:cTn>
+                  </p:par>
+                </p:childTnLst>
+              </p:cTn>
+              <p:prevCondLst>
+                <p:cond evt="onPrev" delay="0">
+                  <p:tgtEl>
+                    <p:sldTgt/>
+                  </p:tgtEl>
+                </p:cond>
+              </p:prevCondLst>
+              <p:nextCondLst>
+                <p:cond evt="onNext" delay="0">
+                  <p:tgtEl>
+                    <p:sldTgt/>
+                  </p:tgtEl>
+                </p:cond>
+              </p:nextCondLst>
+            </p:seq>
+          </p:childTnLst>
+        </p:cTn>
+      </p:par>
+    </p:tnLst>
+    <p:bldLst>
+      <p:bldP spid="5" grpId="0" animBg="1"/>
+    </p:bldLst>
+  </p:timing>
+</p:sld>
+</file>
+
+<file path=ppt/slides/slide27.xml><?xml version="1.0" encoding="utf-8"?>
+<p:sld xmlns:a="http://schemas.openxmlformats.org/drawingml/2006/main" xmlns:r="http://schemas.openxmlformats.org/officeDocument/2006/relationships" xmlns:p="http://schemas.openxmlformats.org/presentationml/2006/main">
+  <p:cSld>
+    <p:spTree>
+      <p:nvGrpSpPr>
+        <p:cNvPr id="1" name=""/>
+        <p:cNvGrpSpPr/>
+        <p:nvPr/>
+      </p:nvGrpSpPr>
+      <p:grpSpPr>
+        <a:xfrm>
+          <a:off x="0" y="0"/>
+          <a:ext cx="0" cy="0"/>
+          <a:chOff x="0" y="0"/>
+          <a:chExt cx="0" cy="0"/>
+        </a:xfrm>
+      </p:grpSpPr>
+      <p:sp>
+        <p:nvSpPr>
+          <p:cNvPr id="2" name="标题 1"/>
+          <p:cNvSpPr>
+            <a:spLocks noGrp="1"/>
+          </p:cNvSpPr>
+          <p:nvPr>
+            <p:ph type="title"/>
+          </p:nvPr>
+        </p:nvSpPr>
+        <p:spPr/>
+        <p:txBody>
+          <a:bodyPr/>
+          <a:lstStyle/>
+          <a:p>
+            <a:r>
+              <a:rPr lang="zh-CN" altLang="en-US" dirty="0" smtClean="0"/>
+              <a:t>用户交互分析</a:t>
+            </a:r>
+            <a:endParaRPr lang="zh-CN" altLang="en-US" dirty="0"/>
+          </a:p>
+        </p:txBody>
+      </p:sp>
+      <p:sp>
+        <p:nvSpPr>
+          <p:cNvPr id="3" name="内容占位符 2"/>
+          <p:cNvSpPr>
+            <a:spLocks noGrp="1"/>
+          </p:cNvSpPr>
+          <p:nvPr>
+            <p:ph idx="1"/>
+          </p:nvPr>
+        </p:nvSpPr>
+        <p:spPr/>
+        <p:txBody>
+          <a:bodyPr>
+            <a:noAutofit/>
+          </a:bodyPr>
+          <a:lstStyle/>
+          <a:p>
+            <a:r>
+              <a:rPr lang="zh-CN" altLang="en-US" b="1" dirty="0" smtClean="0">
+                <a:solidFill>
+                  <a:srgbClr val="C00000"/>
+                </a:solidFill>
+              </a:rPr>
+              <a:t>产品策略分析</a:t>
+            </a:r>
+            <a:endParaRPr lang="en-US" altLang="zh-CN" b="1" dirty="0" smtClean="0">
+              <a:solidFill>
+                <a:srgbClr val="C00000"/>
+              </a:solidFill>
+            </a:endParaRPr>
+          </a:p>
+          <a:p>
+            <a:pPr lvl="1"/>
+            <a:r>
+              <a:rPr lang="zh-CN" altLang="en-US" dirty="0">
+                <a:latin typeface="楷体" panose="02010609060101010101" pitchFamily="49" charset="-122"/>
+                <a:ea typeface="楷体" panose="02010609060101010101" pitchFamily="49" charset="-122"/>
+              </a:rPr>
+              <a:t>确定</a:t>
+            </a:r>
+            <a:r>
+              <a:rPr lang="zh-CN" altLang="en-US" b="1" dirty="0">
+                <a:solidFill>
+                  <a:srgbClr val="0070C0"/>
+                </a:solidFill>
+                <a:latin typeface="楷体" panose="02010609060101010101" pitchFamily="49" charset="-122"/>
+                <a:ea typeface="楷体" panose="02010609060101010101" pitchFamily="49" charset="-122"/>
+              </a:rPr>
+              <a:t>产品的设计方向和预期目标</a:t>
+            </a:r>
+            <a:r>
+              <a:rPr lang="zh-CN" altLang="en-US" dirty="0">
+                <a:latin typeface="楷体" panose="02010609060101010101" pitchFamily="49" charset="-122"/>
+                <a:ea typeface="楷体" panose="02010609060101010101" pitchFamily="49" charset="-122"/>
+              </a:rPr>
+              <a:t>，特别是要了解用户对设计产品的期望</a:t>
+            </a:r>
+            <a:r>
+              <a:rPr lang="zh-CN" altLang="en-US" dirty="0" smtClean="0">
+                <a:latin typeface="楷体" panose="02010609060101010101" pitchFamily="49" charset="-122"/>
+                <a:ea typeface="楷体" panose="02010609060101010101" pitchFamily="49" charset="-122"/>
+              </a:rPr>
+              <a:t>是什么</a:t>
+            </a:r>
+            <a:endParaRPr lang="en-US" altLang="zh-CN" dirty="0" smtClean="0">
+              <a:latin typeface="楷体" panose="02010609060101010101" pitchFamily="49" charset="-122"/>
+              <a:ea typeface="楷体" panose="02010609060101010101" pitchFamily="49" charset="-122"/>
+            </a:endParaRPr>
+          </a:p>
+          <a:p>
+            <a:pPr lvl="1"/>
+            <a:r>
+              <a:rPr lang="zh-CN" altLang="en-US" b="1" dirty="0">
+                <a:solidFill>
+                  <a:srgbClr val="0070C0"/>
+                </a:solidFill>
+                <a:latin typeface="楷体" panose="02010609060101010101" pitchFamily="49" charset="-122"/>
+                <a:ea typeface="楷体" panose="02010609060101010101" pitchFamily="49" charset="-122"/>
+              </a:rPr>
+              <a:t>同类型产品的竞争</a:t>
+            </a:r>
+            <a:r>
+              <a:rPr lang="zh-CN" altLang="en-US" b="1" dirty="0" smtClean="0">
+                <a:solidFill>
+                  <a:srgbClr val="0070C0"/>
+                </a:solidFill>
+                <a:latin typeface="楷体" panose="02010609060101010101" pitchFamily="49" charset="-122"/>
+                <a:ea typeface="楷体" panose="02010609060101010101" pitchFamily="49" charset="-122"/>
+              </a:rPr>
+              <a:t>特点</a:t>
+            </a:r>
+            <a:r>
+              <a:rPr lang="zh-CN" altLang="en-US" dirty="0" smtClean="0">
+                <a:latin typeface="楷体" panose="02010609060101010101" pitchFamily="49" charset="-122"/>
+                <a:ea typeface="楷体" panose="02010609060101010101" pitchFamily="49" charset="-122"/>
+              </a:rPr>
+              <a:t>，</a:t>
+            </a:r>
+            <a:r>
+              <a:rPr lang="zh-CN" altLang="en-US" dirty="0">
+                <a:latin typeface="楷体" panose="02010609060101010101" pitchFamily="49" charset="-122"/>
+                <a:ea typeface="楷体" panose="02010609060101010101" pitchFamily="49" charset="-122"/>
+              </a:rPr>
+              <a:t>包括正面的体验和负面的体验，从而得出产品交互设计的</a:t>
+            </a:r>
+            <a:r>
+              <a:rPr lang="zh-CN" altLang="en-US" dirty="0" smtClean="0">
+                <a:latin typeface="楷体" panose="02010609060101010101" pitchFamily="49" charset="-122"/>
+                <a:ea typeface="楷体" panose="02010609060101010101" pitchFamily="49" charset="-122"/>
+              </a:rPr>
+              <a:t>策略</a:t>
+            </a:r>
+            <a:endParaRPr lang="en-US" altLang="zh-CN" dirty="0" smtClean="0">
+              <a:latin typeface="楷体" panose="02010609060101010101" pitchFamily="49" charset="-122"/>
+              <a:ea typeface="楷体" panose="02010609060101010101" pitchFamily="49" charset="-122"/>
+            </a:endParaRPr>
+          </a:p>
+          <a:p>
+            <a:r>
+              <a:rPr lang="zh-CN" altLang="en-US" b="1" dirty="0" smtClean="0">
+                <a:solidFill>
+                  <a:srgbClr val="C00000"/>
+                </a:solidFill>
+              </a:rPr>
+              <a:t>用户分析</a:t>
+            </a:r>
+            <a:endParaRPr lang="en-US" altLang="zh-CN" b="1" dirty="0" smtClean="0">
+              <a:solidFill>
+                <a:srgbClr val="C00000"/>
+              </a:solidFill>
+            </a:endParaRPr>
+          </a:p>
+          <a:p>
+            <a:pPr lvl="1"/>
+            <a:r>
+              <a:rPr lang="zh-CN" altLang="en-US" dirty="0">
+                <a:latin typeface="楷体" panose="02010609060101010101" pitchFamily="49" charset="-122"/>
+                <a:ea typeface="楷体" panose="02010609060101010101" pitchFamily="49" charset="-122"/>
+              </a:rPr>
+              <a:t>深入而明确的</a:t>
+            </a:r>
+            <a:r>
+              <a:rPr lang="zh-CN" altLang="en-US" b="1" dirty="0">
+                <a:solidFill>
+                  <a:srgbClr val="0070C0"/>
+                </a:solidFill>
+                <a:latin typeface="楷体" panose="02010609060101010101" pitchFamily="49" charset="-122"/>
+                <a:ea typeface="楷体" panose="02010609060101010101" pitchFamily="49" charset="-122"/>
+              </a:rPr>
+              <a:t>了解产品的目标用户</a:t>
+            </a:r>
+            <a:r>
+              <a:rPr lang="en-US" altLang="zh-CN" dirty="0">
+                <a:latin typeface="楷体" panose="02010609060101010101" pitchFamily="49" charset="-122"/>
+                <a:ea typeface="楷体" panose="02010609060101010101" pitchFamily="49" charset="-122"/>
+              </a:rPr>
+              <a:t>(</a:t>
+            </a:r>
+            <a:r>
+              <a:rPr lang="zh-CN" altLang="en-US" dirty="0">
+                <a:latin typeface="楷体" panose="02010609060101010101" pitchFamily="49" charset="-122"/>
+                <a:ea typeface="楷体" panose="02010609060101010101" pitchFamily="49" charset="-122"/>
+              </a:rPr>
+              <a:t>如特定年龄区间、特殊的文化背景、职业特征、计算机使用经验、同类产品使用经验、爱好等等</a:t>
+            </a:r>
+            <a:r>
+              <a:rPr lang="en-US" altLang="zh-CN" dirty="0">
+                <a:latin typeface="楷体" panose="02010609060101010101" pitchFamily="49" charset="-122"/>
+                <a:ea typeface="楷体" panose="02010609060101010101" pitchFamily="49" charset="-122"/>
+              </a:rPr>
+              <a:t>)</a:t>
+            </a:r>
+            <a:r>
+              <a:rPr lang="zh-CN" altLang="en-US" dirty="0">
+                <a:latin typeface="楷体" panose="02010609060101010101" pitchFamily="49" charset="-122"/>
+                <a:ea typeface="楷体" panose="02010609060101010101" pitchFamily="49" charset="-122"/>
+              </a:rPr>
+              <a:t>，并</a:t>
+            </a:r>
+            <a:r>
+              <a:rPr lang="zh-CN" altLang="en-US" b="1" dirty="0">
+                <a:solidFill>
+                  <a:srgbClr val="0070C0"/>
+                </a:solidFill>
+                <a:latin typeface="楷体" panose="02010609060101010101" pitchFamily="49" charset="-122"/>
+                <a:ea typeface="楷体" panose="02010609060101010101" pitchFamily="49" charset="-122"/>
+              </a:rPr>
+              <a:t>找到典型用户</a:t>
+            </a:r>
+          </a:p>
+        </p:txBody>
+      </p:sp>
+    </p:spTree>
+    <p:extLst>
+      <p:ext uri="{BB962C8B-B14F-4D97-AF65-F5344CB8AC3E}">
+        <p14:creationId xmlns:p14="http://schemas.microsoft.com/office/powerpoint/2010/main" val="1880684810"/>
       </p:ext>
     </p:extLst>
   </p:cSld>
@@ -19614,6 +21051,915 @@
         <p:cTn id="1" dur="indefinite" restart="never" nodeType="tmRoot"/>
       </p:par>
     </p:tnLst>
+  </p:timing>
+</p:sld>
+</file>
+
+<file path=ppt/slides/slide28.xml><?xml version="1.0" encoding="utf-8"?>
+<p:sld xmlns:a="http://schemas.openxmlformats.org/drawingml/2006/main" xmlns:r="http://schemas.openxmlformats.org/officeDocument/2006/relationships" xmlns:p="http://schemas.openxmlformats.org/presentationml/2006/main">
+  <p:cSld>
+    <p:spTree>
+      <p:nvGrpSpPr>
+        <p:cNvPr id="1" name=""/>
+        <p:cNvGrpSpPr/>
+        <p:nvPr/>
+      </p:nvGrpSpPr>
+      <p:grpSpPr>
+        <a:xfrm>
+          <a:off x="0" y="0"/>
+          <a:ext cx="0" cy="0"/>
+          <a:chOff x="0" y="0"/>
+          <a:chExt cx="0" cy="0"/>
+        </a:xfrm>
+      </p:grpSpPr>
+      <p:sp>
+        <p:nvSpPr>
+          <p:cNvPr id="2" name="标题 1"/>
+          <p:cNvSpPr>
+            <a:spLocks noGrp="1"/>
+          </p:cNvSpPr>
+          <p:nvPr>
+            <p:ph type="title"/>
+          </p:nvPr>
+        </p:nvSpPr>
+        <p:spPr/>
+        <p:txBody>
+          <a:bodyPr/>
+          <a:lstStyle/>
+          <a:p>
+            <a:r>
+              <a:rPr lang="zh-CN" altLang="en-US" dirty="0" smtClean="0"/>
+              <a:t>用户交互分析</a:t>
+            </a:r>
+            <a:endParaRPr lang="zh-CN" altLang="en-US" dirty="0"/>
+          </a:p>
+        </p:txBody>
+      </p:sp>
+      <p:sp>
+        <p:nvSpPr>
+          <p:cNvPr id="3" name="内容占位符 2"/>
+          <p:cNvSpPr>
+            <a:spLocks noGrp="1"/>
+          </p:cNvSpPr>
+          <p:nvPr>
+            <p:ph idx="1"/>
+          </p:nvPr>
+        </p:nvSpPr>
+        <p:spPr/>
+        <p:txBody>
+          <a:bodyPr>
+            <a:noAutofit/>
+          </a:bodyPr>
+          <a:lstStyle/>
+          <a:p>
+            <a:r>
+              <a:rPr lang="zh-CN" altLang="en-US" b="1" dirty="0" smtClean="0">
+                <a:solidFill>
+                  <a:srgbClr val="C00000"/>
+                </a:solidFill>
+              </a:rPr>
+              <a:t>用户交互特性分析</a:t>
+            </a:r>
+            <a:endParaRPr lang="en-US" altLang="zh-CN" b="1" dirty="0" smtClean="0">
+              <a:solidFill>
+                <a:srgbClr val="C00000"/>
+              </a:solidFill>
+            </a:endParaRPr>
+          </a:p>
+          <a:p>
+            <a:pPr lvl="1"/>
+            <a:r>
+              <a:rPr lang="zh-CN" altLang="en-US" dirty="0">
+                <a:latin typeface="楷体" panose="02010609060101010101" pitchFamily="49" charset="-122"/>
+                <a:ea typeface="楷体" panose="02010609060101010101" pitchFamily="49" charset="-122"/>
+              </a:rPr>
+              <a:t>通过对目标用户群的交互挖掘，</a:t>
+            </a:r>
+            <a:r>
+              <a:rPr lang="zh-CN" altLang="en-US" b="1" dirty="0">
+                <a:solidFill>
+                  <a:srgbClr val="0070C0"/>
+                </a:solidFill>
+                <a:latin typeface="楷体" panose="02010609060101010101" pitchFamily="49" charset="-122"/>
+                <a:ea typeface="楷体" panose="02010609060101010101" pitchFamily="49" charset="-122"/>
+              </a:rPr>
+              <a:t>得出准确、具体的用户特征</a:t>
+            </a:r>
+            <a:r>
+              <a:rPr lang="zh-CN" altLang="en-US" dirty="0">
+                <a:latin typeface="楷体" panose="02010609060101010101" pitchFamily="49" charset="-122"/>
+                <a:ea typeface="楷体" panose="02010609060101010101" pitchFamily="49" charset="-122"/>
+              </a:rPr>
+              <a:t>，从而可以进行有的放矢地设计</a:t>
+            </a:r>
+            <a:endParaRPr lang="en-US" altLang="zh-CN" dirty="0" smtClean="0">
+              <a:latin typeface="楷体" panose="02010609060101010101" pitchFamily="49" charset="-122"/>
+              <a:ea typeface="楷体" panose="02010609060101010101" pitchFamily="49" charset="-122"/>
+            </a:endParaRPr>
+          </a:p>
+        </p:txBody>
+      </p:sp>
+    </p:spTree>
+    <p:extLst>
+      <p:ext uri="{BB962C8B-B14F-4D97-AF65-F5344CB8AC3E}">
+        <p14:creationId xmlns:p14="http://schemas.microsoft.com/office/powerpoint/2010/main" val="947085600"/>
+      </p:ext>
+    </p:extLst>
+  </p:cSld>
+  <p:clrMapOvr>
+    <a:masterClrMapping/>
+  </p:clrMapOvr>
+  <p:timing>
+    <p:tnLst>
+      <p:par>
+        <p:cTn id="1" dur="indefinite" restart="never" nodeType="tmRoot"/>
+      </p:par>
+    </p:tnLst>
+  </p:timing>
+</p:sld>
+</file>
+
+<file path=ppt/slides/slide29.xml><?xml version="1.0" encoding="utf-8"?>
+<p:sld xmlns:a="http://schemas.openxmlformats.org/drawingml/2006/main" xmlns:r="http://schemas.openxmlformats.org/officeDocument/2006/relationships" xmlns:p="http://schemas.openxmlformats.org/presentationml/2006/main">
+  <p:cSld>
+    <p:spTree>
+      <p:nvGrpSpPr>
+        <p:cNvPr id="1" name=""/>
+        <p:cNvGrpSpPr/>
+        <p:nvPr/>
+      </p:nvGrpSpPr>
+      <p:grpSpPr>
+        <a:xfrm>
+          <a:off x="0" y="0"/>
+          <a:ext cx="0" cy="0"/>
+          <a:chOff x="0" y="0"/>
+          <a:chExt cx="0" cy="0"/>
+        </a:xfrm>
+      </p:grpSpPr>
+      <p:sp>
+        <p:nvSpPr>
+          <p:cNvPr id="2" name="标题 1"/>
+          <p:cNvSpPr>
+            <a:spLocks noGrp="1"/>
+          </p:cNvSpPr>
+          <p:nvPr>
+            <p:ph type="title"/>
+          </p:nvPr>
+        </p:nvSpPr>
+        <p:spPr/>
+        <p:txBody>
+          <a:bodyPr/>
+          <a:lstStyle/>
+          <a:p>
+            <a:r>
+              <a:rPr lang="zh-CN" altLang="en-US" dirty="0" smtClean="0"/>
+              <a:t>设计流程</a:t>
+            </a:r>
+            <a:endParaRPr lang="zh-CN" altLang="en-US" dirty="0"/>
+          </a:p>
+        </p:txBody>
+      </p:sp>
+      <p:pic>
+        <p:nvPicPr>
+          <p:cNvPr id="18436" name="Picture 4" descr="https://timgsa.baidu.com/timg?image&amp;quality=80&amp;size=b9999_10000&amp;sec=1591182888628&amp;di=ed61351168b98a46fcbd801c91b8c61f&amp;imgtype=0&amp;src=http%3A%2F%2Fimg.iwatch365.com%2Fuploadfile%2F2016%2F0314%2F20160314114131149.jpg"/>
+          <p:cNvPicPr>
+            <a:picLocks noChangeAspect="1" noChangeArrowheads="1"/>
+          </p:cNvPicPr>
+          <p:nvPr/>
+        </p:nvPicPr>
+        <p:blipFill>
+          <a:blip r:embed="rId2">
+            <a:extLst>
+              <a:ext uri="{28A0092B-C50C-407E-A947-70E740481C1C}">
+                <a14:useLocalDpi xmlns:a14="http://schemas.microsoft.com/office/drawing/2010/main" val="0"/>
+              </a:ext>
+            </a:extLst>
+          </a:blip>
+          <a:srcRect/>
+          <a:stretch>
+            <a:fillRect/>
+          </a:stretch>
+        </p:blipFill>
+        <p:spPr bwMode="auto">
+          <a:xfrm>
+            <a:off x="155575" y="-136525"/>
+            <a:ext cx="38100" cy="76200"/>
+          </a:xfrm>
+          <a:prstGeom prst="rect">
+            <a:avLst/>
+          </a:prstGeom>
+          <a:noFill/>
+          <a:extLst>
+            <a:ext uri="{909E8E84-426E-40DD-AFC4-6F175D3DCCD1}">
+              <a14:hiddenFill xmlns:a14="http://schemas.microsoft.com/office/drawing/2010/main">
+                <a:solidFill>
+                  <a:srgbClr val="FFFFFF"/>
+                </a:solidFill>
+              </a14:hiddenFill>
+            </a:ext>
+          </a:extLst>
+        </p:spPr>
+      </p:pic>
+      <p:pic>
+        <p:nvPicPr>
+          <p:cNvPr id="18440" name="Picture 8" descr="https://timgsa.baidu.com/timg?image&amp;quality=80&amp;size=b9999_10000&amp;sec=1591182921981&amp;di=00b0ca8556341e0812e6ec6398748de4&amp;imgtype=0&amp;src=http%3A%2F%2F5b0988e595225.cdn.sohucs.com%2Fimages%2F20180811%2F5821841a90f8496eb33ff1ec6575c9ac.jpeg"/>
+          <p:cNvPicPr>
+            <a:picLocks noChangeAspect="1" noChangeArrowheads="1"/>
+          </p:cNvPicPr>
+          <p:nvPr/>
+        </p:nvPicPr>
+        <p:blipFill>
+          <a:blip r:embed="rId3">
+            <a:extLst>
+              <a:ext uri="{28A0092B-C50C-407E-A947-70E740481C1C}">
+                <a14:useLocalDpi xmlns:a14="http://schemas.microsoft.com/office/drawing/2010/main" val="0"/>
+              </a:ext>
+            </a:extLst>
+          </a:blip>
+          <a:srcRect/>
+          <a:stretch>
+            <a:fillRect/>
+          </a:stretch>
+        </p:blipFill>
+        <p:spPr bwMode="auto">
+          <a:xfrm>
+            <a:off x="539552" y="2636913"/>
+            <a:ext cx="3161125" cy="1878732"/>
+          </a:xfrm>
+          <a:prstGeom prst="rect">
+            <a:avLst/>
+          </a:prstGeom>
+          <a:noFill/>
+          <a:extLst>
+            <a:ext uri="{909E8E84-426E-40DD-AFC4-6F175D3DCCD1}">
+              <a14:hiddenFill xmlns:a14="http://schemas.microsoft.com/office/drawing/2010/main">
+                <a:solidFill>
+                  <a:srgbClr val="FFFFFF"/>
+                </a:solidFill>
+              </a14:hiddenFill>
+            </a:ext>
+          </a:extLst>
+        </p:spPr>
+      </p:pic>
+      <p:pic>
+        <p:nvPicPr>
+          <p:cNvPr id="18438" name="Picture 6" descr="https://timgsa.baidu.com/timg?image&amp;quality=80&amp;size=b9999_10000&amp;sec=1591182888628&amp;di=ed61351168b98a46fcbd801c91b8c61f&amp;imgtype=0&amp;src=http%3A%2F%2Fimg.iwatch365.com%2Fuploadfile%2F2016%2F0314%2F20160314114131149.jpg"/>
+          <p:cNvPicPr>
+            <a:picLocks noChangeAspect="1" noChangeArrowheads="1"/>
+          </p:cNvPicPr>
+          <p:nvPr/>
+        </p:nvPicPr>
+        <p:blipFill>
+          <a:blip r:embed="rId4" cstate="print">
+            <a:extLst>
+              <a:ext uri="{28A0092B-C50C-407E-A947-70E740481C1C}">
+                <a14:useLocalDpi xmlns:a14="http://schemas.microsoft.com/office/drawing/2010/main" val="0"/>
+              </a:ext>
+            </a:extLst>
+          </a:blip>
+          <a:srcRect/>
+          <a:stretch>
+            <a:fillRect/>
+          </a:stretch>
+        </p:blipFill>
+        <p:spPr bwMode="auto">
+          <a:xfrm>
+            <a:off x="3295010" y="4149080"/>
+            <a:ext cx="2668974" cy="1878732"/>
+          </a:xfrm>
+          <a:prstGeom prst="rect">
+            <a:avLst/>
+          </a:prstGeom>
+          <a:noFill/>
+          <a:extLst>
+            <a:ext uri="{909E8E84-426E-40DD-AFC4-6F175D3DCCD1}">
+              <a14:hiddenFill xmlns:a14="http://schemas.microsoft.com/office/drawing/2010/main">
+                <a:solidFill>
+                  <a:srgbClr val="FFFFFF"/>
+                </a:solidFill>
+              </a14:hiddenFill>
+            </a:ext>
+          </a:extLst>
+        </p:spPr>
+      </p:pic>
+      <p:pic>
+        <p:nvPicPr>
+          <p:cNvPr id="18434" name="Picture 2" descr="https://timgsa.baidu.com/timg?image&amp;quality=80&amp;size=b9999_10000&amp;sec=1591182769237&amp;di=cffe9a100e1b723c1e6cc4b92c21ca2e&amp;imgtype=0&amp;src=http%3A%2F%2Fstatic-news.17house.com%2Fnews%2Ftupian%2Fpng%2F24c1dc82b3ab11e6997400163e00254c.png"/>
+          <p:cNvPicPr>
+            <a:picLocks noChangeAspect="1" noChangeArrowheads="1"/>
+          </p:cNvPicPr>
+          <p:nvPr/>
+        </p:nvPicPr>
+        <p:blipFill>
+          <a:blip r:embed="rId5">
+            <a:extLst>
+              <a:ext uri="{28A0092B-C50C-407E-A947-70E740481C1C}">
+                <a14:useLocalDpi xmlns:a14="http://schemas.microsoft.com/office/drawing/2010/main" val="0"/>
+              </a:ext>
+            </a:extLst>
+          </a:blip>
+          <a:srcRect/>
+          <a:stretch>
+            <a:fillRect/>
+          </a:stretch>
+        </p:blipFill>
+        <p:spPr bwMode="auto">
+          <a:xfrm>
+            <a:off x="5746873" y="2545134"/>
+            <a:ext cx="2783582" cy="2062289"/>
+          </a:xfrm>
+          <a:prstGeom prst="rect">
+            <a:avLst/>
+          </a:prstGeom>
+          <a:noFill/>
+          <a:extLst>
+            <a:ext uri="{909E8E84-426E-40DD-AFC4-6F175D3DCCD1}">
+              <a14:hiddenFill xmlns:a14="http://schemas.microsoft.com/office/drawing/2010/main">
+                <a:solidFill>
+                  <a:srgbClr val="FFFFFF"/>
+                </a:solidFill>
+              </a14:hiddenFill>
+            </a:ext>
+          </a:extLst>
+        </p:spPr>
+      </p:pic>
+      <p:sp>
+        <p:nvSpPr>
+          <p:cNvPr id="4" name="TextBox 3"/>
+          <p:cNvSpPr txBox="1"/>
+          <p:nvPr/>
+        </p:nvSpPr>
+        <p:spPr>
+          <a:xfrm>
+            <a:off x="1104451" y="2267581"/>
+            <a:ext cx="2031325" cy="369332"/>
+          </a:xfrm>
+          <a:prstGeom prst="rect">
+            <a:avLst/>
+          </a:prstGeom>
+          <a:noFill/>
+        </p:spPr>
+        <p:txBody>
+          <a:bodyPr wrap="none" rtlCol="0">
+            <a:spAutoFit/>
+          </a:bodyPr>
+          <a:lstStyle/>
+          <a:p>
+            <a:r>
+              <a:rPr lang="zh-CN" altLang="en-US" b="1" dirty="0" smtClean="0">
+                <a:solidFill>
+                  <a:srgbClr val="C00000"/>
+                </a:solidFill>
+              </a:rPr>
+              <a:t>用户的观察和分析</a:t>
+            </a:r>
+            <a:endParaRPr lang="zh-CN" altLang="en-US" b="1" dirty="0">
+              <a:solidFill>
+                <a:srgbClr val="C00000"/>
+              </a:solidFill>
+            </a:endParaRPr>
+          </a:p>
+        </p:txBody>
+      </p:sp>
+      <p:sp>
+        <p:nvSpPr>
+          <p:cNvPr id="9" name="TextBox 8"/>
+          <p:cNvSpPr txBox="1"/>
+          <p:nvPr/>
+        </p:nvSpPr>
+        <p:spPr>
+          <a:xfrm>
+            <a:off x="4306331" y="6019289"/>
+            <a:ext cx="646331" cy="369332"/>
+          </a:xfrm>
+          <a:prstGeom prst="rect">
+            <a:avLst/>
+          </a:prstGeom>
+          <a:noFill/>
+        </p:spPr>
+        <p:txBody>
+          <a:bodyPr wrap="none" rtlCol="0">
+            <a:spAutoFit/>
+          </a:bodyPr>
+          <a:lstStyle/>
+          <a:p>
+            <a:r>
+              <a:rPr lang="zh-CN" altLang="en-US" b="1" dirty="0" smtClean="0">
+                <a:solidFill>
+                  <a:srgbClr val="C00000"/>
+                </a:solidFill>
+              </a:rPr>
+              <a:t>设计</a:t>
+            </a:r>
+            <a:endParaRPr lang="zh-CN" altLang="en-US" b="1" dirty="0">
+              <a:solidFill>
+                <a:srgbClr val="C00000"/>
+              </a:solidFill>
+            </a:endParaRPr>
+          </a:p>
+        </p:txBody>
+      </p:sp>
+      <p:sp>
+        <p:nvSpPr>
+          <p:cNvPr id="10" name="TextBox 9"/>
+          <p:cNvSpPr txBox="1"/>
+          <p:nvPr/>
+        </p:nvSpPr>
+        <p:spPr>
+          <a:xfrm>
+            <a:off x="6815498" y="2175802"/>
+            <a:ext cx="646331" cy="369332"/>
+          </a:xfrm>
+          <a:prstGeom prst="rect">
+            <a:avLst/>
+          </a:prstGeom>
+          <a:noFill/>
+        </p:spPr>
+        <p:txBody>
+          <a:bodyPr wrap="none" rtlCol="0">
+            <a:spAutoFit/>
+          </a:bodyPr>
+          <a:lstStyle/>
+          <a:p>
+            <a:r>
+              <a:rPr lang="zh-CN" altLang="en-US" b="1" dirty="0" smtClean="0">
+                <a:solidFill>
+                  <a:srgbClr val="C00000"/>
+                </a:solidFill>
+              </a:rPr>
+              <a:t>实施</a:t>
+            </a:r>
+            <a:endParaRPr lang="zh-CN" altLang="en-US" b="1" dirty="0">
+              <a:solidFill>
+                <a:srgbClr val="C00000"/>
+              </a:solidFill>
+            </a:endParaRPr>
+          </a:p>
+        </p:txBody>
+      </p:sp>
+      <p:sp>
+        <p:nvSpPr>
+          <p:cNvPr id="6" name="直角上箭头 5"/>
+          <p:cNvSpPr/>
+          <p:nvPr/>
+        </p:nvSpPr>
+        <p:spPr>
+          <a:xfrm rot="5400000">
+            <a:off x="2266113" y="4609054"/>
+            <a:ext cx="792088" cy="788826"/>
+          </a:xfrm>
+          <a:prstGeom prst="bentUpArrow">
+            <a:avLst/>
+          </a:prstGeom>
+        </p:spPr>
+        <p:style>
+          <a:lnRef idx="2">
+            <a:schemeClr val="accent1">
+              <a:shade val="50000"/>
+            </a:schemeClr>
+          </a:lnRef>
+          <a:fillRef idx="1">
+            <a:schemeClr val="accent1"/>
+          </a:fillRef>
+          <a:effectRef idx="0">
+            <a:schemeClr val="accent1"/>
+          </a:effectRef>
+          <a:fontRef idx="minor">
+            <a:schemeClr val="lt1"/>
+          </a:fontRef>
+        </p:style>
+        <p:txBody>
+          <a:bodyPr rtlCol="0" anchor="ctr"/>
+          <a:lstStyle/>
+          <a:p>
+            <a:pPr algn="ctr"/>
+            <a:endParaRPr lang="zh-CN" altLang="en-US"/>
+          </a:p>
+        </p:txBody>
+      </p:sp>
+      <p:sp>
+        <p:nvSpPr>
+          <p:cNvPr id="14" name="直角上箭头 13"/>
+          <p:cNvSpPr/>
+          <p:nvPr/>
+        </p:nvSpPr>
+        <p:spPr>
+          <a:xfrm>
+            <a:off x="6273697" y="4653136"/>
+            <a:ext cx="792088" cy="788826"/>
+          </a:xfrm>
+          <a:prstGeom prst="bentUpArrow">
+            <a:avLst/>
+          </a:prstGeom>
+        </p:spPr>
+        <p:style>
+          <a:lnRef idx="2">
+            <a:schemeClr val="accent1">
+              <a:shade val="50000"/>
+            </a:schemeClr>
+          </a:lnRef>
+          <a:fillRef idx="1">
+            <a:schemeClr val="accent1"/>
+          </a:fillRef>
+          <a:effectRef idx="0">
+            <a:schemeClr val="accent1"/>
+          </a:effectRef>
+          <a:fontRef idx="minor">
+            <a:schemeClr val="lt1"/>
+          </a:fontRef>
+        </p:style>
+        <p:txBody>
+          <a:bodyPr rtlCol="0" anchor="ctr"/>
+          <a:lstStyle/>
+          <a:p>
+            <a:pPr algn="ctr"/>
+            <a:endParaRPr lang="zh-CN" altLang="en-US"/>
+          </a:p>
+        </p:txBody>
+      </p:sp>
+    </p:spTree>
+    <p:extLst>
+      <p:ext uri="{BB962C8B-B14F-4D97-AF65-F5344CB8AC3E}">
+        <p14:creationId xmlns:p14="http://schemas.microsoft.com/office/powerpoint/2010/main" val="3437973832"/>
+      </p:ext>
+    </p:extLst>
+  </p:cSld>
+  <p:clrMapOvr>
+    <a:masterClrMapping/>
+  </p:clrMapOvr>
+  <p:timing>
+    <p:tnLst>
+      <p:par>
+        <p:cTn id="1" dur="indefinite" restart="never" nodeType="tmRoot">
+          <p:childTnLst>
+            <p:seq concurrent="1" nextAc="seek">
+              <p:cTn id="2" dur="indefinite" nodeType="mainSeq">
+                <p:childTnLst>
+                  <p:par>
+                    <p:cTn id="3" fill="hold">
+                      <p:stCondLst>
+                        <p:cond delay="indefinite"/>
+                        <p:cond evt="onBegin" delay="0">
+                          <p:tn val="2"/>
+                        </p:cond>
+                      </p:stCondLst>
+                      <p:childTnLst>
+                        <p:par>
+                          <p:cTn id="4" fill="hold">
+                            <p:stCondLst>
+                              <p:cond delay="0"/>
+                            </p:stCondLst>
+                            <p:childTnLst>
+                              <p:par>
+                                <p:cTn id="5" presetID="10" presetClass="entr" presetSubtype="0" fill="hold" nodeType="afterEffect">
+                                  <p:stCondLst>
+                                    <p:cond delay="0"/>
+                                  </p:stCondLst>
+                                  <p:childTnLst>
+                                    <p:set>
+                                      <p:cBhvr>
+                                        <p:cTn id="6" dur="1" fill="hold">
+                                          <p:stCondLst>
+                                            <p:cond delay="0"/>
+                                          </p:stCondLst>
+                                        </p:cTn>
+                                        <p:tgtEl>
+                                          <p:spTgt spid="18440"/>
+                                        </p:tgtEl>
+                                        <p:attrNameLst>
+                                          <p:attrName>style.visibility</p:attrName>
+                                        </p:attrNameLst>
+                                      </p:cBhvr>
+                                      <p:to>
+                                        <p:strVal val="visible"/>
+                                      </p:to>
+                                    </p:set>
+                                    <p:animEffect transition="in" filter="fade">
+                                      <p:cBhvr>
+                                        <p:cTn id="7" dur="500"/>
+                                        <p:tgtEl>
+                                          <p:spTgt spid="18440"/>
+                                        </p:tgtEl>
+                                      </p:cBhvr>
+                                    </p:animEffect>
+                                  </p:childTnLst>
+                                </p:cTn>
+                              </p:par>
+                              <p:par>
+                                <p:cTn id="8" presetID="10" presetClass="entr" presetSubtype="0" fill="hold" grpId="0" nodeType="withEffect">
+                                  <p:stCondLst>
+                                    <p:cond delay="0"/>
+                                  </p:stCondLst>
+                                  <p:childTnLst>
+                                    <p:set>
+                                      <p:cBhvr>
+                                        <p:cTn id="9" dur="1" fill="hold">
+                                          <p:stCondLst>
+                                            <p:cond delay="0"/>
+                                          </p:stCondLst>
+                                        </p:cTn>
+                                        <p:tgtEl>
+                                          <p:spTgt spid="4"/>
+                                        </p:tgtEl>
+                                        <p:attrNameLst>
+                                          <p:attrName>style.visibility</p:attrName>
+                                        </p:attrNameLst>
+                                      </p:cBhvr>
+                                      <p:to>
+                                        <p:strVal val="visible"/>
+                                      </p:to>
+                                    </p:set>
+                                    <p:animEffect transition="in" filter="fade">
+                                      <p:cBhvr>
+                                        <p:cTn id="10" dur="500"/>
+                                        <p:tgtEl>
+                                          <p:spTgt spid="4"/>
+                                        </p:tgtEl>
+                                      </p:cBhvr>
+                                    </p:animEffect>
+                                  </p:childTnLst>
+                                </p:cTn>
+                              </p:par>
+                            </p:childTnLst>
+                          </p:cTn>
+                        </p:par>
+                        <p:par>
+                          <p:cTn id="11" fill="hold">
+                            <p:stCondLst>
+                              <p:cond delay="500"/>
+                            </p:stCondLst>
+                            <p:childTnLst>
+                              <p:par>
+                                <p:cTn id="12" presetID="18" presetClass="entr" presetSubtype="6" fill="hold" grpId="0" nodeType="afterEffect">
+                                  <p:stCondLst>
+                                    <p:cond delay="0"/>
+                                  </p:stCondLst>
+                                  <p:childTnLst>
+                                    <p:set>
+                                      <p:cBhvr>
+                                        <p:cTn id="13" dur="1" fill="hold">
+                                          <p:stCondLst>
+                                            <p:cond delay="0"/>
+                                          </p:stCondLst>
+                                        </p:cTn>
+                                        <p:tgtEl>
+                                          <p:spTgt spid="6"/>
+                                        </p:tgtEl>
+                                        <p:attrNameLst>
+                                          <p:attrName>style.visibility</p:attrName>
+                                        </p:attrNameLst>
+                                      </p:cBhvr>
+                                      <p:to>
+                                        <p:strVal val="visible"/>
+                                      </p:to>
+                                    </p:set>
+                                    <p:animEffect transition="in" filter="strips(downRight)">
+                                      <p:cBhvr>
+                                        <p:cTn id="14" dur="500"/>
+                                        <p:tgtEl>
+                                          <p:spTgt spid="6"/>
+                                        </p:tgtEl>
+                                      </p:cBhvr>
+                                    </p:animEffect>
+                                  </p:childTnLst>
+                                </p:cTn>
+                              </p:par>
+                            </p:childTnLst>
+                          </p:cTn>
+                        </p:par>
+                        <p:par>
+                          <p:cTn id="15" fill="hold">
+                            <p:stCondLst>
+                              <p:cond delay="1000"/>
+                            </p:stCondLst>
+                            <p:childTnLst>
+                              <p:par>
+                                <p:cTn id="16" presetID="10" presetClass="entr" presetSubtype="0" fill="hold" nodeType="afterEffect">
+                                  <p:stCondLst>
+                                    <p:cond delay="0"/>
+                                  </p:stCondLst>
+                                  <p:childTnLst>
+                                    <p:set>
+                                      <p:cBhvr>
+                                        <p:cTn id="17" dur="1" fill="hold">
+                                          <p:stCondLst>
+                                            <p:cond delay="0"/>
+                                          </p:stCondLst>
+                                        </p:cTn>
+                                        <p:tgtEl>
+                                          <p:spTgt spid="18438"/>
+                                        </p:tgtEl>
+                                        <p:attrNameLst>
+                                          <p:attrName>style.visibility</p:attrName>
+                                        </p:attrNameLst>
+                                      </p:cBhvr>
+                                      <p:to>
+                                        <p:strVal val="visible"/>
+                                      </p:to>
+                                    </p:set>
+                                    <p:animEffect transition="in" filter="fade">
+                                      <p:cBhvr>
+                                        <p:cTn id="18" dur="500"/>
+                                        <p:tgtEl>
+                                          <p:spTgt spid="18438"/>
+                                        </p:tgtEl>
+                                      </p:cBhvr>
+                                    </p:animEffect>
+                                  </p:childTnLst>
+                                </p:cTn>
+                              </p:par>
+                              <p:par>
+                                <p:cTn id="19" presetID="10" presetClass="entr" presetSubtype="0" fill="hold" grpId="0" nodeType="withEffect">
+                                  <p:stCondLst>
+                                    <p:cond delay="0"/>
+                                  </p:stCondLst>
+                                  <p:childTnLst>
+                                    <p:set>
+                                      <p:cBhvr>
+                                        <p:cTn id="20" dur="1" fill="hold">
+                                          <p:stCondLst>
+                                            <p:cond delay="0"/>
+                                          </p:stCondLst>
+                                        </p:cTn>
+                                        <p:tgtEl>
+                                          <p:spTgt spid="9"/>
+                                        </p:tgtEl>
+                                        <p:attrNameLst>
+                                          <p:attrName>style.visibility</p:attrName>
+                                        </p:attrNameLst>
+                                      </p:cBhvr>
+                                      <p:to>
+                                        <p:strVal val="visible"/>
+                                      </p:to>
+                                    </p:set>
+                                    <p:animEffect transition="in" filter="fade">
+                                      <p:cBhvr>
+                                        <p:cTn id="21" dur="500"/>
+                                        <p:tgtEl>
+                                          <p:spTgt spid="9"/>
+                                        </p:tgtEl>
+                                      </p:cBhvr>
+                                    </p:animEffect>
+                                  </p:childTnLst>
+                                </p:cTn>
+                              </p:par>
+                            </p:childTnLst>
+                          </p:cTn>
+                        </p:par>
+                        <p:par>
+                          <p:cTn id="22" fill="hold">
+                            <p:stCondLst>
+                              <p:cond delay="1500"/>
+                            </p:stCondLst>
+                            <p:childTnLst>
+                              <p:par>
+                                <p:cTn id="23" presetID="18" presetClass="entr" presetSubtype="3" fill="hold" grpId="0" nodeType="afterEffect">
+                                  <p:stCondLst>
+                                    <p:cond delay="0"/>
+                                  </p:stCondLst>
+                                  <p:childTnLst>
+                                    <p:set>
+                                      <p:cBhvr>
+                                        <p:cTn id="24" dur="1" fill="hold">
+                                          <p:stCondLst>
+                                            <p:cond delay="0"/>
+                                          </p:stCondLst>
+                                        </p:cTn>
+                                        <p:tgtEl>
+                                          <p:spTgt spid="14"/>
+                                        </p:tgtEl>
+                                        <p:attrNameLst>
+                                          <p:attrName>style.visibility</p:attrName>
+                                        </p:attrNameLst>
+                                      </p:cBhvr>
+                                      <p:to>
+                                        <p:strVal val="visible"/>
+                                      </p:to>
+                                    </p:set>
+                                    <p:animEffect transition="in" filter="strips(upRight)">
+                                      <p:cBhvr>
+                                        <p:cTn id="25" dur="500"/>
+                                        <p:tgtEl>
+                                          <p:spTgt spid="14"/>
+                                        </p:tgtEl>
+                                      </p:cBhvr>
+                                    </p:animEffect>
+                                  </p:childTnLst>
+                                </p:cTn>
+                              </p:par>
+                            </p:childTnLst>
+                          </p:cTn>
+                        </p:par>
+                        <p:par>
+                          <p:cTn id="26" fill="hold">
+                            <p:stCondLst>
+                              <p:cond delay="2000"/>
+                            </p:stCondLst>
+                            <p:childTnLst>
+                              <p:par>
+                                <p:cTn id="27" presetID="10" presetClass="entr" presetSubtype="0" fill="hold" grpId="0" nodeType="afterEffect">
+                                  <p:stCondLst>
+                                    <p:cond delay="0"/>
+                                  </p:stCondLst>
+                                  <p:childTnLst>
+                                    <p:set>
+                                      <p:cBhvr>
+                                        <p:cTn id="28" dur="1" fill="hold">
+                                          <p:stCondLst>
+                                            <p:cond delay="0"/>
+                                          </p:stCondLst>
+                                        </p:cTn>
+                                        <p:tgtEl>
+                                          <p:spTgt spid="10"/>
+                                        </p:tgtEl>
+                                        <p:attrNameLst>
+                                          <p:attrName>style.visibility</p:attrName>
+                                        </p:attrNameLst>
+                                      </p:cBhvr>
+                                      <p:to>
+                                        <p:strVal val="visible"/>
+                                      </p:to>
+                                    </p:set>
+                                    <p:animEffect transition="in" filter="fade">
+                                      <p:cBhvr>
+                                        <p:cTn id="29" dur="500"/>
+                                        <p:tgtEl>
+                                          <p:spTgt spid="10"/>
+                                        </p:tgtEl>
+                                      </p:cBhvr>
+                                    </p:animEffect>
+                                  </p:childTnLst>
+                                </p:cTn>
+                              </p:par>
+                              <p:par>
+                                <p:cTn id="30" presetID="10" presetClass="entr" presetSubtype="0" fill="hold" nodeType="withEffect">
+                                  <p:stCondLst>
+                                    <p:cond delay="0"/>
+                                  </p:stCondLst>
+                                  <p:childTnLst>
+                                    <p:set>
+                                      <p:cBhvr>
+                                        <p:cTn id="31" dur="1" fill="hold">
+                                          <p:stCondLst>
+                                            <p:cond delay="0"/>
+                                          </p:stCondLst>
+                                        </p:cTn>
+                                        <p:tgtEl>
+                                          <p:spTgt spid="18434"/>
+                                        </p:tgtEl>
+                                        <p:attrNameLst>
+                                          <p:attrName>style.visibility</p:attrName>
+                                        </p:attrNameLst>
+                                      </p:cBhvr>
+                                      <p:to>
+                                        <p:strVal val="visible"/>
+                                      </p:to>
+                                    </p:set>
+                                    <p:animEffect transition="in" filter="fade">
+                                      <p:cBhvr>
+                                        <p:cTn id="32" dur="500"/>
+                                        <p:tgtEl>
+                                          <p:spTgt spid="18434"/>
+                                        </p:tgtEl>
+                                      </p:cBhvr>
+                                    </p:animEffect>
+                                  </p:childTnLst>
+                                </p:cTn>
+                              </p:par>
+                            </p:childTnLst>
+                          </p:cTn>
+                        </p:par>
+                      </p:childTnLst>
+                    </p:cTn>
+                  </p:par>
+                </p:childTnLst>
+              </p:cTn>
+              <p:prevCondLst>
+                <p:cond evt="onPrev" delay="0">
+                  <p:tgtEl>
+                    <p:sldTgt/>
+                  </p:tgtEl>
+                </p:cond>
+              </p:prevCondLst>
+              <p:nextCondLst>
+                <p:cond evt="onNext" delay="0">
+                  <p:tgtEl>
+                    <p:sldTgt/>
+                  </p:tgtEl>
+                </p:cond>
+              </p:nextCondLst>
+            </p:seq>
+          </p:childTnLst>
+        </p:cTn>
+      </p:par>
+    </p:tnLst>
+    <p:bldLst>
+      <p:bldP spid="4" grpId="0"/>
+      <p:bldP spid="9" grpId="0"/>
+      <p:bldP spid="10" grpId="0"/>
+      <p:bldP spid="6" grpId="0" animBg="1"/>
+      <p:bldP spid="14" grpId="0" animBg="1"/>
+    </p:bldLst>
   </p:timing>
 </p:sld>
 </file>
@@ -19675,11 +22021,7 @@
           <a:p>
             <a:r>
               <a:rPr lang="zh-CN" altLang="en-US" dirty="0" smtClean="0"/>
-              <a:t>用户界面</a:t>
-            </a:r>
-            <a:r>
-              <a:rPr lang="zh-CN" altLang="en-US" dirty="0" smtClean="0"/>
-              <a:t>分类</a:t>
+              <a:t>用户界面分类</a:t>
             </a:r>
             <a:endParaRPr lang="en-US" altLang="zh-CN" dirty="0" smtClean="0"/>
           </a:p>
@@ -20598,6 +22940,3791 @@
 </p:sld>
 </file>
 
+<file path=ppt/slides/slide30.xml><?xml version="1.0" encoding="utf-8"?>
+<p:sld xmlns:a="http://schemas.openxmlformats.org/drawingml/2006/main" xmlns:r="http://schemas.openxmlformats.org/officeDocument/2006/relationships" xmlns:p="http://schemas.openxmlformats.org/presentationml/2006/main">
+  <p:cSld>
+    <p:spTree>
+      <p:nvGrpSpPr>
+        <p:cNvPr id="1" name=""/>
+        <p:cNvGrpSpPr/>
+        <p:nvPr/>
+      </p:nvGrpSpPr>
+      <p:grpSpPr>
+        <a:xfrm>
+          <a:off x="0" y="0"/>
+          <a:ext cx="0" cy="0"/>
+          <a:chOff x="0" y="0"/>
+          <a:chExt cx="0" cy="0"/>
+        </a:xfrm>
+      </p:grpSpPr>
+      <p:sp>
+        <p:nvSpPr>
+          <p:cNvPr id="2" name="标题 1"/>
+          <p:cNvSpPr>
+            <a:spLocks noGrp="1"/>
+          </p:cNvSpPr>
+          <p:nvPr>
+            <p:ph type="title"/>
+          </p:nvPr>
+        </p:nvSpPr>
+        <p:spPr/>
+        <p:txBody>
+          <a:bodyPr/>
+          <a:lstStyle/>
+          <a:p>
+            <a:r>
+              <a:rPr lang="zh-CN" altLang="en-US" dirty="0" smtClean="0"/>
+              <a:t>设计流程</a:t>
+            </a:r>
+            <a:endParaRPr lang="zh-CN" altLang="en-US" dirty="0"/>
+          </a:p>
+        </p:txBody>
+      </p:sp>
+      <p:sp>
+        <p:nvSpPr>
+          <p:cNvPr id="3" name="内容占位符 2"/>
+          <p:cNvSpPr>
+            <a:spLocks noGrp="1"/>
+          </p:cNvSpPr>
+          <p:nvPr>
+            <p:ph idx="1"/>
+          </p:nvPr>
+        </p:nvSpPr>
+        <p:spPr/>
+        <p:txBody>
+          <a:bodyPr>
+            <a:noAutofit/>
+          </a:bodyPr>
+          <a:lstStyle/>
+          <a:p>
+            <a:r>
+              <a:rPr lang="zh-CN" altLang="en-US" b="1" dirty="0" smtClean="0">
+                <a:solidFill>
+                  <a:srgbClr val="C00000"/>
+                </a:solidFill>
+              </a:rPr>
+              <a:t>用户的观察和分析</a:t>
+            </a:r>
+            <a:endParaRPr lang="en-US" altLang="zh-CN" b="1" dirty="0" smtClean="0">
+              <a:solidFill>
+                <a:srgbClr val="C00000"/>
+              </a:solidFill>
+            </a:endParaRPr>
+          </a:p>
+          <a:p>
+            <a:pPr marL="365760" lvl="1" indent="0">
+              <a:buNone/>
+            </a:pPr>
+            <a:r>
+              <a:rPr lang="zh-CN" altLang="en-US" dirty="0" smtClean="0">
+                <a:solidFill>
+                  <a:srgbClr val="0070C0"/>
+                </a:solidFill>
+                <a:latin typeface="楷体" panose="02010609060101010101" pitchFamily="49" charset="-122"/>
+                <a:ea typeface="楷体" panose="02010609060101010101" pitchFamily="49" charset="-122"/>
+              </a:rPr>
+              <a:t>通过观察用户是如何理解内容和组织信息，可以帮助我们在进行交互设计时更合理地组织信息</a:t>
+            </a:r>
+          </a:p>
+          <a:p>
+            <a:pPr marL="68580" indent="0">
+              <a:buNone/>
+            </a:pPr>
+            <a:r>
+              <a:rPr lang="zh-CN" altLang="en-US" dirty="0" smtClean="0"/>
+              <a:t>（</a:t>
+            </a:r>
+            <a:r>
+              <a:rPr lang="en-US" altLang="zh-CN" dirty="0" smtClean="0"/>
+              <a:t>1</a:t>
+            </a:r>
+            <a:r>
+              <a:rPr lang="zh-CN" altLang="en-US" dirty="0"/>
+              <a:t>）</a:t>
+            </a:r>
+            <a:r>
+              <a:rPr lang="zh-CN" altLang="en-US" b="1" dirty="0">
+                <a:solidFill>
+                  <a:srgbClr val="7030A0"/>
+                </a:solidFill>
+              </a:rPr>
+              <a:t>情境访谈</a:t>
+            </a:r>
+            <a:r>
+              <a:rPr lang="zh-CN" altLang="en-US" dirty="0"/>
+              <a:t>：走进用户的现实环境，尽量了解你的用户的工作方式、生活环境等</a:t>
+            </a:r>
+            <a:r>
+              <a:rPr lang="zh-CN" altLang="en-US" dirty="0" smtClean="0"/>
+              <a:t>情况</a:t>
+            </a:r>
+            <a:endParaRPr lang="en-US" altLang="zh-CN" dirty="0" smtClean="0"/>
+          </a:p>
+          <a:p>
+            <a:pPr marL="68580" indent="0">
+              <a:buNone/>
+            </a:pPr>
+            <a:r>
+              <a:rPr lang="zh-CN" altLang="en-US" dirty="0" smtClean="0"/>
+              <a:t>（</a:t>
+            </a:r>
+            <a:r>
+              <a:rPr lang="en-US" altLang="zh-CN" dirty="0" smtClean="0"/>
+              <a:t>2</a:t>
+            </a:r>
+            <a:r>
+              <a:rPr lang="zh-CN" altLang="en-US" dirty="0" smtClean="0"/>
+              <a:t>）</a:t>
+            </a:r>
+            <a:r>
+              <a:rPr lang="zh-CN" altLang="en-US" b="1" dirty="0" smtClean="0">
+                <a:solidFill>
+                  <a:srgbClr val="7030A0"/>
+                </a:solidFill>
+              </a:rPr>
+              <a:t>焦点</a:t>
+            </a:r>
+            <a:r>
+              <a:rPr lang="zh-CN" altLang="en-US" b="1" dirty="0">
+                <a:solidFill>
+                  <a:srgbClr val="7030A0"/>
+                </a:solidFill>
+              </a:rPr>
+              <a:t>小组</a:t>
+            </a:r>
+            <a:r>
+              <a:rPr lang="zh-CN" altLang="en-US" dirty="0"/>
+              <a:t>：组织一组用户进行讨论，让你更了解用户的理解、想法、态度和</a:t>
+            </a:r>
+            <a:r>
+              <a:rPr lang="zh-CN" altLang="en-US" dirty="0" smtClean="0"/>
+              <a:t>需求</a:t>
+            </a:r>
+            <a:endParaRPr lang="en-US" altLang="zh-CN" dirty="0" smtClean="0"/>
+          </a:p>
+          <a:p>
+            <a:pPr marL="68580" indent="0">
+              <a:buNone/>
+            </a:pPr>
+            <a:r>
+              <a:rPr lang="zh-CN" altLang="en-US" dirty="0" smtClean="0"/>
+              <a:t>（</a:t>
+            </a:r>
+            <a:r>
+              <a:rPr lang="en-US" altLang="zh-CN" dirty="0" smtClean="0"/>
+              <a:t>3</a:t>
+            </a:r>
+            <a:r>
+              <a:rPr lang="zh-CN" altLang="en-US" dirty="0" smtClean="0"/>
+              <a:t>）</a:t>
+            </a:r>
+            <a:r>
+              <a:rPr lang="zh-CN" altLang="en-US" b="1" dirty="0">
+                <a:solidFill>
+                  <a:srgbClr val="7030A0"/>
+                </a:solidFill>
+              </a:rPr>
+              <a:t>单独访谈</a:t>
+            </a:r>
+            <a:r>
+              <a:rPr lang="zh-CN" altLang="en-US" dirty="0"/>
+              <a:t>：一对一的用户讨论，让你了解某个用户是如何工作，使你知道用户的感受、想要什么及其经历等</a:t>
+            </a:r>
+            <a:endParaRPr lang="en-US" altLang="zh-CN" dirty="0" smtClean="0"/>
+          </a:p>
+        </p:txBody>
+      </p:sp>
+      <p:pic>
+        <p:nvPicPr>
+          <p:cNvPr id="4" name="Picture 8" descr="https://timgsa.baidu.com/timg?image&amp;quality=80&amp;size=b9999_10000&amp;sec=1591182921981&amp;di=00b0ca8556341e0812e6ec6398748de4&amp;imgtype=0&amp;src=http%3A%2F%2F5b0988e595225.cdn.sohucs.com%2Fimages%2F20180811%2F5821841a90f8496eb33ff1ec6575c9ac.jpeg"/>
+          <p:cNvPicPr>
+            <a:picLocks noChangeAspect="1" noChangeArrowheads="1"/>
+          </p:cNvPicPr>
+          <p:nvPr/>
+        </p:nvPicPr>
+        <p:blipFill>
+          <a:blip r:embed="rId2">
+            <a:extLst>
+              <a:ext uri="{28A0092B-C50C-407E-A947-70E740481C1C}">
+                <a14:useLocalDpi xmlns:a14="http://schemas.microsoft.com/office/drawing/2010/main" val="0"/>
+              </a:ext>
+            </a:extLst>
+          </a:blip>
+          <a:srcRect/>
+          <a:stretch>
+            <a:fillRect/>
+          </a:stretch>
+        </p:blipFill>
+        <p:spPr bwMode="auto">
+          <a:xfrm>
+            <a:off x="4788024" y="836712"/>
+            <a:ext cx="3161125" cy="1878732"/>
+          </a:xfrm>
+          <a:prstGeom prst="rect">
+            <a:avLst/>
+          </a:prstGeom>
+          <a:noFill/>
+          <a:extLst>
+            <a:ext uri="{909E8E84-426E-40DD-AFC4-6F175D3DCCD1}">
+              <a14:hiddenFill xmlns:a14="http://schemas.microsoft.com/office/drawing/2010/main">
+                <a:solidFill>
+                  <a:srgbClr val="FFFFFF"/>
+                </a:solidFill>
+              </a14:hiddenFill>
+            </a:ext>
+          </a:extLst>
+        </p:spPr>
+      </p:pic>
+    </p:spTree>
+    <p:extLst>
+      <p:ext uri="{BB962C8B-B14F-4D97-AF65-F5344CB8AC3E}">
+        <p14:creationId xmlns:p14="http://schemas.microsoft.com/office/powerpoint/2010/main" val="1965753625"/>
+      </p:ext>
+    </p:extLst>
+  </p:cSld>
+  <p:clrMapOvr>
+    <a:masterClrMapping/>
+  </p:clrMapOvr>
+  <p:timing>
+    <p:tnLst>
+      <p:par>
+        <p:cTn id="1" dur="indefinite" restart="never" nodeType="tmRoot">
+          <p:childTnLst>
+            <p:seq concurrent="1" nextAc="seek">
+              <p:cTn id="2" dur="indefinite" nodeType="mainSeq">
+                <p:childTnLst>
+                  <p:par>
+                    <p:cTn id="3" fill="hold">
+                      <p:stCondLst>
+                        <p:cond delay="indefinite"/>
+                        <p:cond evt="onBegin" delay="0">
+                          <p:tn val="2"/>
+                        </p:cond>
+                      </p:stCondLst>
+                      <p:childTnLst>
+                        <p:par>
+                          <p:cTn id="4" fill="hold">
+                            <p:stCondLst>
+                              <p:cond delay="0"/>
+                            </p:stCondLst>
+                            <p:childTnLst>
+                              <p:par>
+                                <p:cTn id="5" presetID="10" presetClass="entr" presetSubtype="0" fill="hold" nodeType="afterEffect">
+                                  <p:stCondLst>
+                                    <p:cond delay="0"/>
+                                  </p:stCondLst>
+                                  <p:childTnLst>
+                                    <p:set>
+                                      <p:cBhvr>
+                                        <p:cTn id="6" dur="1" fill="hold">
+                                          <p:stCondLst>
+                                            <p:cond delay="0"/>
+                                          </p:stCondLst>
+                                        </p:cTn>
+                                        <p:tgtEl>
+                                          <p:spTgt spid="4"/>
+                                        </p:tgtEl>
+                                        <p:attrNameLst>
+                                          <p:attrName>style.visibility</p:attrName>
+                                        </p:attrNameLst>
+                                      </p:cBhvr>
+                                      <p:to>
+                                        <p:strVal val="visible"/>
+                                      </p:to>
+                                    </p:set>
+                                    <p:animEffect transition="in" filter="fade">
+                                      <p:cBhvr>
+                                        <p:cTn id="7" dur="500"/>
+                                        <p:tgtEl>
+                                          <p:spTgt spid="4"/>
+                                        </p:tgtEl>
+                                      </p:cBhvr>
+                                    </p:animEffect>
+                                  </p:childTnLst>
+                                </p:cTn>
+                              </p:par>
+                            </p:childTnLst>
+                          </p:cTn>
+                        </p:par>
+                      </p:childTnLst>
+                    </p:cTn>
+                  </p:par>
+                </p:childTnLst>
+              </p:cTn>
+              <p:prevCondLst>
+                <p:cond evt="onPrev" delay="0">
+                  <p:tgtEl>
+                    <p:sldTgt/>
+                  </p:tgtEl>
+                </p:cond>
+              </p:prevCondLst>
+              <p:nextCondLst>
+                <p:cond evt="onNext" delay="0">
+                  <p:tgtEl>
+                    <p:sldTgt/>
+                  </p:tgtEl>
+                </p:cond>
+              </p:nextCondLst>
+            </p:seq>
+          </p:childTnLst>
+        </p:cTn>
+      </p:par>
+    </p:tnLst>
+  </p:timing>
+</p:sld>
+</file>
+
+<file path=ppt/slides/slide31.xml><?xml version="1.0" encoding="utf-8"?>
+<p:sld xmlns:a="http://schemas.openxmlformats.org/drawingml/2006/main" xmlns:r="http://schemas.openxmlformats.org/officeDocument/2006/relationships" xmlns:p="http://schemas.openxmlformats.org/presentationml/2006/main">
+  <p:cSld>
+    <p:spTree>
+      <p:nvGrpSpPr>
+        <p:cNvPr id="1" name=""/>
+        <p:cNvGrpSpPr/>
+        <p:nvPr/>
+      </p:nvGrpSpPr>
+      <p:grpSpPr>
+        <a:xfrm>
+          <a:off x="0" y="0"/>
+          <a:ext cx="0" cy="0"/>
+          <a:chOff x="0" y="0"/>
+          <a:chExt cx="0" cy="0"/>
+        </a:xfrm>
+      </p:grpSpPr>
+      <p:sp>
+        <p:nvSpPr>
+          <p:cNvPr id="2" name="标题 1"/>
+          <p:cNvSpPr>
+            <a:spLocks noGrp="1"/>
+          </p:cNvSpPr>
+          <p:nvPr>
+            <p:ph type="title"/>
+          </p:nvPr>
+        </p:nvSpPr>
+        <p:spPr/>
+        <p:txBody>
+          <a:bodyPr/>
+          <a:lstStyle/>
+          <a:p>
+            <a:r>
+              <a:rPr lang="zh-CN" altLang="en-US" dirty="0" smtClean="0"/>
+              <a:t>设计流程</a:t>
+            </a:r>
+            <a:endParaRPr lang="zh-CN" altLang="en-US" dirty="0"/>
+          </a:p>
+        </p:txBody>
+      </p:sp>
+      <p:sp>
+        <p:nvSpPr>
+          <p:cNvPr id="3" name="内容占位符 2"/>
+          <p:cNvSpPr>
+            <a:spLocks noGrp="1"/>
+          </p:cNvSpPr>
+          <p:nvPr>
+            <p:ph idx="1"/>
+          </p:nvPr>
+        </p:nvSpPr>
+        <p:spPr/>
+        <p:txBody>
+          <a:bodyPr>
+            <a:normAutofit fontScale="92500"/>
+          </a:bodyPr>
+          <a:lstStyle/>
+          <a:p>
+            <a:r>
+              <a:rPr lang="zh-CN" altLang="en-US" b="1" dirty="0" smtClean="0">
+                <a:solidFill>
+                  <a:srgbClr val="C00000"/>
+                </a:solidFill>
+              </a:rPr>
+              <a:t>设计</a:t>
+            </a:r>
+            <a:endParaRPr lang="en-US" altLang="zh-CN" b="1" dirty="0" smtClean="0">
+              <a:solidFill>
+                <a:srgbClr val="C00000"/>
+              </a:solidFill>
+            </a:endParaRPr>
+          </a:p>
+          <a:p>
+            <a:pPr marL="365760" lvl="1" indent="0">
+              <a:buNone/>
+            </a:pPr>
+            <a:r>
+              <a:rPr lang="zh-CN" altLang="en-US" dirty="0" smtClean="0">
+                <a:solidFill>
+                  <a:srgbClr val="0070C0"/>
+                </a:solidFill>
+                <a:latin typeface="楷体" panose="02010609060101010101" pitchFamily="49" charset="-122"/>
+                <a:ea typeface="楷体" panose="02010609060101010101" pitchFamily="49" charset="-122"/>
+              </a:rPr>
+              <a:t>对观察用户得到的背景素材进行分析，与用户一起进行原型的开发</a:t>
+            </a:r>
+            <a:endParaRPr lang="en-US" altLang="zh-CN" dirty="0" smtClean="0">
+              <a:solidFill>
+                <a:srgbClr val="0070C0"/>
+              </a:solidFill>
+              <a:latin typeface="楷体" panose="02010609060101010101" pitchFamily="49" charset="-122"/>
+              <a:ea typeface="楷体" panose="02010609060101010101" pitchFamily="49" charset="-122"/>
+            </a:endParaRPr>
+          </a:p>
+          <a:p>
+            <a:pPr lvl="1"/>
+            <a:r>
+              <a:rPr lang="zh-CN" altLang="en-US" b="1" dirty="0">
+                <a:solidFill>
+                  <a:srgbClr val="7030A0"/>
+                </a:solidFill>
+              </a:rPr>
+              <a:t>对象抽象</a:t>
+            </a:r>
+            <a:r>
+              <a:rPr lang="zh-CN" altLang="en-US" b="1" dirty="0" smtClean="0">
+                <a:solidFill>
+                  <a:srgbClr val="7030A0"/>
+                </a:solidFill>
+              </a:rPr>
+              <a:t>模型</a:t>
+            </a:r>
+            <a:r>
+              <a:rPr lang="zh-CN" altLang="en-US" dirty="0" smtClean="0"/>
+              <a:t>：</a:t>
+            </a:r>
+            <a:r>
+              <a:rPr lang="zh-CN" altLang="en-US" dirty="0"/>
+              <a:t>将用户分析的结果按照讨论的对象进行分类整理，并且以各种图示的方法描述其属性、行为和</a:t>
+            </a:r>
+            <a:r>
+              <a:rPr lang="zh-CN" altLang="en-US" dirty="0" smtClean="0"/>
+              <a:t>关系</a:t>
+            </a:r>
+            <a:endParaRPr lang="en-US" altLang="zh-CN" dirty="0" smtClean="0"/>
+          </a:p>
+          <a:p>
+            <a:pPr lvl="1"/>
+            <a:r>
+              <a:rPr lang="zh-CN" altLang="en-US" dirty="0" smtClean="0"/>
+              <a:t>对象抽象模型可转化为不同程度的用户视图（</a:t>
+            </a:r>
+            <a:r>
+              <a:rPr lang="zh-CN" altLang="en-US" b="1" dirty="0" smtClean="0">
+                <a:solidFill>
+                  <a:srgbClr val="00B050"/>
+                </a:solidFill>
+              </a:rPr>
+              <a:t>原型</a:t>
+            </a:r>
+            <a:r>
+              <a:rPr lang="zh-CN" altLang="en-US" dirty="0" smtClean="0"/>
+              <a:t>）</a:t>
+            </a:r>
+            <a:endParaRPr lang="en-US" altLang="zh-CN" dirty="0" smtClean="0"/>
+          </a:p>
+          <a:p>
+            <a:pPr marL="365760" lvl="1" indent="0">
+              <a:buNone/>
+            </a:pPr>
+            <a:r>
+              <a:rPr lang="zh-CN" altLang="en-US" dirty="0" smtClean="0"/>
+              <a:t>（</a:t>
+            </a:r>
+            <a:r>
+              <a:rPr lang="en-US" altLang="zh-CN" dirty="0" smtClean="0"/>
+              <a:t>1</a:t>
+            </a:r>
+            <a:r>
+              <a:rPr lang="zh-CN" altLang="en-US" dirty="0"/>
+              <a:t>）</a:t>
+            </a:r>
+            <a:r>
+              <a:rPr lang="zh-CN" altLang="en-US" b="1" dirty="0">
+                <a:solidFill>
+                  <a:srgbClr val="00B050"/>
+                </a:solidFill>
+              </a:rPr>
+              <a:t>低真视图</a:t>
+            </a:r>
+            <a:r>
+              <a:rPr lang="zh-CN" altLang="en-US" dirty="0"/>
+              <a:t>：比较抽象的视图有利于进行逻辑</a:t>
+            </a:r>
+            <a:r>
+              <a:rPr lang="zh-CN" altLang="en-US" dirty="0" smtClean="0"/>
+              <a:t>分析</a:t>
+            </a:r>
+            <a:endParaRPr lang="en-US" altLang="zh-CN" dirty="0" smtClean="0"/>
+          </a:p>
+          <a:p>
+            <a:pPr marL="365760" lvl="1" indent="0">
+              <a:buNone/>
+            </a:pPr>
+            <a:r>
+              <a:rPr lang="zh-CN" altLang="en-US" dirty="0" smtClean="0"/>
+              <a:t>（</a:t>
+            </a:r>
+            <a:r>
+              <a:rPr lang="en-US" altLang="zh-CN" dirty="0" smtClean="0"/>
+              <a:t>2</a:t>
+            </a:r>
+            <a:r>
+              <a:rPr lang="zh-CN" altLang="en-US" dirty="0"/>
+              <a:t>） </a:t>
+            </a:r>
+            <a:r>
+              <a:rPr lang="zh-CN" altLang="en-US" b="1" dirty="0">
+                <a:solidFill>
+                  <a:srgbClr val="00B050"/>
+                </a:solidFill>
+              </a:rPr>
+              <a:t>高真视图</a:t>
+            </a:r>
+            <a:r>
+              <a:rPr lang="zh-CN" altLang="en-US" dirty="0"/>
+              <a:t>：比较具体的视图更接近于人机界面的最终表达</a:t>
+            </a:r>
+          </a:p>
+        </p:txBody>
+      </p:sp>
+      <p:pic>
+        <p:nvPicPr>
+          <p:cNvPr id="4" name="Picture 6" descr="https://timgsa.baidu.com/timg?image&amp;quality=80&amp;size=b9999_10000&amp;sec=1591182888628&amp;di=ed61351168b98a46fcbd801c91b8c61f&amp;imgtype=0&amp;src=http%3A%2F%2Fimg.iwatch365.com%2Fuploadfile%2F2016%2F0314%2F20160314114131149.jpg"/>
+          <p:cNvPicPr>
+            <a:picLocks noChangeAspect="1" noChangeArrowheads="1"/>
+          </p:cNvPicPr>
+          <p:nvPr/>
+        </p:nvPicPr>
+        <p:blipFill>
+          <a:blip r:embed="rId2" cstate="print">
+            <a:extLst>
+              <a:ext uri="{28A0092B-C50C-407E-A947-70E740481C1C}">
+                <a14:useLocalDpi xmlns:a14="http://schemas.microsoft.com/office/drawing/2010/main" val="0"/>
+              </a:ext>
+            </a:extLst>
+          </a:blip>
+          <a:srcRect/>
+          <a:stretch>
+            <a:fillRect/>
+          </a:stretch>
+        </p:blipFill>
+        <p:spPr bwMode="auto">
+          <a:xfrm>
+            <a:off x="5076056" y="764704"/>
+            <a:ext cx="2668974" cy="1878732"/>
+          </a:xfrm>
+          <a:prstGeom prst="rect">
+            <a:avLst/>
+          </a:prstGeom>
+          <a:noFill/>
+          <a:extLst>
+            <a:ext uri="{909E8E84-426E-40DD-AFC4-6F175D3DCCD1}">
+              <a14:hiddenFill xmlns:a14="http://schemas.microsoft.com/office/drawing/2010/main">
+                <a:solidFill>
+                  <a:srgbClr val="FFFFFF"/>
+                </a:solidFill>
+              </a14:hiddenFill>
+            </a:ext>
+          </a:extLst>
+        </p:spPr>
+      </p:pic>
+    </p:spTree>
+    <p:extLst>
+      <p:ext uri="{BB962C8B-B14F-4D97-AF65-F5344CB8AC3E}">
+        <p14:creationId xmlns:p14="http://schemas.microsoft.com/office/powerpoint/2010/main" val="4060676419"/>
+      </p:ext>
+    </p:extLst>
+  </p:cSld>
+  <p:clrMapOvr>
+    <a:masterClrMapping/>
+  </p:clrMapOvr>
+  <p:timing>
+    <p:tnLst>
+      <p:par>
+        <p:cTn id="1" dur="indefinite" restart="never" nodeType="tmRoot">
+          <p:childTnLst>
+            <p:seq concurrent="1" nextAc="seek">
+              <p:cTn id="2" dur="indefinite" nodeType="mainSeq">
+                <p:childTnLst>
+                  <p:par>
+                    <p:cTn id="3" fill="hold">
+                      <p:stCondLst>
+                        <p:cond delay="indefinite"/>
+                        <p:cond evt="onBegin" delay="0">
+                          <p:tn val="2"/>
+                        </p:cond>
+                      </p:stCondLst>
+                      <p:childTnLst>
+                        <p:par>
+                          <p:cTn id="4" fill="hold">
+                            <p:stCondLst>
+                              <p:cond delay="0"/>
+                            </p:stCondLst>
+                            <p:childTnLst>
+                              <p:par>
+                                <p:cTn id="5" presetID="10" presetClass="entr" presetSubtype="0" fill="hold" nodeType="afterEffect">
+                                  <p:stCondLst>
+                                    <p:cond delay="0"/>
+                                  </p:stCondLst>
+                                  <p:childTnLst>
+                                    <p:set>
+                                      <p:cBhvr>
+                                        <p:cTn id="6" dur="1" fill="hold">
+                                          <p:stCondLst>
+                                            <p:cond delay="0"/>
+                                          </p:stCondLst>
+                                        </p:cTn>
+                                        <p:tgtEl>
+                                          <p:spTgt spid="4"/>
+                                        </p:tgtEl>
+                                        <p:attrNameLst>
+                                          <p:attrName>style.visibility</p:attrName>
+                                        </p:attrNameLst>
+                                      </p:cBhvr>
+                                      <p:to>
+                                        <p:strVal val="visible"/>
+                                      </p:to>
+                                    </p:set>
+                                    <p:animEffect transition="in" filter="fade">
+                                      <p:cBhvr>
+                                        <p:cTn id="7" dur="500"/>
+                                        <p:tgtEl>
+                                          <p:spTgt spid="4"/>
+                                        </p:tgtEl>
+                                      </p:cBhvr>
+                                    </p:animEffect>
+                                  </p:childTnLst>
+                                </p:cTn>
+                              </p:par>
+                            </p:childTnLst>
+                          </p:cTn>
+                        </p:par>
+                      </p:childTnLst>
+                    </p:cTn>
+                  </p:par>
+                </p:childTnLst>
+              </p:cTn>
+              <p:prevCondLst>
+                <p:cond evt="onPrev" delay="0">
+                  <p:tgtEl>
+                    <p:sldTgt/>
+                  </p:tgtEl>
+                </p:cond>
+              </p:prevCondLst>
+              <p:nextCondLst>
+                <p:cond evt="onNext" delay="0">
+                  <p:tgtEl>
+                    <p:sldTgt/>
+                  </p:tgtEl>
+                </p:cond>
+              </p:nextCondLst>
+            </p:seq>
+          </p:childTnLst>
+        </p:cTn>
+      </p:par>
+    </p:tnLst>
+  </p:timing>
+</p:sld>
+</file>
+
+<file path=ppt/slides/slide32.xml><?xml version="1.0" encoding="utf-8"?>
+<p:sld xmlns:a="http://schemas.openxmlformats.org/drawingml/2006/main" xmlns:r="http://schemas.openxmlformats.org/officeDocument/2006/relationships" xmlns:p="http://schemas.openxmlformats.org/presentationml/2006/main">
+  <p:cSld>
+    <p:spTree>
+      <p:nvGrpSpPr>
+        <p:cNvPr id="1" name=""/>
+        <p:cNvGrpSpPr/>
+        <p:nvPr/>
+      </p:nvGrpSpPr>
+      <p:grpSpPr>
+        <a:xfrm>
+          <a:off x="0" y="0"/>
+          <a:ext cx="0" cy="0"/>
+          <a:chOff x="0" y="0"/>
+          <a:chExt cx="0" cy="0"/>
+        </a:xfrm>
+      </p:grpSpPr>
+      <p:sp>
+        <p:nvSpPr>
+          <p:cNvPr id="2" name="标题 1"/>
+          <p:cNvSpPr>
+            <a:spLocks noGrp="1"/>
+          </p:cNvSpPr>
+          <p:nvPr>
+            <p:ph type="title"/>
+          </p:nvPr>
+        </p:nvSpPr>
+        <p:spPr/>
+        <p:txBody>
+          <a:bodyPr/>
+          <a:lstStyle/>
+          <a:p>
+            <a:r>
+              <a:rPr lang="zh-CN" altLang="en-US" dirty="0" smtClean="0"/>
+              <a:t>设计流程</a:t>
+            </a:r>
+            <a:endParaRPr lang="zh-CN" altLang="en-US" dirty="0"/>
+          </a:p>
+        </p:txBody>
+      </p:sp>
+      <p:sp>
+        <p:nvSpPr>
+          <p:cNvPr id="3" name="内容占位符 2"/>
+          <p:cNvSpPr>
+            <a:spLocks noGrp="1"/>
+          </p:cNvSpPr>
+          <p:nvPr>
+            <p:ph idx="1"/>
+          </p:nvPr>
+        </p:nvSpPr>
+        <p:spPr/>
+        <p:txBody>
+          <a:bodyPr/>
+          <a:lstStyle/>
+          <a:p>
+            <a:r>
+              <a:rPr lang="zh-CN" altLang="en-US" b="1" dirty="0" smtClean="0">
+                <a:solidFill>
+                  <a:srgbClr val="C00000"/>
+                </a:solidFill>
+              </a:rPr>
+              <a:t>实施</a:t>
+            </a:r>
+            <a:endParaRPr lang="en-US" altLang="zh-CN" b="1" dirty="0" smtClean="0">
+              <a:solidFill>
+                <a:srgbClr val="C00000"/>
+              </a:solidFill>
+            </a:endParaRPr>
+          </a:p>
+          <a:p>
+            <a:pPr marL="365760" lvl="1" indent="0">
+              <a:buNone/>
+            </a:pPr>
+            <a:r>
+              <a:rPr lang="zh-CN" altLang="en-US" dirty="0">
+                <a:solidFill>
+                  <a:srgbClr val="0070C0"/>
+                </a:solidFill>
+                <a:latin typeface="楷体" panose="02010609060101010101" pitchFamily="49" charset="-122"/>
+                <a:ea typeface="楷体" panose="02010609060101010101" pitchFamily="49" charset="-122"/>
+              </a:rPr>
+              <a:t>设计师对高真设计原型进行最后的调整，并且撰写产品的设计风格标准（</a:t>
+            </a:r>
+            <a:r>
+              <a:rPr lang="en-US" altLang="zh-CN" dirty="0">
+                <a:solidFill>
+                  <a:srgbClr val="0070C0"/>
+                </a:solidFill>
+                <a:latin typeface="楷体" panose="02010609060101010101" pitchFamily="49" charset="-122"/>
+                <a:ea typeface="楷体" panose="02010609060101010101" pitchFamily="49" charset="-122"/>
+              </a:rPr>
+              <a:t>Style Guide</a:t>
+            </a:r>
+            <a:r>
+              <a:rPr lang="zh-CN" altLang="en-US" dirty="0">
+                <a:solidFill>
+                  <a:srgbClr val="0070C0"/>
+                </a:solidFill>
+                <a:latin typeface="楷体" panose="02010609060101010101" pitchFamily="49" charset="-122"/>
+                <a:ea typeface="楷体" panose="02010609060101010101" pitchFamily="49" charset="-122"/>
+              </a:rPr>
+              <a:t>），产品各个部分风格的一致性由该标准</a:t>
+            </a:r>
+            <a:r>
+              <a:rPr lang="zh-CN" altLang="en-US" dirty="0" smtClean="0">
+                <a:solidFill>
+                  <a:srgbClr val="0070C0"/>
+                </a:solidFill>
+                <a:latin typeface="楷体" panose="02010609060101010101" pitchFamily="49" charset="-122"/>
+                <a:ea typeface="楷体" panose="02010609060101010101" pitchFamily="49" charset="-122"/>
+              </a:rPr>
+              <a:t>保证</a:t>
+            </a:r>
+            <a:endParaRPr lang="en-US" altLang="zh-CN" dirty="0" smtClean="0">
+              <a:solidFill>
+                <a:srgbClr val="0070C0"/>
+              </a:solidFill>
+              <a:latin typeface="楷体" panose="02010609060101010101" pitchFamily="49" charset="-122"/>
+              <a:ea typeface="楷体" panose="02010609060101010101" pitchFamily="49" charset="-122"/>
+            </a:endParaRPr>
+          </a:p>
+          <a:p>
+            <a:r>
+              <a:rPr lang="zh-CN" altLang="en-US" dirty="0"/>
+              <a:t>产品实施或投入市场后，面向用户的设计并没有结束，而是要进一步的搜集用户的评价和建议，以利于下一代产品的开发和研制</a:t>
+            </a:r>
+          </a:p>
+        </p:txBody>
+      </p:sp>
+      <p:pic>
+        <p:nvPicPr>
+          <p:cNvPr id="4" name="Picture 2" descr="https://timgsa.baidu.com/timg?image&amp;quality=80&amp;size=b9999_10000&amp;sec=1591182769237&amp;di=cffe9a100e1b723c1e6cc4b92c21ca2e&amp;imgtype=0&amp;src=http%3A%2F%2Fstatic-news.17house.com%2Fnews%2Ftupian%2Fpng%2F24c1dc82b3ab11e6997400163e00254c.png"/>
+          <p:cNvPicPr>
+            <a:picLocks noChangeAspect="1" noChangeArrowheads="1"/>
+          </p:cNvPicPr>
+          <p:nvPr/>
+        </p:nvPicPr>
+        <p:blipFill>
+          <a:blip r:embed="rId2">
+            <a:extLst>
+              <a:ext uri="{28A0092B-C50C-407E-A947-70E740481C1C}">
+                <a14:useLocalDpi xmlns:a14="http://schemas.microsoft.com/office/drawing/2010/main" val="0"/>
+              </a:ext>
+            </a:extLst>
+          </a:blip>
+          <a:srcRect/>
+          <a:stretch>
+            <a:fillRect/>
+          </a:stretch>
+        </p:blipFill>
+        <p:spPr bwMode="auto">
+          <a:xfrm>
+            <a:off x="5076056" y="692696"/>
+            <a:ext cx="2783582" cy="2062289"/>
+          </a:xfrm>
+          <a:prstGeom prst="rect">
+            <a:avLst/>
+          </a:prstGeom>
+          <a:noFill/>
+          <a:extLst>
+            <a:ext uri="{909E8E84-426E-40DD-AFC4-6F175D3DCCD1}">
+              <a14:hiddenFill xmlns:a14="http://schemas.microsoft.com/office/drawing/2010/main">
+                <a:solidFill>
+                  <a:srgbClr val="FFFFFF"/>
+                </a:solidFill>
+              </a14:hiddenFill>
+            </a:ext>
+          </a:extLst>
+        </p:spPr>
+      </p:pic>
+    </p:spTree>
+    <p:extLst>
+      <p:ext uri="{BB962C8B-B14F-4D97-AF65-F5344CB8AC3E}">
+        <p14:creationId xmlns:p14="http://schemas.microsoft.com/office/powerpoint/2010/main" val="637880124"/>
+      </p:ext>
+    </p:extLst>
+  </p:cSld>
+  <p:clrMapOvr>
+    <a:masterClrMapping/>
+  </p:clrMapOvr>
+  <p:timing>
+    <p:tnLst>
+      <p:par>
+        <p:cTn id="1" dur="indefinite" restart="never" nodeType="tmRoot">
+          <p:childTnLst>
+            <p:seq concurrent="1" nextAc="seek">
+              <p:cTn id="2" dur="indefinite" nodeType="mainSeq">
+                <p:childTnLst>
+                  <p:par>
+                    <p:cTn id="3" fill="hold">
+                      <p:stCondLst>
+                        <p:cond delay="indefinite"/>
+                        <p:cond evt="onBegin" delay="0">
+                          <p:tn val="2"/>
+                        </p:cond>
+                      </p:stCondLst>
+                      <p:childTnLst>
+                        <p:par>
+                          <p:cTn id="4" fill="hold">
+                            <p:stCondLst>
+                              <p:cond delay="0"/>
+                            </p:stCondLst>
+                            <p:childTnLst>
+                              <p:par>
+                                <p:cTn id="5" presetID="10" presetClass="entr" presetSubtype="0" fill="hold" nodeType="withEffect">
+                                  <p:stCondLst>
+                                    <p:cond delay="0"/>
+                                  </p:stCondLst>
+                                  <p:childTnLst>
+                                    <p:set>
+                                      <p:cBhvr>
+                                        <p:cTn id="6" dur="1" fill="hold">
+                                          <p:stCondLst>
+                                            <p:cond delay="0"/>
+                                          </p:stCondLst>
+                                        </p:cTn>
+                                        <p:tgtEl>
+                                          <p:spTgt spid="4"/>
+                                        </p:tgtEl>
+                                        <p:attrNameLst>
+                                          <p:attrName>style.visibility</p:attrName>
+                                        </p:attrNameLst>
+                                      </p:cBhvr>
+                                      <p:to>
+                                        <p:strVal val="visible"/>
+                                      </p:to>
+                                    </p:set>
+                                    <p:animEffect transition="in" filter="fade">
+                                      <p:cBhvr>
+                                        <p:cTn id="7" dur="500"/>
+                                        <p:tgtEl>
+                                          <p:spTgt spid="4"/>
+                                        </p:tgtEl>
+                                      </p:cBhvr>
+                                    </p:animEffect>
+                                  </p:childTnLst>
+                                </p:cTn>
+                              </p:par>
+                            </p:childTnLst>
+                          </p:cTn>
+                        </p:par>
+                      </p:childTnLst>
+                    </p:cTn>
+                  </p:par>
+                </p:childTnLst>
+              </p:cTn>
+              <p:prevCondLst>
+                <p:cond evt="onPrev" delay="0">
+                  <p:tgtEl>
+                    <p:sldTgt/>
+                  </p:tgtEl>
+                </p:cond>
+              </p:prevCondLst>
+              <p:nextCondLst>
+                <p:cond evt="onNext" delay="0">
+                  <p:tgtEl>
+                    <p:sldTgt/>
+                  </p:tgtEl>
+                </p:cond>
+              </p:nextCondLst>
+            </p:seq>
+          </p:childTnLst>
+        </p:cTn>
+      </p:par>
+    </p:tnLst>
+  </p:timing>
+</p:sld>
+</file>
+
+<file path=ppt/slides/slide33.xml><?xml version="1.0" encoding="utf-8"?>
+<p:sld xmlns:a="http://schemas.openxmlformats.org/drawingml/2006/main" xmlns:r="http://schemas.openxmlformats.org/officeDocument/2006/relationships" xmlns:p="http://schemas.openxmlformats.org/presentationml/2006/main">
+  <p:cSld>
+    <p:spTree>
+      <p:nvGrpSpPr>
+        <p:cNvPr id="1" name=""/>
+        <p:cNvGrpSpPr/>
+        <p:nvPr/>
+      </p:nvGrpSpPr>
+      <p:grpSpPr>
+        <a:xfrm>
+          <a:off x="0" y="0"/>
+          <a:ext cx="0" cy="0"/>
+          <a:chOff x="0" y="0"/>
+          <a:chExt cx="0" cy="0"/>
+        </a:xfrm>
+      </p:grpSpPr>
+      <p:sp>
+        <p:nvSpPr>
+          <p:cNvPr id="2" name="标题 1"/>
+          <p:cNvSpPr>
+            <a:spLocks noGrp="1"/>
+          </p:cNvSpPr>
+          <p:nvPr>
+            <p:ph type="title"/>
+          </p:nvPr>
+        </p:nvSpPr>
+        <p:spPr/>
+        <p:txBody>
+          <a:bodyPr/>
+          <a:lstStyle/>
+          <a:p>
+            <a:r>
+              <a:rPr lang="zh-CN" altLang="en-US" dirty="0" smtClean="0"/>
+              <a:t>任务分析</a:t>
+            </a:r>
+            <a:endParaRPr lang="zh-CN" altLang="en-US" dirty="0"/>
+          </a:p>
+        </p:txBody>
+      </p:sp>
+      <p:sp>
+        <p:nvSpPr>
+          <p:cNvPr id="3" name="内容占位符 2"/>
+          <p:cNvSpPr>
+            <a:spLocks noGrp="1"/>
+          </p:cNvSpPr>
+          <p:nvPr>
+            <p:ph idx="1"/>
+          </p:nvPr>
+        </p:nvSpPr>
+        <p:spPr/>
+        <p:txBody>
+          <a:bodyPr>
+            <a:normAutofit/>
+          </a:bodyPr>
+          <a:lstStyle/>
+          <a:p>
+            <a:r>
+              <a:rPr lang="zh-CN" altLang="en-US" dirty="0" smtClean="0"/>
+              <a:t>任务分析是交互设计至关重要的环节</a:t>
+            </a:r>
+            <a:endParaRPr lang="en-US" altLang="zh-CN" dirty="0" smtClean="0"/>
+          </a:p>
+          <a:p>
+            <a:pPr lvl="1"/>
+            <a:r>
+              <a:rPr lang="zh-CN" altLang="en-US" dirty="0" smtClean="0">
+                <a:solidFill>
+                  <a:srgbClr val="0070C0"/>
+                </a:solidFill>
+                <a:latin typeface="楷体" panose="02010609060101010101" pitchFamily="49" charset="-122"/>
+                <a:ea typeface="楷体" panose="02010609060101010101" pitchFamily="49" charset="-122"/>
+              </a:rPr>
+              <a:t>分析用户的行为，理解用户在任务中的</a:t>
+            </a:r>
+            <a:r>
+              <a:rPr lang="zh-CN" altLang="en-US" b="1" dirty="0" smtClean="0">
+                <a:solidFill>
+                  <a:srgbClr val="7030A0"/>
+                </a:solidFill>
+                <a:latin typeface="楷体" panose="02010609060101010101" pitchFamily="49" charset="-122"/>
+                <a:ea typeface="楷体" panose="02010609060101010101" pitchFamily="49" charset="-122"/>
+              </a:rPr>
+              <a:t>交互顺序</a:t>
+            </a:r>
+            <a:r>
+              <a:rPr lang="zh-CN" altLang="en-US" dirty="0" smtClean="0">
+                <a:latin typeface="楷体" panose="02010609060101010101" pitchFamily="49" charset="-122"/>
+                <a:ea typeface="楷体" panose="02010609060101010101" pitchFamily="49" charset="-122"/>
+              </a:rPr>
+              <a:t>、</a:t>
+            </a:r>
+            <a:r>
+              <a:rPr lang="zh-CN" altLang="en-US" b="1" dirty="0" smtClean="0">
+                <a:solidFill>
+                  <a:srgbClr val="7030A0"/>
+                </a:solidFill>
+                <a:latin typeface="楷体" panose="02010609060101010101" pitchFamily="49" charset="-122"/>
+                <a:ea typeface="楷体" panose="02010609060101010101" pitchFamily="49" charset="-122"/>
+              </a:rPr>
+              <a:t>协作关系、工序约束</a:t>
+            </a:r>
+            <a:r>
+              <a:rPr lang="zh-CN" altLang="en-US" dirty="0" smtClean="0">
+                <a:solidFill>
+                  <a:srgbClr val="0070C0"/>
+                </a:solidFill>
+                <a:latin typeface="楷体" panose="02010609060101010101" pitchFamily="49" charset="-122"/>
+                <a:ea typeface="楷体" panose="02010609060101010101" pitchFamily="49" charset="-122"/>
+              </a:rPr>
+              <a:t>等，有助于从</a:t>
+            </a:r>
+            <a:r>
+              <a:rPr lang="zh-CN" altLang="en-US" dirty="0">
+                <a:solidFill>
+                  <a:srgbClr val="0070C0"/>
+                </a:solidFill>
+                <a:latin typeface="楷体" panose="02010609060101010101" pitchFamily="49" charset="-122"/>
+                <a:ea typeface="楷体" panose="02010609060101010101" pitchFamily="49" charset="-122"/>
+              </a:rPr>
+              <a:t>用户那里</a:t>
+            </a:r>
+            <a:r>
+              <a:rPr lang="zh-CN" altLang="en-US" b="1" dirty="0">
+                <a:solidFill>
+                  <a:srgbClr val="C00000"/>
+                </a:solidFill>
+                <a:latin typeface="楷体" panose="02010609060101010101" pitchFamily="49" charset="-122"/>
+                <a:ea typeface="楷体" panose="02010609060101010101" pitchFamily="49" charset="-122"/>
+              </a:rPr>
+              <a:t>理解</a:t>
+            </a:r>
+            <a:r>
+              <a:rPr lang="zh-CN" altLang="en-US" b="1" dirty="0" smtClean="0">
+                <a:solidFill>
+                  <a:srgbClr val="C00000"/>
+                </a:solidFill>
+                <a:latin typeface="楷体" panose="02010609060101010101" pitchFamily="49" charset="-122"/>
+                <a:ea typeface="楷体" panose="02010609060101010101" pitchFamily="49" charset="-122"/>
+              </a:rPr>
+              <a:t>和获取用户的思维模式</a:t>
+            </a:r>
+            <a:endParaRPr lang="en-US" altLang="zh-CN" dirty="0" smtClean="0">
+              <a:latin typeface="楷体" panose="02010609060101010101" pitchFamily="49" charset="-122"/>
+              <a:ea typeface="楷体" panose="02010609060101010101" pitchFamily="49" charset="-122"/>
+            </a:endParaRPr>
+          </a:p>
+          <a:p>
+            <a:endParaRPr lang="en-US" altLang="zh-CN" dirty="0" smtClean="0"/>
+          </a:p>
+          <a:p>
+            <a:r>
+              <a:rPr lang="zh-CN" altLang="en-US" dirty="0" smtClean="0"/>
+              <a:t>描述</a:t>
+            </a:r>
+            <a:r>
+              <a:rPr lang="zh-CN" altLang="en-US" dirty="0"/>
+              <a:t>用户行为的工具有很多，目前经常提到的是通用标识语言</a:t>
+            </a:r>
+            <a:r>
+              <a:rPr lang="en-US" altLang="zh-CN" b="1" dirty="0">
+                <a:solidFill>
+                  <a:srgbClr val="C00000"/>
+                </a:solidFill>
+              </a:rPr>
+              <a:t>UML</a:t>
+            </a:r>
+            <a:r>
+              <a:rPr lang="zh-CN" altLang="en-US" dirty="0"/>
+              <a:t>（</a:t>
+            </a:r>
+            <a:r>
+              <a:rPr lang="en-US" altLang="zh-CN" dirty="0"/>
+              <a:t>Unified Markup </a:t>
+            </a:r>
+            <a:r>
+              <a:rPr lang="en-US" altLang="zh-CN" dirty="0" smtClean="0"/>
+              <a:t>Language</a:t>
+            </a:r>
+            <a:endParaRPr lang="zh-CN" altLang="en-US" dirty="0"/>
+          </a:p>
+        </p:txBody>
+      </p:sp>
+    </p:spTree>
+    <p:extLst>
+      <p:ext uri="{BB962C8B-B14F-4D97-AF65-F5344CB8AC3E}">
+        <p14:creationId xmlns:p14="http://schemas.microsoft.com/office/powerpoint/2010/main" val="2534714095"/>
+      </p:ext>
+    </p:extLst>
+  </p:cSld>
+  <p:clrMapOvr>
+    <a:masterClrMapping/>
+  </p:clrMapOvr>
+  <p:timing>
+    <p:tnLst>
+      <p:par>
+        <p:cTn id="1" dur="indefinite" restart="never" nodeType="tmRoot"/>
+      </p:par>
+    </p:tnLst>
+  </p:timing>
+</p:sld>
+</file>
+
+<file path=ppt/slides/slide34.xml><?xml version="1.0" encoding="utf-8"?>
+<p:sld xmlns:a="http://schemas.openxmlformats.org/drawingml/2006/main" xmlns:r="http://schemas.openxmlformats.org/officeDocument/2006/relationships" xmlns:p="http://schemas.openxmlformats.org/presentationml/2006/main">
+  <p:cSld>
+    <p:spTree>
+      <p:nvGrpSpPr>
+        <p:cNvPr id="1" name=""/>
+        <p:cNvGrpSpPr/>
+        <p:nvPr/>
+      </p:nvGrpSpPr>
+      <p:grpSpPr>
+        <a:xfrm>
+          <a:off x="0" y="0"/>
+          <a:ext cx="0" cy="0"/>
+          <a:chOff x="0" y="0"/>
+          <a:chExt cx="0" cy="0"/>
+        </a:xfrm>
+      </p:grpSpPr>
+      <p:sp>
+        <p:nvSpPr>
+          <p:cNvPr id="2" name="标题 1"/>
+          <p:cNvSpPr>
+            <a:spLocks noGrp="1"/>
+          </p:cNvSpPr>
+          <p:nvPr>
+            <p:ph type="title"/>
+          </p:nvPr>
+        </p:nvSpPr>
+        <p:spPr>
+          <a:xfrm>
+            <a:off x="683568" y="404664"/>
+            <a:ext cx="7024744" cy="1143000"/>
+          </a:xfrm>
+        </p:spPr>
+        <p:txBody>
+          <a:bodyPr/>
+          <a:lstStyle/>
+          <a:p>
+            <a:r>
+              <a:rPr lang="en-US" altLang="zh-CN" dirty="0" smtClean="0"/>
+              <a:t>UML2.0</a:t>
+            </a:r>
+            <a:r>
+              <a:rPr lang="zh-CN" altLang="en-US" dirty="0" smtClean="0"/>
+              <a:t>的</a:t>
+            </a:r>
+            <a:r>
+              <a:rPr lang="en-US" altLang="zh-CN" dirty="0" smtClean="0"/>
+              <a:t>10</a:t>
+            </a:r>
+            <a:r>
+              <a:rPr lang="zh-CN" altLang="en-US" dirty="0" smtClean="0"/>
+              <a:t>种图示</a:t>
+            </a:r>
+            <a:endParaRPr lang="zh-CN" altLang="en-US" dirty="0"/>
+          </a:p>
+        </p:txBody>
+      </p:sp>
+      <p:graphicFrame>
+        <p:nvGraphicFramePr>
+          <p:cNvPr id="6" name="内容占位符 5"/>
+          <p:cNvGraphicFramePr>
+            <a:graphicFrameLocks noGrp="1"/>
+          </p:cNvGraphicFramePr>
+          <p:nvPr>
+            <p:ph idx="1"/>
+            <p:extLst>
+              <p:ext uri="{D42A27DB-BD31-4B8C-83A1-F6EECF244321}">
+                <p14:modId xmlns:p14="http://schemas.microsoft.com/office/powerpoint/2010/main" val="1043453765"/>
+              </p:ext>
+            </p:extLst>
+          </p:nvPr>
+        </p:nvGraphicFramePr>
+        <p:xfrm>
+          <a:off x="683568" y="1556792"/>
+          <a:ext cx="7848873" cy="4824534"/>
+        </p:xfrm>
+        <a:graphic>
+          <a:graphicData uri="http://schemas.openxmlformats.org/drawingml/2006/table">
+            <a:tbl>
+              <a:tblPr firstRow="1" bandRow="1">
+                <a:tableStyleId>{5C22544A-7EE6-4342-B048-85BDC9FD1C3A}</a:tableStyleId>
+              </a:tblPr>
+              <a:tblGrid>
+                <a:gridCol w="1152128"/>
+                <a:gridCol w="4080454"/>
+                <a:gridCol w="2616291"/>
+              </a:tblGrid>
+              <a:tr h="438594">
+                <a:tc>
+                  <a:txBody>
+                    <a:bodyPr/>
+                    <a:lstStyle/>
+                    <a:p>
+                      <a:pPr marL="0" marR="0" lvl="0" indent="0" algn="ctr" defTabSz="914400" rtl="0" eaLnBrk="1" fontAlgn="base" latinLnBrk="0" hangingPunct="1">
+                        <a:lnSpc>
+                          <a:spcPts val="1600"/>
+                        </a:lnSpc>
+                        <a:spcBef>
+                          <a:spcPct val="0"/>
+                        </a:spcBef>
+                        <a:spcAft>
+                          <a:spcPct val="0"/>
+                        </a:spcAft>
+                        <a:buClrTx/>
+                        <a:buSzPct val="100000"/>
+                        <a:buFont typeface="Arial" pitchFamily="34" charset="0"/>
+                        <a:buNone/>
+                        <a:tabLst/>
+                      </a:pPr>
+                      <a:r>
+                        <a:rPr kumimoji="0" lang="zh-CN" altLang="en-US" sz="1800" u="none" strike="noStrike" cap="none" normalizeH="0" baseline="0" dirty="0" smtClean="0">
+                          <a:ln>
+                            <a:noFill/>
+                          </a:ln>
+                          <a:effectLst/>
+                        </a:rPr>
+                        <a:t>名</a:t>
+                      </a:r>
+                      <a:r>
+                        <a:rPr kumimoji="0" lang="en-US" sz="1800" u="none" strike="noStrike" cap="none" normalizeH="0" baseline="0" dirty="0" smtClean="0">
+                          <a:ln>
+                            <a:noFill/>
+                          </a:ln>
+                          <a:effectLst/>
+                        </a:rPr>
+                        <a:t>    </a:t>
+                      </a:r>
+                      <a:r>
+                        <a:rPr kumimoji="0" lang="zh-CN" altLang="en-US" sz="1800" u="none" strike="noStrike" cap="none" normalizeH="0" baseline="0" dirty="0" smtClean="0">
+                          <a:ln>
+                            <a:noFill/>
+                          </a:ln>
+                          <a:effectLst/>
+                        </a:rPr>
+                        <a:t>称</a:t>
+                      </a:r>
+                      <a:endParaRPr kumimoji="0" lang="zh-CN" altLang="en-US" sz="1800" b="0" i="0" u="none" strike="noStrike" cap="none" normalizeH="0" baseline="0" dirty="0" smtClean="0">
+                        <a:ln>
+                          <a:noFill/>
+                        </a:ln>
+                        <a:solidFill>
+                          <a:schemeClr val="tx1"/>
+                        </a:solidFill>
+                        <a:effectLst/>
+                        <a:latin typeface="Times New Roman" pitchFamily="18" charset="0"/>
+                        <a:ea typeface="微软雅黑" pitchFamily="34" charset="-122"/>
+                      </a:endParaRPr>
+                    </a:p>
+                  </a:txBody>
+                  <a:tcPr marL="45720" marR="45720" marT="0" marB="0" anchor="ctr" horzOverflow="overflow"/>
+                </a:tc>
+                <a:tc>
+                  <a:txBody>
+                    <a:bodyPr/>
+                    <a:lstStyle/>
+                    <a:p>
+                      <a:pPr marL="0" marR="0" lvl="0" indent="0" algn="ctr" defTabSz="914400" rtl="0" eaLnBrk="1" fontAlgn="base" latinLnBrk="0" hangingPunct="1">
+                        <a:lnSpc>
+                          <a:spcPts val="1600"/>
+                        </a:lnSpc>
+                        <a:spcBef>
+                          <a:spcPct val="0"/>
+                        </a:spcBef>
+                        <a:spcAft>
+                          <a:spcPct val="0"/>
+                        </a:spcAft>
+                        <a:buClrTx/>
+                        <a:buSzPct val="100000"/>
+                        <a:buFont typeface="Arial" pitchFamily="34" charset="0"/>
+                        <a:buNone/>
+                        <a:tabLst/>
+                      </a:pPr>
+                      <a:r>
+                        <a:rPr kumimoji="0" lang="zh-CN" altLang="en-US" sz="1800" u="none" strike="noStrike" cap="none" normalizeH="0" baseline="0" dirty="0" smtClean="0">
+                          <a:ln>
+                            <a:noFill/>
+                          </a:ln>
+                          <a:effectLst/>
+                        </a:rPr>
+                        <a:t>视</a:t>
+                      </a:r>
+                      <a:r>
+                        <a:rPr kumimoji="0" lang="en-US" sz="1800" u="none" strike="noStrike" cap="none" normalizeH="0" baseline="0" dirty="0" smtClean="0">
+                          <a:ln>
+                            <a:noFill/>
+                          </a:ln>
+                          <a:effectLst/>
+                        </a:rPr>
+                        <a:t>    </a:t>
+                      </a:r>
+                      <a:r>
+                        <a:rPr kumimoji="0" lang="zh-CN" altLang="en-US" sz="1800" u="none" strike="noStrike" cap="none" normalizeH="0" baseline="0" dirty="0" smtClean="0">
+                          <a:ln>
+                            <a:noFill/>
+                          </a:ln>
+                          <a:effectLst/>
+                        </a:rPr>
+                        <a:t>图</a:t>
+                      </a:r>
+                      <a:endParaRPr kumimoji="0" lang="zh-CN" altLang="en-US" sz="1800" b="0" i="0" u="none" strike="noStrike" cap="none" normalizeH="0" baseline="0" dirty="0" smtClean="0">
+                        <a:ln>
+                          <a:noFill/>
+                        </a:ln>
+                        <a:solidFill>
+                          <a:schemeClr val="tx1"/>
+                        </a:solidFill>
+                        <a:effectLst/>
+                        <a:latin typeface="Times New Roman" pitchFamily="18" charset="0"/>
+                        <a:ea typeface="微软雅黑" pitchFamily="34" charset="-122"/>
+                      </a:endParaRPr>
+                    </a:p>
+                  </a:txBody>
+                  <a:tcPr marL="45720" marR="45720" marT="0" marB="0" anchor="ctr" horzOverflow="overflow"/>
+                </a:tc>
+                <a:tc>
+                  <a:txBody>
+                    <a:bodyPr/>
+                    <a:lstStyle/>
+                    <a:p>
+                      <a:pPr marL="0" marR="0" lvl="0" indent="0" algn="ctr" defTabSz="914400" rtl="0" eaLnBrk="1" fontAlgn="base" latinLnBrk="0" hangingPunct="1">
+                        <a:lnSpc>
+                          <a:spcPts val="1600"/>
+                        </a:lnSpc>
+                        <a:spcBef>
+                          <a:spcPct val="0"/>
+                        </a:spcBef>
+                        <a:spcAft>
+                          <a:spcPct val="0"/>
+                        </a:spcAft>
+                        <a:buClrTx/>
+                        <a:buSzPct val="100000"/>
+                        <a:buFont typeface="Arial" pitchFamily="34" charset="0"/>
+                        <a:buNone/>
+                        <a:tabLst/>
+                      </a:pPr>
+                      <a:r>
+                        <a:rPr kumimoji="0" lang="zh-CN" sz="1800" u="none" strike="noStrike" cap="none" normalizeH="0" baseline="0" dirty="0" smtClean="0">
+                          <a:ln>
+                            <a:noFill/>
+                          </a:ln>
+                          <a:effectLst/>
+                        </a:rPr>
+                        <a:t>主 要 符 号</a:t>
+                      </a:r>
+                      <a:endParaRPr kumimoji="0" lang="zh-CN" sz="1800" b="0" i="0" u="none" strike="noStrike" cap="none" normalizeH="0" baseline="0" dirty="0" smtClean="0">
+                        <a:ln>
+                          <a:noFill/>
+                        </a:ln>
+                        <a:solidFill>
+                          <a:schemeClr val="tx1"/>
+                        </a:solidFill>
+                        <a:effectLst/>
+                        <a:latin typeface="Times New Roman" pitchFamily="18" charset="0"/>
+                        <a:ea typeface="微软雅黑" pitchFamily="34" charset="-122"/>
+                      </a:endParaRPr>
+                    </a:p>
+                  </a:txBody>
+                  <a:tcPr marL="45720" marR="45720" marT="0" marB="0" anchor="ctr" horzOverflow="overflow"/>
+                </a:tc>
+              </a:tr>
+              <a:tr h="438594">
+                <a:tc>
+                  <a:txBody>
+                    <a:bodyPr/>
+                    <a:lstStyle/>
+                    <a:p>
+                      <a:pPr marL="66675" marR="0" lvl="0" indent="0" algn="ctr" defTabSz="914400" rtl="0" eaLnBrk="1" fontAlgn="base" latinLnBrk="0" hangingPunct="1">
+                        <a:lnSpc>
+                          <a:spcPts val="1600"/>
+                        </a:lnSpc>
+                        <a:spcBef>
+                          <a:spcPct val="0"/>
+                        </a:spcBef>
+                        <a:spcAft>
+                          <a:spcPct val="0"/>
+                        </a:spcAft>
+                        <a:buClrTx/>
+                        <a:buSzPct val="100000"/>
+                        <a:buFont typeface="Arial" pitchFamily="34" charset="0"/>
+                        <a:buNone/>
+                        <a:tabLst/>
+                      </a:pPr>
+                      <a:r>
+                        <a:rPr kumimoji="0" lang="zh-CN" altLang="en-US" sz="1400" b="1" u="none" strike="noStrike" cap="none" normalizeH="0" baseline="0" dirty="0" smtClean="0">
+                          <a:ln>
+                            <a:noFill/>
+                          </a:ln>
+                          <a:effectLst/>
+                        </a:rPr>
+                        <a:t>组合结构</a:t>
+                      </a:r>
+                      <a:r>
+                        <a:rPr kumimoji="0" lang="zh-CN" altLang="en-US" sz="1400" b="1" u="none" strike="noStrike" cap="none" normalizeH="0" baseline="0" dirty="0" smtClean="0">
+                          <a:ln>
+                            <a:noFill/>
+                          </a:ln>
+                          <a:effectLst/>
+                        </a:rPr>
+                        <a:t>图</a:t>
+                      </a:r>
+                      <a:endParaRPr kumimoji="0" lang="zh-CN" altLang="en-US" sz="1400" b="1" u="none" strike="noStrike" cap="none" normalizeH="0" baseline="0" dirty="0" smtClean="0">
+                        <a:ln>
+                          <a:noFill/>
+                        </a:ln>
+                        <a:effectLst/>
+                      </a:endParaRPr>
+                    </a:p>
+                  </a:txBody>
+                  <a:tcPr marL="45720" marR="45720" marT="0" marB="0" anchor="ctr" horzOverflow="overflow"/>
+                </a:tc>
+                <a:tc>
+                  <a:txBody>
+                    <a:bodyPr/>
+                    <a:lstStyle/>
+                    <a:p>
+                      <a:pPr marL="66675" marR="0" lvl="0" indent="0" algn="l" defTabSz="914400" rtl="0" eaLnBrk="1" fontAlgn="base" latinLnBrk="0" hangingPunct="1">
+                        <a:lnSpc>
+                          <a:spcPts val="1600"/>
+                        </a:lnSpc>
+                        <a:spcBef>
+                          <a:spcPct val="0"/>
+                        </a:spcBef>
+                        <a:spcAft>
+                          <a:spcPct val="0"/>
+                        </a:spcAft>
+                        <a:buClrTx/>
+                        <a:buSzPct val="100000"/>
+                        <a:buFont typeface="Arial" pitchFamily="34" charset="0"/>
+                        <a:buNone/>
+                        <a:tabLst/>
+                      </a:pPr>
+                      <a:r>
+                        <a:rPr kumimoji="0" lang="zh-CN" altLang="en-US" sz="1400" u="none" strike="noStrike" cap="none" normalizeH="0" baseline="0" dirty="0" smtClean="0">
+                          <a:ln>
+                            <a:noFill/>
+                          </a:ln>
+                          <a:effectLst/>
+                        </a:rPr>
+                        <a:t>表现结构</a:t>
+                      </a:r>
+                      <a:r>
+                        <a:rPr kumimoji="0" lang="en-US" sz="1400" u="none" strike="noStrike" cap="none" normalizeH="0" baseline="0" dirty="0" smtClean="0">
+                          <a:ln>
+                            <a:noFill/>
+                          </a:ln>
+                          <a:effectLst/>
+                        </a:rPr>
+                        <a:t>(</a:t>
+                      </a:r>
+                      <a:r>
+                        <a:rPr kumimoji="0" lang="zh-CN" altLang="en-US" sz="1400" u="none" strike="noStrike" cap="none" normalizeH="0" baseline="0" dirty="0" smtClean="0">
+                          <a:ln>
+                            <a:noFill/>
+                          </a:ln>
+                          <a:effectLst/>
+                        </a:rPr>
+                        <a:t>架构</a:t>
+                      </a:r>
+                      <a:r>
+                        <a:rPr kumimoji="0" lang="en-US" sz="1400" u="none" strike="noStrike" cap="none" normalizeH="0" baseline="0" dirty="0" smtClean="0">
+                          <a:ln>
+                            <a:noFill/>
+                          </a:ln>
+                          <a:effectLst/>
+                        </a:rPr>
+                        <a:t>)</a:t>
+                      </a:r>
+                      <a:r>
+                        <a:rPr kumimoji="0" lang="zh-CN" altLang="en-US" sz="1400" u="none" strike="noStrike" cap="none" normalizeH="0" baseline="0" dirty="0" smtClean="0">
+                          <a:ln>
+                            <a:noFill/>
+                          </a:ln>
+                          <a:effectLst/>
+                        </a:rPr>
+                        <a:t>性需求，主要包括</a:t>
+                      </a:r>
+                      <a:r>
+                        <a:rPr kumimoji="0" lang="en-US" sz="1400" u="none" strike="noStrike" cap="none" normalizeH="0" baseline="0" dirty="0" smtClean="0">
+                          <a:ln>
+                            <a:noFill/>
+                          </a:ln>
+                          <a:effectLst/>
+                        </a:rPr>
+                        <a:t>Part</a:t>
+                      </a:r>
+                      <a:r>
+                        <a:rPr kumimoji="0" lang="zh-CN" altLang="en-US" sz="1400" u="none" strike="noStrike" cap="none" normalizeH="0" baseline="0" dirty="0" smtClean="0">
+                          <a:ln>
+                            <a:noFill/>
+                          </a:ln>
+                          <a:effectLst/>
+                        </a:rPr>
+                        <a:t>、</a:t>
+                      </a:r>
+                      <a:r>
+                        <a:rPr kumimoji="0" lang="en-US" sz="1400" u="none" strike="noStrike" cap="none" normalizeH="0" baseline="0" dirty="0" smtClean="0">
+                          <a:ln>
+                            <a:noFill/>
+                          </a:ln>
+                          <a:effectLst/>
+                        </a:rPr>
+                        <a:t>Port</a:t>
+                      </a:r>
+                      <a:r>
+                        <a:rPr kumimoji="0" lang="zh-CN" altLang="en-US" sz="1400" u="none" strike="noStrike" cap="none" normalizeH="0" baseline="0" dirty="0" smtClean="0">
+                          <a:ln>
+                            <a:noFill/>
+                          </a:ln>
+                          <a:effectLst/>
+                        </a:rPr>
+                        <a:t>、接口和链接</a:t>
+                      </a:r>
+                      <a:r>
+                        <a:rPr kumimoji="0" lang="en-US" sz="1400" u="none" strike="noStrike" cap="none" normalizeH="0" baseline="0" dirty="0" smtClean="0">
+                          <a:ln>
+                            <a:noFill/>
+                          </a:ln>
+                          <a:effectLst/>
+                        </a:rPr>
+                        <a:t>(Link)</a:t>
+                      </a:r>
+                      <a:endParaRPr kumimoji="0" lang="zh-CN" altLang="en-US" sz="1400" b="0" i="0" u="none" strike="noStrike" cap="none" normalizeH="0" baseline="0" dirty="0" smtClean="0">
+                        <a:ln>
+                          <a:noFill/>
+                        </a:ln>
+                        <a:solidFill>
+                          <a:schemeClr val="tx1"/>
+                        </a:solidFill>
+                        <a:effectLst/>
+                        <a:latin typeface="Times New Roman" pitchFamily="18" charset="0"/>
+                        <a:ea typeface="微软雅黑" pitchFamily="34" charset="-122"/>
+                      </a:endParaRPr>
+                    </a:p>
+                  </a:txBody>
+                  <a:tcPr marL="45720" marR="45720" marT="0" marB="0" anchor="ctr" horzOverflow="overflow"/>
+                </a:tc>
+                <a:tc>
+                  <a:txBody>
+                    <a:bodyPr/>
+                    <a:lstStyle/>
+                    <a:p>
+                      <a:pPr marL="66675" marR="0" lvl="0" indent="0" algn="l" defTabSz="914400" rtl="0" eaLnBrk="1" fontAlgn="base" latinLnBrk="0" hangingPunct="1">
+                        <a:lnSpc>
+                          <a:spcPts val="1600"/>
+                        </a:lnSpc>
+                        <a:spcBef>
+                          <a:spcPct val="0"/>
+                        </a:spcBef>
+                        <a:spcAft>
+                          <a:spcPct val="0"/>
+                        </a:spcAft>
+                        <a:buClrTx/>
+                        <a:buSzPct val="100000"/>
+                        <a:buFont typeface="Arial" pitchFamily="34" charset="0"/>
+                        <a:buNone/>
+                        <a:tabLst/>
+                      </a:pPr>
+                      <a:r>
+                        <a:rPr kumimoji="0" lang="en-US" sz="1400" u="none" strike="noStrike" cap="none" normalizeH="0" baseline="0" dirty="0" smtClean="0">
+                          <a:ln>
+                            <a:noFill/>
+                          </a:ln>
+                          <a:effectLst/>
+                        </a:rPr>
+                        <a:t>Part</a:t>
+                      </a:r>
+                      <a:r>
+                        <a:rPr kumimoji="0" lang="zh-CN" altLang="en-US" sz="1400" u="none" strike="noStrike" cap="none" normalizeH="0" baseline="0" dirty="0" smtClean="0">
+                          <a:ln>
+                            <a:noFill/>
+                          </a:ln>
+                          <a:effectLst/>
+                        </a:rPr>
+                        <a:t>、</a:t>
+                      </a:r>
+                      <a:r>
+                        <a:rPr kumimoji="0" lang="en-US" sz="1400" u="none" strike="noStrike" cap="none" normalizeH="0" baseline="0" dirty="0" smtClean="0">
+                          <a:ln>
+                            <a:noFill/>
+                          </a:ln>
+                          <a:effectLst/>
+                        </a:rPr>
+                        <a:t>Port</a:t>
+                      </a:r>
+                      <a:r>
+                        <a:rPr kumimoji="0" lang="zh-CN" altLang="en-US" sz="1400" u="none" strike="noStrike" cap="none" normalizeH="0" baseline="0" dirty="0" smtClean="0">
+                          <a:ln>
+                            <a:noFill/>
+                          </a:ln>
+                          <a:effectLst/>
+                        </a:rPr>
+                        <a:t>、接口、链接关系</a:t>
+                      </a:r>
+                      <a:endParaRPr kumimoji="0" lang="zh-CN" altLang="en-US" sz="1400" b="0" i="0" u="none" strike="noStrike" cap="none" normalizeH="0" baseline="0" dirty="0" smtClean="0">
+                        <a:ln>
+                          <a:noFill/>
+                        </a:ln>
+                        <a:solidFill>
+                          <a:schemeClr val="tx1"/>
+                        </a:solidFill>
+                        <a:effectLst/>
+                        <a:latin typeface="Times New Roman" pitchFamily="18" charset="0"/>
+                        <a:ea typeface="微软雅黑" pitchFamily="34" charset="-122"/>
+                      </a:endParaRPr>
+                    </a:p>
+                  </a:txBody>
+                  <a:tcPr marL="45720" marR="45720" marT="0" marB="0" anchor="ctr" horzOverflow="overflow"/>
+                </a:tc>
+              </a:tr>
+              <a:tr h="438594">
+                <a:tc>
+                  <a:txBody>
+                    <a:bodyPr/>
+                    <a:lstStyle/>
+                    <a:p>
+                      <a:pPr marL="66675" marR="0" lvl="0" indent="0" algn="ctr" defTabSz="914400" rtl="0" eaLnBrk="1" fontAlgn="base" latinLnBrk="0" hangingPunct="1">
+                        <a:lnSpc>
+                          <a:spcPts val="1600"/>
+                        </a:lnSpc>
+                        <a:spcBef>
+                          <a:spcPct val="0"/>
+                        </a:spcBef>
+                        <a:spcAft>
+                          <a:spcPct val="0"/>
+                        </a:spcAft>
+                        <a:buClrTx/>
+                        <a:buSzPct val="100000"/>
+                        <a:buFont typeface="Arial" pitchFamily="34" charset="0"/>
+                        <a:buNone/>
+                        <a:tabLst/>
+                      </a:pPr>
+                      <a:r>
+                        <a:rPr kumimoji="0" lang="zh-CN" altLang="en-US" sz="1400" b="1" u="none" strike="noStrike" cap="none" normalizeH="0" baseline="0" dirty="0" smtClean="0">
+                          <a:ln>
+                            <a:noFill/>
+                          </a:ln>
+                          <a:effectLst/>
+                        </a:rPr>
+                        <a:t>用</a:t>
+                      </a:r>
+                      <a:r>
+                        <a:rPr kumimoji="0" lang="zh-CN" altLang="en-US" sz="1400" b="1" u="none" strike="noStrike" cap="none" normalizeH="0" baseline="0" dirty="0" smtClean="0">
+                          <a:ln>
+                            <a:noFill/>
+                          </a:ln>
+                          <a:effectLst/>
+                        </a:rPr>
+                        <a:t>例图</a:t>
+                      </a:r>
+                      <a:endParaRPr kumimoji="0" lang="zh-CN" altLang="en-US" sz="1400" b="1" u="none" strike="noStrike" cap="none" normalizeH="0" baseline="0" dirty="0" smtClean="0">
+                        <a:ln>
+                          <a:noFill/>
+                        </a:ln>
+                        <a:effectLst/>
+                      </a:endParaRPr>
+                    </a:p>
+                  </a:txBody>
+                  <a:tcPr marL="45720" marR="45720" marT="0" marB="0" anchor="ctr" horzOverflow="overflow"/>
+                </a:tc>
+                <a:tc>
+                  <a:txBody>
+                    <a:bodyPr/>
+                    <a:lstStyle/>
+                    <a:p>
+                      <a:pPr marL="66675" marR="0" lvl="0" indent="0" algn="l" defTabSz="914400" rtl="0" eaLnBrk="1" fontAlgn="base" latinLnBrk="0" hangingPunct="1">
+                        <a:lnSpc>
+                          <a:spcPts val="1600"/>
+                        </a:lnSpc>
+                        <a:spcBef>
+                          <a:spcPct val="0"/>
+                        </a:spcBef>
+                        <a:spcAft>
+                          <a:spcPct val="0"/>
+                        </a:spcAft>
+                        <a:buClrTx/>
+                        <a:buSzPct val="100000"/>
+                        <a:buFont typeface="Arial" pitchFamily="34" charset="0"/>
+                        <a:buNone/>
+                        <a:tabLst/>
+                      </a:pPr>
+                      <a:r>
+                        <a:rPr kumimoji="0" lang="zh-CN" sz="1400" u="none" strike="noStrike" cap="none" normalizeH="0" baseline="0" dirty="0" smtClean="0">
+                          <a:ln>
+                            <a:noFill/>
+                          </a:ln>
+                          <a:effectLst/>
+                        </a:rPr>
+                        <a:t>表现功能需求，主要包括用例和参与者</a:t>
+                      </a:r>
+                      <a:endParaRPr kumimoji="0" lang="zh-CN" sz="1400" b="0" i="0" u="none" strike="noStrike" cap="none" normalizeH="0" baseline="0" dirty="0" smtClean="0">
+                        <a:ln>
+                          <a:noFill/>
+                        </a:ln>
+                        <a:solidFill>
+                          <a:schemeClr val="tx1"/>
+                        </a:solidFill>
+                        <a:effectLst/>
+                        <a:latin typeface="Times New Roman" pitchFamily="18" charset="0"/>
+                        <a:ea typeface="微软雅黑" pitchFamily="34" charset="-122"/>
+                      </a:endParaRPr>
+                    </a:p>
+                  </a:txBody>
+                  <a:tcPr marL="45720" marR="45720" marT="0" marB="0" anchor="ctr" horzOverflow="overflow"/>
+                </a:tc>
+                <a:tc>
+                  <a:txBody>
+                    <a:bodyPr/>
+                    <a:lstStyle/>
+                    <a:p>
+                      <a:pPr marL="66675" marR="0" lvl="0" indent="0" algn="l" defTabSz="914400" rtl="0" eaLnBrk="1" fontAlgn="base" latinLnBrk="0" hangingPunct="1">
+                        <a:lnSpc>
+                          <a:spcPts val="1600"/>
+                        </a:lnSpc>
+                        <a:spcBef>
+                          <a:spcPct val="0"/>
+                        </a:spcBef>
+                        <a:spcAft>
+                          <a:spcPct val="0"/>
+                        </a:spcAft>
+                        <a:buClrTx/>
+                        <a:buSzPct val="100000"/>
+                        <a:buFont typeface="Arial" pitchFamily="34" charset="0"/>
+                        <a:buNone/>
+                        <a:tabLst/>
+                      </a:pPr>
+                      <a:r>
+                        <a:rPr kumimoji="0" lang="zh-CN" sz="1400" u="none" strike="noStrike" cap="none" normalizeH="0" baseline="0" dirty="0" smtClean="0">
+                          <a:ln>
+                            <a:noFill/>
+                          </a:ln>
+                          <a:effectLst/>
+                        </a:rPr>
+                        <a:t>用例、参与者、关联关系</a:t>
+                      </a:r>
+                      <a:endParaRPr kumimoji="0" lang="zh-CN" sz="1400" b="0" i="0" u="none" strike="noStrike" cap="none" normalizeH="0" baseline="0" dirty="0" smtClean="0">
+                        <a:ln>
+                          <a:noFill/>
+                        </a:ln>
+                        <a:solidFill>
+                          <a:schemeClr val="tx1"/>
+                        </a:solidFill>
+                        <a:effectLst/>
+                        <a:latin typeface="Times New Roman" pitchFamily="18" charset="0"/>
+                        <a:ea typeface="微软雅黑" pitchFamily="34" charset="-122"/>
+                      </a:endParaRPr>
+                    </a:p>
+                  </a:txBody>
+                  <a:tcPr marL="45720" marR="45720" marT="0" marB="0" anchor="ctr" horzOverflow="overflow"/>
+                </a:tc>
+              </a:tr>
+              <a:tr h="438594">
+                <a:tc>
+                  <a:txBody>
+                    <a:bodyPr/>
+                    <a:lstStyle/>
+                    <a:p>
+                      <a:pPr marL="66675" marR="0" lvl="0" indent="0" algn="ctr" defTabSz="914400" rtl="0" eaLnBrk="1" fontAlgn="base" latinLnBrk="0" hangingPunct="1">
+                        <a:lnSpc>
+                          <a:spcPts val="1600"/>
+                        </a:lnSpc>
+                        <a:spcBef>
+                          <a:spcPct val="0"/>
+                        </a:spcBef>
+                        <a:spcAft>
+                          <a:spcPct val="0"/>
+                        </a:spcAft>
+                        <a:buClrTx/>
+                        <a:buSzPct val="100000"/>
+                        <a:buFont typeface="Arial" pitchFamily="34" charset="0"/>
+                        <a:buNone/>
+                        <a:tabLst/>
+                      </a:pPr>
+                      <a:r>
+                        <a:rPr kumimoji="0" lang="zh-CN" altLang="en-US" sz="1400" b="1" u="none" strike="noStrike" cap="none" normalizeH="0" baseline="0" dirty="0" smtClean="0">
+                          <a:ln>
+                            <a:noFill/>
+                          </a:ln>
+                          <a:effectLst/>
+                        </a:rPr>
+                        <a:t>类</a:t>
+                      </a:r>
+                      <a:r>
+                        <a:rPr kumimoji="0" lang="zh-CN" altLang="en-US" sz="1400" b="1" u="none" strike="noStrike" cap="none" normalizeH="0" baseline="0" dirty="0" smtClean="0">
+                          <a:ln>
+                            <a:noFill/>
+                          </a:ln>
+                          <a:effectLst/>
+                        </a:rPr>
+                        <a:t>图</a:t>
+                      </a:r>
+                      <a:endParaRPr kumimoji="0" lang="zh-CN" altLang="en-US" sz="1400" b="1" u="none" strike="noStrike" cap="none" normalizeH="0" baseline="0" dirty="0" smtClean="0">
+                        <a:ln>
+                          <a:noFill/>
+                        </a:ln>
+                        <a:effectLst/>
+                      </a:endParaRPr>
+                    </a:p>
+                  </a:txBody>
+                  <a:tcPr marL="45720" marR="45720" marT="0" marB="0" anchor="ctr" horzOverflow="overflow"/>
+                </a:tc>
+                <a:tc>
+                  <a:txBody>
+                    <a:bodyPr/>
+                    <a:lstStyle/>
+                    <a:p>
+                      <a:pPr marL="66675" marR="0" lvl="0" indent="0" algn="l" defTabSz="914400" rtl="0" eaLnBrk="1" fontAlgn="base" latinLnBrk="0" hangingPunct="1">
+                        <a:lnSpc>
+                          <a:spcPts val="1600"/>
+                        </a:lnSpc>
+                        <a:spcBef>
+                          <a:spcPct val="0"/>
+                        </a:spcBef>
+                        <a:spcAft>
+                          <a:spcPct val="0"/>
+                        </a:spcAft>
+                        <a:buClrTx/>
+                        <a:buSzPct val="100000"/>
+                        <a:buFont typeface="Arial" pitchFamily="34" charset="0"/>
+                        <a:buNone/>
+                        <a:tabLst/>
+                      </a:pPr>
+                      <a:r>
+                        <a:rPr kumimoji="0" lang="zh-CN" sz="1400" u="none" strike="noStrike" cap="none" normalizeH="0" baseline="0" dirty="0" smtClean="0">
+                          <a:ln>
+                            <a:noFill/>
+                          </a:ln>
+                          <a:effectLst/>
+                        </a:rPr>
+                        <a:t>表现静态结构，主要包括一群类及其间的静态关系</a:t>
+                      </a:r>
+                      <a:endParaRPr kumimoji="0" lang="zh-CN" sz="1400" b="0" i="0" u="none" strike="noStrike" cap="none" normalizeH="0" baseline="0" dirty="0" smtClean="0">
+                        <a:ln>
+                          <a:noFill/>
+                        </a:ln>
+                        <a:solidFill>
+                          <a:schemeClr val="tx1"/>
+                        </a:solidFill>
+                        <a:effectLst/>
+                        <a:latin typeface="Times New Roman" pitchFamily="18" charset="0"/>
+                        <a:ea typeface="微软雅黑" pitchFamily="34" charset="-122"/>
+                      </a:endParaRPr>
+                    </a:p>
+                  </a:txBody>
+                  <a:tcPr marL="45720" marR="45720" marT="0" marB="0" anchor="ctr" horzOverflow="overflow"/>
+                </a:tc>
+                <a:tc>
+                  <a:txBody>
+                    <a:bodyPr/>
+                    <a:lstStyle/>
+                    <a:p>
+                      <a:pPr marL="66675" marR="0" lvl="0" indent="0" algn="l" defTabSz="914400" rtl="0" eaLnBrk="1" fontAlgn="base" latinLnBrk="0" hangingPunct="1">
+                        <a:lnSpc>
+                          <a:spcPts val="1600"/>
+                        </a:lnSpc>
+                        <a:spcBef>
+                          <a:spcPct val="0"/>
+                        </a:spcBef>
+                        <a:spcAft>
+                          <a:spcPct val="0"/>
+                        </a:spcAft>
+                        <a:buClrTx/>
+                        <a:buSzPct val="100000"/>
+                        <a:buFont typeface="Arial" pitchFamily="34" charset="0"/>
+                        <a:buNone/>
+                        <a:tabLst/>
+                      </a:pPr>
+                      <a:r>
+                        <a:rPr kumimoji="0" lang="zh-CN" sz="1400" u="none" strike="noStrike" cap="none" normalizeH="0" baseline="0" dirty="0" smtClean="0">
+                          <a:ln>
+                            <a:noFill/>
+                          </a:ln>
+                          <a:effectLst/>
+                        </a:rPr>
+                        <a:t>类、关联关系、泛化关系</a:t>
+                      </a:r>
+                      <a:endParaRPr kumimoji="0" lang="zh-CN" sz="1400" b="0" i="0" u="none" strike="noStrike" cap="none" normalizeH="0" baseline="0" dirty="0" smtClean="0">
+                        <a:ln>
+                          <a:noFill/>
+                        </a:ln>
+                        <a:solidFill>
+                          <a:schemeClr val="tx1"/>
+                        </a:solidFill>
+                        <a:effectLst/>
+                        <a:latin typeface="Times New Roman" pitchFamily="18" charset="0"/>
+                        <a:ea typeface="微软雅黑" pitchFamily="34" charset="-122"/>
+                      </a:endParaRPr>
+                    </a:p>
+                  </a:txBody>
+                  <a:tcPr marL="45720" marR="45720" marT="0" marB="0" anchor="ctr" horzOverflow="overflow"/>
+                </a:tc>
+              </a:tr>
+              <a:tr h="438594">
+                <a:tc>
+                  <a:txBody>
+                    <a:bodyPr/>
+                    <a:lstStyle/>
+                    <a:p>
+                      <a:pPr marL="66675" marR="0" lvl="0" indent="0" algn="ctr" defTabSz="914400" rtl="0" eaLnBrk="1" fontAlgn="base" latinLnBrk="0" hangingPunct="1">
+                        <a:lnSpc>
+                          <a:spcPts val="1600"/>
+                        </a:lnSpc>
+                        <a:spcBef>
+                          <a:spcPct val="0"/>
+                        </a:spcBef>
+                        <a:spcAft>
+                          <a:spcPct val="0"/>
+                        </a:spcAft>
+                        <a:buClrTx/>
+                        <a:buSzPct val="100000"/>
+                        <a:buFont typeface="Arial" pitchFamily="34" charset="0"/>
+                        <a:buNone/>
+                        <a:tabLst/>
+                      </a:pPr>
+                      <a:r>
+                        <a:rPr kumimoji="0" lang="zh-CN" altLang="en-US" sz="1400" b="1" u="none" strike="noStrike" cap="none" normalizeH="0" baseline="0" dirty="0" smtClean="0">
+                          <a:ln>
+                            <a:noFill/>
+                          </a:ln>
+                          <a:effectLst/>
+                        </a:rPr>
+                        <a:t>序列</a:t>
+                      </a:r>
+                      <a:r>
+                        <a:rPr kumimoji="0" lang="zh-CN" altLang="en-US" sz="1400" b="1" u="none" strike="noStrike" cap="none" normalizeH="0" baseline="0" dirty="0" smtClean="0">
+                          <a:ln>
+                            <a:noFill/>
+                          </a:ln>
+                          <a:effectLst/>
+                        </a:rPr>
+                        <a:t>图</a:t>
+                      </a:r>
+                      <a:endParaRPr kumimoji="0" lang="zh-CN" altLang="en-US" sz="1400" b="1" u="none" strike="noStrike" cap="none" normalizeH="0" baseline="0" dirty="0" smtClean="0">
+                        <a:ln>
+                          <a:noFill/>
+                        </a:ln>
+                        <a:effectLst/>
+                      </a:endParaRPr>
+                    </a:p>
+                  </a:txBody>
+                  <a:tcPr marL="45720" marR="45720" marT="0" marB="0" anchor="ctr" horzOverflow="overflow"/>
+                </a:tc>
+                <a:tc>
+                  <a:txBody>
+                    <a:bodyPr/>
+                    <a:lstStyle/>
+                    <a:p>
+                      <a:pPr marL="66675" marR="0" lvl="0" indent="0" algn="l" defTabSz="914400" rtl="0" eaLnBrk="1" fontAlgn="base" latinLnBrk="0" hangingPunct="1">
+                        <a:lnSpc>
+                          <a:spcPts val="1600"/>
+                        </a:lnSpc>
+                        <a:spcBef>
+                          <a:spcPct val="0"/>
+                        </a:spcBef>
+                        <a:spcAft>
+                          <a:spcPct val="0"/>
+                        </a:spcAft>
+                        <a:buClrTx/>
+                        <a:buSzPct val="100000"/>
+                        <a:buFont typeface="Arial" pitchFamily="34" charset="0"/>
+                        <a:buNone/>
+                        <a:tabLst/>
+                      </a:pPr>
+                      <a:r>
+                        <a:rPr kumimoji="0" lang="zh-CN" sz="1400" u="none" strike="noStrike" cap="none" normalizeH="0" baseline="0" dirty="0" smtClean="0">
+                          <a:ln>
+                            <a:noFill/>
+                          </a:ln>
+                          <a:effectLst/>
+                        </a:rPr>
+                        <a:t>表现一群对象依序传送消息的交互状况</a:t>
+                      </a:r>
+                      <a:endParaRPr kumimoji="0" lang="zh-CN" sz="1400" b="0" i="0" u="none" strike="noStrike" cap="none" normalizeH="0" baseline="0" dirty="0" smtClean="0">
+                        <a:ln>
+                          <a:noFill/>
+                        </a:ln>
+                        <a:solidFill>
+                          <a:schemeClr val="tx1"/>
+                        </a:solidFill>
+                        <a:effectLst/>
+                        <a:latin typeface="Times New Roman" pitchFamily="18" charset="0"/>
+                        <a:ea typeface="微软雅黑" pitchFamily="34" charset="-122"/>
+                      </a:endParaRPr>
+                    </a:p>
+                  </a:txBody>
+                  <a:tcPr marL="45720" marR="45720" marT="0" marB="0" anchor="ctr" horzOverflow="overflow"/>
+                </a:tc>
+                <a:tc>
+                  <a:txBody>
+                    <a:bodyPr/>
+                    <a:lstStyle/>
+                    <a:p>
+                      <a:pPr marL="66675" marR="0" lvl="0" indent="0" algn="l" defTabSz="914400" rtl="0" eaLnBrk="1" fontAlgn="base" latinLnBrk="0" hangingPunct="1">
+                        <a:lnSpc>
+                          <a:spcPts val="1600"/>
+                        </a:lnSpc>
+                        <a:spcBef>
+                          <a:spcPct val="0"/>
+                        </a:spcBef>
+                        <a:spcAft>
+                          <a:spcPct val="0"/>
+                        </a:spcAft>
+                        <a:buClrTx/>
+                        <a:buSzPct val="100000"/>
+                        <a:buFont typeface="Arial" pitchFamily="34" charset="0"/>
+                        <a:buNone/>
+                        <a:tabLst/>
+                      </a:pPr>
+                      <a:r>
+                        <a:rPr kumimoji="0" lang="zh-CN" sz="1400" u="none" strike="noStrike" cap="none" normalizeH="0" baseline="0" dirty="0" smtClean="0">
+                          <a:ln>
+                            <a:noFill/>
+                          </a:ln>
+                          <a:effectLst/>
+                        </a:rPr>
+                        <a:t>对象、消息、活动期</a:t>
+                      </a:r>
+                      <a:endParaRPr kumimoji="0" lang="zh-CN" sz="1400" b="0" i="0" u="none" strike="noStrike" cap="none" normalizeH="0" baseline="0" dirty="0" smtClean="0">
+                        <a:ln>
+                          <a:noFill/>
+                        </a:ln>
+                        <a:solidFill>
+                          <a:schemeClr val="tx1"/>
+                        </a:solidFill>
+                        <a:effectLst/>
+                        <a:latin typeface="Times New Roman" pitchFamily="18" charset="0"/>
+                        <a:ea typeface="微软雅黑" pitchFamily="34" charset="-122"/>
+                      </a:endParaRPr>
+                    </a:p>
+                  </a:txBody>
+                  <a:tcPr marL="45720" marR="45720" marT="0" marB="0" anchor="ctr" horzOverflow="overflow"/>
+                </a:tc>
+              </a:tr>
+              <a:tr h="438594">
+                <a:tc>
+                  <a:txBody>
+                    <a:bodyPr/>
+                    <a:lstStyle/>
+                    <a:p>
+                      <a:pPr marL="66675" marR="0" lvl="0" indent="0" algn="ctr" defTabSz="914400" rtl="0" eaLnBrk="1" fontAlgn="base" latinLnBrk="0" hangingPunct="1">
+                        <a:lnSpc>
+                          <a:spcPts val="1600"/>
+                        </a:lnSpc>
+                        <a:spcBef>
+                          <a:spcPct val="0"/>
+                        </a:spcBef>
+                        <a:spcAft>
+                          <a:spcPct val="0"/>
+                        </a:spcAft>
+                        <a:buClrTx/>
+                        <a:buSzPct val="100000"/>
+                        <a:buFont typeface="Arial" pitchFamily="34" charset="0"/>
+                        <a:buNone/>
+                        <a:tabLst/>
+                      </a:pPr>
+                      <a:r>
+                        <a:rPr kumimoji="0" lang="zh-CN" altLang="en-US" sz="1400" b="1" u="none" strike="noStrike" cap="none" normalizeH="0" baseline="0" dirty="0" smtClean="0">
+                          <a:ln>
+                            <a:noFill/>
+                          </a:ln>
+                          <a:effectLst/>
+                        </a:rPr>
+                        <a:t>对象</a:t>
+                      </a:r>
+                      <a:r>
+                        <a:rPr kumimoji="0" lang="zh-CN" altLang="en-US" sz="1400" b="1" u="none" strike="noStrike" cap="none" normalizeH="0" baseline="0" dirty="0" smtClean="0">
+                          <a:ln>
+                            <a:noFill/>
+                          </a:ln>
+                          <a:effectLst/>
+                        </a:rPr>
+                        <a:t>图</a:t>
+                      </a:r>
+                      <a:endParaRPr kumimoji="0" lang="zh-CN" altLang="en-US" sz="1400" b="1" u="none" strike="noStrike" cap="none" normalizeH="0" baseline="0" dirty="0" smtClean="0">
+                        <a:ln>
+                          <a:noFill/>
+                        </a:ln>
+                        <a:effectLst/>
+                      </a:endParaRPr>
+                    </a:p>
+                  </a:txBody>
+                  <a:tcPr marL="45720" marR="45720" marT="0" marB="0" anchor="ctr" horzOverflow="overflow"/>
+                </a:tc>
+                <a:tc>
+                  <a:txBody>
+                    <a:bodyPr/>
+                    <a:lstStyle/>
+                    <a:p>
+                      <a:pPr marL="66675" marR="0" lvl="0" indent="0" algn="l" defTabSz="914400" rtl="0" eaLnBrk="1" fontAlgn="base" latinLnBrk="0" hangingPunct="1">
+                        <a:lnSpc>
+                          <a:spcPts val="1600"/>
+                        </a:lnSpc>
+                        <a:spcBef>
+                          <a:spcPct val="0"/>
+                        </a:spcBef>
+                        <a:spcAft>
+                          <a:spcPct val="0"/>
+                        </a:spcAft>
+                        <a:buClrTx/>
+                        <a:buSzPct val="100000"/>
+                        <a:buFont typeface="Arial" pitchFamily="34" charset="0"/>
+                        <a:buNone/>
+                        <a:tabLst/>
+                      </a:pPr>
+                      <a:r>
+                        <a:rPr kumimoji="0" lang="zh-CN" sz="1400" u="none" strike="noStrike" cap="none" normalizeH="0" baseline="0" dirty="0" smtClean="0">
+                          <a:ln>
+                            <a:noFill/>
+                          </a:ln>
+                          <a:effectLst/>
+                        </a:rPr>
+                        <a:t>表现某时刻下的数据结构，主要包括一群对象及其间拥有的数据数值</a:t>
+                      </a:r>
+                      <a:endParaRPr kumimoji="0" lang="zh-CN" sz="1400" b="0" i="0" u="none" strike="noStrike" cap="none" normalizeH="0" baseline="0" dirty="0" smtClean="0">
+                        <a:ln>
+                          <a:noFill/>
+                        </a:ln>
+                        <a:solidFill>
+                          <a:schemeClr val="tx1"/>
+                        </a:solidFill>
+                        <a:effectLst/>
+                        <a:latin typeface="Times New Roman" pitchFamily="18" charset="0"/>
+                        <a:ea typeface="微软雅黑" pitchFamily="34" charset="-122"/>
+                      </a:endParaRPr>
+                    </a:p>
+                  </a:txBody>
+                  <a:tcPr marL="45720" marR="45720" marT="0" marB="0" anchor="ctr" horzOverflow="overflow"/>
+                </a:tc>
+                <a:tc>
+                  <a:txBody>
+                    <a:bodyPr/>
+                    <a:lstStyle/>
+                    <a:p>
+                      <a:pPr marL="66675" marR="0" lvl="0" indent="0" algn="l" defTabSz="914400" rtl="0" eaLnBrk="1" fontAlgn="base" latinLnBrk="0" hangingPunct="1">
+                        <a:lnSpc>
+                          <a:spcPts val="1600"/>
+                        </a:lnSpc>
+                        <a:spcBef>
+                          <a:spcPct val="0"/>
+                        </a:spcBef>
+                        <a:spcAft>
+                          <a:spcPct val="0"/>
+                        </a:spcAft>
+                        <a:buClrTx/>
+                        <a:buSzPct val="100000"/>
+                        <a:buFont typeface="Arial" pitchFamily="34" charset="0"/>
+                        <a:buNone/>
+                        <a:tabLst/>
+                      </a:pPr>
+                      <a:r>
+                        <a:rPr kumimoji="0" lang="zh-CN" sz="1400" u="none" strike="noStrike" cap="none" normalizeH="0" baseline="0" dirty="0" smtClean="0">
+                          <a:ln>
+                            <a:noFill/>
+                          </a:ln>
+                          <a:effectLst/>
+                        </a:rPr>
+                        <a:t>对象、链接、消息</a:t>
+                      </a:r>
+                      <a:endParaRPr kumimoji="0" lang="zh-CN" sz="1400" b="0" i="0" u="none" strike="noStrike" cap="none" normalizeH="0" baseline="0" dirty="0" smtClean="0">
+                        <a:ln>
+                          <a:noFill/>
+                        </a:ln>
+                        <a:solidFill>
+                          <a:schemeClr val="tx1"/>
+                        </a:solidFill>
+                        <a:effectLst/>
+                        <a:latin typeface="Times New Roman" pitchFamily="18" charset="0"/>
+                        <a:ea typeface="微软雅黑" pitchFamily="34" charset="-122"/>
+                      </a:endParaRPr>
+                    </a:p>
+                  </a:txBody>
+                  <a:tcPr marL="45720" marR="45720" marT="0" marB="0" anchor="ctr" horzOverflow="overflow"/>
+                </a:tc>
+              </a:tr>
+              <a:tr h="438594">
+                <a:tc>
+                  <a:txBody>
+                    <a:bodyPr/>
+                    <a:lstStyle/>
+                    <a:p>
+                      <a:pPr marL="66675" marR="0" lvl="0" indent="0" algn="ctr" defTabSz="914400" rtl="0" eaLnBrk="1" fontAlgn="base" latinLnBrk="0" hangingPunct="1">
+                        <a:lnSpc>
+                          <a:spcPts val="1600"/>
+                        </a:lnSpc>
+                        <a:spcBef>
+                          <a:spcPct val="0"/>
+                        </a:spcBef>
+                        <a:spcAft>
+                          <a:spcPct val="0"/>
+                        </a:spcAft>
+                        <a:buClrTx/>
+                        <a:buSzPct val="100000"/>
+                        <a:buFont typeface="Arial" pitchFamily="34" charset="0"/>
+                        <a:buNone/>
+                        <a:tabLst/>
+                      </a:pPr>
+                      <a:r>
+                        <a:rPr kumimoji="0" lang="zh-CN" altLang="en-US" sz="1400" b="1" u="none" strike="noStrike" cap="none" normalizeH="0" baseline="0" dirty="0" smtClean="0">
+                          <a:ln>
+                            <a:noFill/>
+                          </a:ln>
+                          <a:effectLst/>
+                        </a:rPr>
+                        <a:t>协作</a:t>
+                      </a:r>
+                      <a:r>
+                        <a:rPr kumimoji="0" lang="zh-CN" altLang="en-US" sz="1400" b="1" u="none" strike="noStrike" cap="none" normalizeH="0" baseline="0" dirty="0" smtClean="0">
+                          <a:ln>
+                            <a:noFill/>
+                          </a:ln>
+                          <a:effectLst/>
+                        </a:rPr>
+                        <a:t>图</a:t>
+                      </a:r>
+                      <a:endParaRPr kumimoji="0" lang="zh-CN" altLang="en-US" sz="1400" b="1" u="none" strike="noStrike" cap="none" normalizeH="0" baseline="0" dirty="0" smtClean="0">
+                        <a:ln>
+                          <a:noFill/>
+                        </a:ln>
+                        <a:effectLst/>
+                      </a:endParaRPr>
+                    </a:p>
+                  </a:txBody>
+                  <a:tcPr marL="45720" marR="45720" marT="0" marB="0" anchor="ctr" horzOverflow="overflow"/>
+                </a:tc>
+                <a:tc>
+                  <a:txBody>
+                    <a:bodyPr/>
+                    <a:lstStyle/>
+                    <a:p>
+                      <a:pPr marL="66675" marR="0" lvl="0" indent="0" algn="l" defTabSz="914400" rtl="0" eaLnBrk="1" fontAlgn="base" latinLnBrk="0" hangingPunct="1">
+                        <a:lnSpc>
+                          <a:spcPts val="1600"/>
+                        </a:lnSpc>
+                        <a:spcBef>
+                          <a:spcPct val="0"/>
+                        </a:spcBef>
+                        <a:spcAft>
+                          <a:spcPct val="0"/>
+                        </a:spcAft>
+                        <a:buClrTx/>
+                        <a:buSzPct val="100000"/>
+                        <a:buFont typeface="Arial" pitchFamily="34" charset="0"/>
+                        <a:buNone/>
+                        <a:tabLst/>
+                      </a:pPr>
+                      <a:r>
+                        <a:rPr kumimoji="0" lang="zh-CN" sz="1400" u="none" strike="noStrike" cap="none" normalizeH="0" baseline="0" dirty="0" smtClean="0">
+                          <a:ln>
+                            <a:noFill/>
+                          </a:ln>
+                          <a:effectLst/>
+                        </a:rPr>
+                        <a:t>表现一群有链接的对象传送消息的交互状况</a:t>
+                      </a:r>
+                      <a:endParaRPr kumimoji="0" lang="zh-CN" sz="1400" b="0" i="0" u="none" strike="noStrike" cap="none" normalizeH="0" baseline="0" dirty="0" smtClean="0">
+                        <a:ln>
+                          <a:noFill/>
+                        </a:ln>
+                        <a:solidFill>
+                          <a:schemeClr val="tx1"/>
+                        </a:solidFill>
+                        <a:effectLst/>
+                        <a:latin typeface="Times New Roman" pitchFamily="18" charset="0"/>
+                        <a:ea typeface="微软雅黑" pitchFamily="34" charset="-122"/>
+                      </a:endParaRPr>
+                    </a:p>
+                  </a:txBody>
+                  <a:tcPr marL="45720" marR="45720" marT="0" marB="0" anchor="ctr" horzOverflow="overflow"/>
+                </a:tc>
+                <a:tc>
+                  <a:txBody>
+                    <a:bodyPr/>
+                    <a:lstStyle/>
+                    <a:p>
+                      <a:pPr marL="66675" marR="0" lvl="0" indent="0" algn="l" defTabSz="914400" rtl="0" eaLnBrk="1" fontAlgn="base" latinLnBrk="0" hangingPunct="1">
+                        <a:lnSpc>
+                          <a:spcPts val="1600"/>
+                        </a:lnSpc>
+                        <a:spcBef>
+                          <a:spcPct val="0"/>
+                        </a:spcBef>
+                        <a:spcAft>
+                          <a:spcPct val="0"/>
+                        </a:spcAft>
+                        <a:buClrTx/>
+                        <a:buSzPct val="100000"/>
+                        <a:buFont typeface="Arial" pitchFamily="34" charset="0"/>
+                        <a:buNone/>
+                        <a:tabLst/>
+                      </a:pPr>
+                      <a:r>
+                        <a:rPr kumimoji="0" lang="zh-CN" sz="1400" u="none" strike="noStrike" cap="none" normalizeH="0" baseline="0" dirty="0" smtClean="0">
+                          <a:ln>
+                            <a:noFill/>
+                          </a:ln>
+                          <a:effectLst/>
+                        </a:rPr>
+                        <a:t>对象、链接</a:t>
+                      </a:r>
+                      <a:endParaRPr kumimoji="0" lang="zh-CN" sz="1400" b="0" i="0" u="none" strike="noStrike" cap="none" normalizeH="0" baseline="0" dirty="0" smtClean="0">
+                        <a:ln>
+                          <a:noFill/>
+                        </a:ln>
+                        <a:solidFill>
+                          <a:schemeClr val="tx1"/>
+                        </a:solidFill>
+                        <a:effectLst/>
+                        <a:latin typeface="Times New Roman" pitchFamily="18" charset="0"/>
+                        <a:ea typeface="微软雅黑" pitchFamily="34" charset="-122"/>
+                      </a:endParaRPr>
+                    </a:p>
+                  </a:txBody>
+                  <a:tcPr marL="45720" marR="45720" marT="0" marB="0" anchor="ctr" horzOverflow="overflow"/>
+                </a:tc>
+              </a:tr>
+              <a:tr h="438594">
+                <a:tc>
+                  <a:txBody>
+                    <a:bodyPr/>
+                    <a:lstStyle/>
+                    <a:p>
+                      <a:pPr marL="66675" marR="0" lvl="0" indent="0" algn="ctr" defTabSz="914400" rtl="0" eaLnBrk="1" fontAlgn="base" latinLnBrk="0" hangingPunct="1">
+                        <a:lnSpc>
+                          <a:spcPts val="1600"/>
+                        </a:lnSpc>
+                        <a:spcBef>
+                          <a:spcPct val="0"/>
+                        </a:spcBef>
+                        <a:spcAft>
+                          <a:spcPct val="0"/>
+                        </a:spcAft>
+                        <a:buClrTx/>
+                        <a:buSzPct val="100000"/>
+                        <a:buFont typeface="Arial" pitchFamily="34" charset="0"/>
+                        <a:buNone/>
+                        <a:tabLst/>
+                      </a:pPr>
+                      <a:r>
+                        <a:rPr kumimoji="0" lang="zh-CN" altLang="en-US" sz="1400" b="1" u="none" strike="noStrike" cap="none" normalizeH="0" baseline="0" dirty="0" smtClean="0">
+                          <a:ln>
+                            <a:noFill/>
+                          </a:ln>
+                          <a:effectLst/>
+                        </a:rPr>
+                        <a:t>状态图</a:t>
+                      </a:r>
+                      <a:endParaRPr kumimoji="0" lang="zh-CN" altLang="en-US" sz="1400" b="1" u="none" strike="noStrike" cap="none" normalizeH="0" baseline="0" dirty="0" smtClean="0">
+                        <a:ln>
+                          <a:noFill/>
+                        </a:ln>
+                        <a:effectLst/>
+                      </a:endParaRPr>
+                    </a:p>
+                  </a:txBody>
+                  <a:tcPr marL="45720" marR="45720" marT="0" marB="0" anchor="ctr" horzOverflow="overflow"/>
+                </a:tc>
+                <a:tc>
+                  <a:txBody>
+                    <a:bodyPr/>
+                    <a:lstStyle/>
+                    <a:p>
+                      <a:pPr marL="66675" marR="0" lvl="0" indent="0" algn="l" defTabSz="914400" rtl="0" eaLnBrk="1" fontAlgn="base" latinLnBrk="0" hangingPunct="1">
+                        <a:lnSpc>
+                          <a:spcPts val="1600"/>
+                        </a:lnSpc>
+                        <a:spcBef>
+                          <a:spcPct val="0"/>
+                        </a:spcBef>
+                        <a:spcAft>
+                          <a:spcPct val="0"/>
+                        </a:spcAft>
+                        <a:buClrTx/>
+                        <a:buSzPct val="100000"/>
+                        <a:buFont typeface="Arial" pitchFamily="34" charset="0"/>
+                        <a:buNone/>
+                        <a:tabLst/>
+                      </a:pPr>
+                      <a:r>
+                        <a:rPr kumimoji="0" lang="zh-CN" sz="1400" u="none" strike="noStrike" cap="none" normalizeH="0" baseline="0" dirty="0" smtClean="0">
+                          <a:ln>
+                            <a:noFill/>
+                          </a:ln>
+                          <a:effectLst/>
+                        </a:rPr>
+                        <a:t>表现某种对象的行为，主要呈现一堆状态因事件而转换的状况</a:t>
+                      </a:r>
+                      <a:endParaRPr kumimoji="0" lang="zh-CN" sz="1400" b="0" i="0" u="none" strike="noStrike" cap="none" normalizeH="0" baseline="0" dirty="0" smtClean="0">
+                        <a:ln>
+                          <a:noFill/>
+                        </a:ln>
+                        <a:solidFill>
+                          <a:schemeClr val="tx1"/>
+                        </a:solidFill>
+                        <a:effectLst/>
+                        <a:latin typeface="Times New Roman" pitchFamily="18" charset="0"/>
+                        <a:ea typeface="微软雅黑" pitchFamily="34" charset="-122"/>
+                      </a:endParaRPr>
+                    </a:p>
+                  </a:txBody>
+                  <a:tcPr marL="45720" marR="45720" marT="0" marB="0" anchor="ctr" horzOverflow="overflow"/>
+                </a:tc>
+                <a:tc>
+                  <a:txBody>
+                    <a:bodyPr/>
+                    <a:lstStyle/>
+                    <a:p>
+                      <a:pPr marL="66675" marR="0" lvl="0" indent="0" algn="l" defTabSz="914400" rtl="0" eaLnBrk="1" fontAlgn="base" latinLnBrk="0" hangingPunct="1">
+                        <a:lnSpc>
+                          <a:spcPts val="1600"/>
+                        </a:lnSpc>
+                        <a:spcBef>
+                          <a:spcPct val="0"/>
+                        </a:spcBef>
+                        <a:spcAft>
+                          <a:spcPct val="0"/>
+                        </a:spcAft>
+                        <a:buClrTx/>
+                        <a:buSzPct val="100000"/>
+                        <a:buFont typeface="Arial" pitchFamily="34" charset="0"/>
+                        <a:buNone/>
+                        <a:tabLst/>
+                      </a:pPr>
+                      <a:r>
+                        <a:rPr kumimoji="0" lang="zh-CN" sz="1400" u="none" strike="noStrike" cap="none" normalizeH="0" baseline="0" dirty="0" smtClean="0">
+                          <a:ln>
+                            <a:noFill/>
+                          </a:ln>
+                          <a:effectLst/>
+                        </a:rPr>
+                        <a:t>状态、事件、转换、动作</a:t>
+                      </a:r>
+                      <a:endParaRPr kumimoji="0" lang="zh-CN" sz="1400" b="0" i="0" u="none" strike="noStrike" cap="none" normalizeH="0" baseline="0" dirty="0" smtClean="0">
+                        <a:ln>
+                          <a:noFill/>
+                        </a:ln>
+                        <a:solidFill>
+                          <a:schemeClr val="tx1"/>
+                        </a:solidFill>
+                        <a:effectLst/>
+                        <a:latin typeface="Times New Roman" pitchFamily="18" charset="0"/>
+                        <a:ea typeface="微软雅黑" pitchFamily="34" charset="-122"/>
+                      </a:endParaRPr>
+                    </a:p>
+                  </a:txBody>
+                  <a:tcPr marL="45720" marR="45720" marT="0" marB="0" anchor="ctr" horzOverflow="overflow"/>
+                </a:tc>
+              </a:tr>
+              <a:tr h="438594">
+                <a:tc>
+                  <a:txBody>
+                    <a:bodyPr/>
+                    <a:lstStyle/>
+                    <a:p>
+                      <a:pPr marL="66675" marR="0" lvl="0" indent="0" algn="ctr" defTabSz="914400" rtl="0" eaLnBrk="1" fontAlgn="base" latinLnBrk="0" hangingPunct="1">
+                        <a:lnSpc>
+                          <a:spcPts val="1600"/>
+                        </a:lnSpc>
+                        <a:spcBef>
+                          <a:spcPct val="0"/>
+                        </a:spcBef>
+                        <a:spcAft>
+                          <a:spcPct val="0"/>
+                        </a:spcAft>
+                        <a:buClrTx/>
+                        <a:buSzPct val="100000"/>
+                        <a:buFont typeface="Arial" pitchFamily="34" charset="0"/>
+                        <a:buNone/>
+                        <a:tabLst/>
+                      </a:pPr>
+                      <a:r>
+                        <a:rPr kumimoji="0" lang="zh-CN" altLang="en-US" sz="1400" b="1" u="none" strike="noStrike" cap="none" normalizeH="0" baseline="0" dirty="0" smtClean="0">
+                          <a:ln>
+                            <a:noFill/>
+                          </a:ln>
+                          <a:effectLst/>
+                        </a:rPr>
+                        <a:t>活动图</a:t>
+                      </a:r>
+                      <a:endParaRPr kumimoji="0" lang="zh-CN" altLang="en-US" sz="1400" b="1" u="none" strike="noStrike" cap="none" normalizeH="0" baseline="0" dirty="0" smtClean="0">
+                        <a:ln>
+                          <a:noFill/>
+                        </a:ln>
+                        <a:effectLst/>
+                      </a:endParaRPr>
+                    </a:p>
+                  </a:txBody>
+                  <a:tcPr marL="45720" marR="45720" marT="0" marB="0" anchor="ctr" horzOverflow="overflow"/>
+                </a:tc>
+                <a:tc>
+                  <a:txBody>
+                    <a:bodyPr/>
+                    <a:lstStyle/>
+                    <a:p>
+                      <a:pPr marL="66675" marR="0" lvl="0" indent="0" algn="l" defTabSz="914400" rtl="0" eaLnBrk="1" fontAlgn="base" latinLnBrk="0" hangingPunct="1">
+                        <a:lnSpc>
+                          <a:spcPts val="1600"/>
+                        </a:lnSpc>
+                        <a:spcBef>
+                          <a:spcPct val="0"/>
+                        </a:spcBef>
+                        <a:spcAft>
+                          <a:spcPct val="0"/>
+                        </a:spcAft>
+                        <a:buClrTx/>
+                        <a:buSzPct val="100000"/>
+                        <a:buFont typeface="Arial" pitchFamily="34" charset="0"/>
+                        <a:buNone/>
+                        <a:tabLst/>
+                      </a:pPr>
+                      <a:r>
+                        <a:rPr kumimoji="0" lang="zh-CN" sz="1400" u="none" strike="noStrike" cap="none" normalizeH="0" baseline="0" dirty="0" smtClean="0">
+                          <a:ln>
+                            <a:noFill/>
+                          </a:ln>
+                          <a:effectLst/>
+                        </a:rPr>
+                        <a:t>表现一段自动转换的活动流程，主要包括一堆活动及其间的自动转换线</a:t>
+                      </a:r>
+                      <a:endParaRPr kumimoji="0" lang="zh-CN" sz="1400" b="0" i="0" u="none" strike="noStrike" cap="none" normalizeH="0" baseline="0" dirty="0" smtClean="0">
+                        <a:ln>
+                          <a:noFill/>
+                        </a:ln>
+                        <a:solidFill>
+                          <a:schemeClr val="tx1"/>
+                        </a:solidFill>
+                        <a:effectLst/>
+                        <a:latin typeface="Times New Roman" pitchFamily="18" charset="0"/>
+                        <a:ea typeface="微软雅黑" pitchFamily="34" charset="-122"/>
+                      </a:endParaRPr>
+                    </a:p>
+                  </a:txBody>
+                  <a:tcPr marL="45720" marR="45720" marT="0" marB="0" anchor="ctr" horzOverflow="overflow"/>
+                </a:tc>
+                <a:tc>
+                  <a:txBody>
+                    <a:bodyPr/>
+                    <a:lstStyle/>
+                    <a:p>
+                      <a:pPr marL="66675" marR="0" lvl="0" indent="0" algn="l" defTabSz="914400" rtl="0" eaLnBrk="1" fontAlgn="base" latinLnBrk="0" hangingPunct="1">
+                        <a:lnSpc>
+                          <a:spcPts val="1600"/>
+                        </a:lnSpc>
+                        <a:spcBef>
+                          <a:spcPct val="0"/>
+                        </a:spcBef>
+                        <a:spcAft>
+                          <a:spcPct val="0"/>
+                        </a:spcAft>
+                        <a:buClrTx/>
+                        <a:buSzPct val="100000"/>
+                        <a:buFont typeface="Arial" pitchFamily="34" charset="0"/>
+                        <a:buNone/>
+                        <a:tabLst/>
+                      </a:pPr>
+                      <a:r>
+                        <a:rPr kumimoji="0" lang="zh-CN" sz="1400" u="none" strike="noStrike" cap="none" normalizeH="0" baseline="0" dirty="0" smtClean="0">
+                          <a:ln>
+                            <a:noFill/>
+                          </a:ln>
+                          <a:effectLst/>
+                        </a:rPr>
+                        <a:t>活动、转换、分叉、接合</a:t>
+                      </a:r>
+                      <a:endParaRPr kumimoji="0" lang="zh-CN" sz="1400" b="0" i="0" u="none" strike="noStrike" cap="none" normalizeH="0" baseline="0" dirty="0" smtClean="0">
+                        <a:ln>
+                          <a:noFill/>
+                        </a:ln>
+                        <a:solidFill>
+                          <a:schemeClr val="tx1"/>
+                        </a:solidFill>
+                        <a:effectLst/>
+                        <a:latin typeface="Times New Roman" pitchFamily="18" charset="0"/>
+                        <a:ea typeface="微软雅黑" pitchFamily="34" charset="-122"/>
+                      </a:endParaRPr>
+                    </a:p>
+                  </a:txBody>
+                  <a:tcPr marL="45720" marR="45720" marT="0" marB="0" anchor="ctr" horzOverflow="overflow"/>
+                </a:tc>
+              </a:tr>
+              <a:tr h="438594">
+                <a:tc>
+                  <a:txBody>
+                    <a:bodyPr/>
+                    <a:lstStyle/>
+                    <a:p>
+                      <a:pPr marL="66675" marR="0" lvl="0" indent="0" algn="ctr" defTabSz="914400" rtl="0" eaLnBrk="1" fontAlgn="base" latinLnBrk="0" hangingPunct="1">
+                        <a:lnSpc>
+                          <a:spcPts val="1600"/>
+                        </a:lnSpc>
+                        <a:spcBef>
+                          <a:spcPct val="0"/>
+                        </a:spcBef>
+                        <a:spcAft>
+                          <a:spcPct val="0"/>
+                        </a:spcAft>
+                        <a:buClrTx/>
+                        <a:buSzPct val="100000"/>
+                        <a:buFont typeface="Arial" pitchFamily="34" charset="0"/>
+                        <a:buNone/>
+                        <a:tabLst/>
+                      </a:pPr>
+                      <a:r>
+                        <a:rPr kumimoji="0" lang="zh-CN" altLang="en-US" sz="1400" b="1" u="none" strike="noStrike" cap="none" normalizeH="0" baseline="0" dirty="0" smtClean="0">
+                          <a:ln>
+                            <a:noFill/>
+                          </a:ln>
+                          <a:effectLst/>
+                        </a:rPr>
+                        <a:t>组件</a:t>
+                      </a:r>
+                      <a:r>
+                        <a:rPr kumimoji="0" lang="zh-CN" altLang="en-US" sz="1400" b="1" u="none" strike="noStrike" cap="none" normalizeH="0" baseline="0" dirty="0" smtClean="0">
+                          <a:ln>
+                            <a:noFill/>
+                          </a:ln>
+                          <a:effectLst/>
+                        </a:rPr>
+                        <a:t>图</a:t>
+                      </a:r>
+                      <a:endParaRPr kumimoji="0" lang="zh-CN" altLang="en-US" sz="1400" b="1" u="none" strike="noStrike" cap="none" normalizeH="0" baseline="0" dirty="0" smtClean="0">
+                        <a:ln>
+                          <a:noFill/>
+                        </a:ln>
+                        <a:effectLst/>
+                      </a:endParaRPr>
+                    </a:p>
+                  </a:txBody>
+                  <a:tcPr marL="45720" marR="45720" marT="0" marB="0" anchor="ctr" horzOverflow="overflow"/>
+                </a:tc>
+                <a:tc>
+                  <a:txBody>
+                    <a:bodyPr/>
+                    <a:lstStyle/>
+                    <a:p>
+                      <a:pPr marL="66675" marR="0" lvl="0" indent="0" algn="l" defTabSz="914400" rtl="0" eaLnBrk="1" fontAlgn="base" latinLnBrk="0" hangingPunct="1">
+                        <a:lnSpc>
+                          <a:spcPts val="1600"/>
+                        </a:lnSpc>
+                        <a:spcBef>
+                          <a:spcPct val="0"/>
+                        </a:spcBef>
+                        <a:spcAft>
+                          <a:spcPct val="0"/>
+                        </a:spcAft>
+                        <a:buClrTx/>
+                        <a:buSzPct val="100000"/>
+                        <a:buFont typeface="Arial" pitchFamily="34" charset="0"/>
+                        <a:buNone/>
+                        <a:tabLst/>
+                      </a:pPr>
+                      <a:r>
+                        <a:rPr kumimoji="0" lang="zh-CN" sz="1400" u="none" strike="noStrike" cap="none" normalizeH="0" baseline="0" dirty="0" smtClean="0">
+                          <a:ln>
+                            <a:noFill/>
+                          </a:ln>
+                          <a:effectLst/>
+                        </a:rPr>
+                        <a:t>表现一群组件及其间的依赖关系</a:t>
+                      </a:r>
+                      <a:endParaRPr kumimoji="0" lang="zh-CN" sz="1400" b="0" i="0" u="none" strike="noStrike" cap="none" normalizeH="0" baseline="0" dirty="0" smtClean="0">
+                        <a:ln>
+                          <a:noFill/>
+                        </a:ln>
+                        <a:solidFill>
+                          <a:schemeClr val="tx1"/>
+                        </a:solidFill>
+                        <a:effectLst/>
+                        <a:latin typeface="Times New Roman" pitchFamily="18" charset="0"/>
+                        <a:ea typeface="微软雅黑" pitchFamily="34" charset="-122"/>
+                      </a:endParaRPr>
+                    </a:p>
+                  </a:txBody>
+                  <a:tcPr marL="45720" marR="45720" marT="0" marB="0" anchor="ctr" horzOverflow="overflow"/>
+                </a:tc>
+                <a:tc>
+                  <a:txBody>
+                    <a:bodyPr/>
+                    <a:lstStyle/>
+                    <a:p>
+                      <a:pPr marL="66675" marR="0" lvl="0" indent="0" algn="l" defTabSz="914400" rtl="0" eaLnBrk="1" fontAlgn="base" latinLnBrk="0" hangingPunct="1">
+                        <a:lnSpc>
+                          <a:spcPts val="1600"/>
+                        </a:lnSpc>
+                        <a:spcBef>
+                          <a:spcPct val="0"/>
+                        </a:spcBef>
+                        <a:spcAft>
+                          <a:spcPct val="0"/>
+                        </a:spcAft>
+                        <a:buClrTx/>
+                        <a:buSzPct val="100000"/>
+                        <a:buFont typeface="Arial" pitchFamily="34" charset="0"/>
+                        <a:buNone/>
+                        <a:tabLst/>
+                      </a:pPr>
+                      <a:r>
+                        <a:rPr kumimoji="0" lang="zh-CN" sz="1400" u="none" strike="noStrike" cap="none" normalizeH="0" baseline="0" dirty="0" smtClean="0">
+                          <a:ln>
+                            <a:noFill/>
+                          </a:ln>
+                          <a:effectLst/>
+                        </a:rPr>
+                        <a:t>组件、接口、依赖关系、实现关系</a:t>
+                      </a:r>
+                      <a:endParaRPr kumimoji="0" lang="zh-CN" sz="1400" b="0" i="0" u="none" strike="noStrike" cap="none" normalizeH="0" baseline="0" dirty="0" smtClean="0">
+                        <a:ln>
+                          <a:noFill/>
+                        </a:ln>
+                        <a:solidFill>
+                          <a:schemeClr val="tx1"/>
+                        </a:solidFill>
+                        <a:effectLst/>
+                        <a:latin typeface="Times New Roman" pitchFamily="18" charset="0"/>
+                        <a:ea typeface="微软雅黑" pitchFamily="34" charset="-122"/>
+                      </a:endParaRPr>
+                    </a:p>
+                  </a:txBody>
+                  <a:tcPr marL="45720" marR="45720" marT="0" marB="0" anchor="ctr" horzOverflow="overflow"/>
+                </a:tc>
+              </a:tr>
+              <a:tr h="438594">
+                <a:tc>
+                  <a:txBody>
+                    <a:bodyPr/>
+                    <a:lstStyle/>
+                    <a:p>
+                      <a:pPr marL="66675" marR="0" lvl="0" indent="0" algn="ctr" defTabSz="914400" rtl="0" eaLnBrk="1" fontAlgn="base" latinLnBrk="0" hangingPunct="1">
+                        <a:lnSpc>
+                          <a:spcPts val="1600"/>
+                        </a:lnSpc>
+                        <a:spcBef>
+                          <a:spcPct val="0"/>
+                        </a:spcBef>
+                        <a:spcAft>
+                          <a:spcPct val="0"/>
+                        </a:spcAft>
+                        <a:buClrTx/>
+                        <a:buSzPct val="100000"/>
+                        <a:buFont typeface="Arial" pitchFamily="34" charset="0"/>
+                        <a:buNone/>
+                        <a:tabLst/>
+                      </a:pPr>
+                      <a:r>
+                        <a:rPr kumimoji="0" lang="zh-CN" altLang="en-US" sz="1400" b="1" u="none" strike="noStrike" cap="none" normalizeH="0" baseline="0" dirty="0" smtClean="0">
+                          <a:ln>
+                            <a:noFill/>
+                          </a:ln>
+                          <a:effectLst/>
+                        </a:rPr>
+                        <a:t>部署</a:t>
+                      </a:r>
+                      <a:r>
+                        <a:rPr kumimoji="0" lang="zh-CN" altLang="en-US" sz="1400" b="1" u="none" strike="noStrike" cap="none" normalizeH="0" baseline="0" dirty="0" smtClean="0">
+                          <a:ln>
+                            <a:noFill/>
+                          </a:ln>
+                          <a:effectLst/>
+                        </a:rPr>
+                        <a:t>图</a:t>
+                      </a:r>
+                      <a:endParaRPr kumimoji="0" lang="zh-CN" altLang="en-US" sz="1400" b="1" u="none" strike="noStrike" cap="none" normalizeH="0" baseline="0" dirty="0" smtClean="0">
+                        <a:ln>
+                          <a:noFill/>
+                        </a:ln>
+                        <a:effectLst/>
+                      </a:endParaRPr>
+                    </a:p>
+                  </a:txBody>
+                  <a:tcPr marL="45720" marR="45720" marT="0" marB="0" anchor="ctr" horzOverflow="overflow"/>
+                </a:tc>
+                <a:tc>
+                  <a:txBody>
+                    <a:bodyPr/>
+                    <a:lstStyle/>
+                    <a:p>
+                      <a:pPr marL="66675" marR="0" lvl="0" indent="0" algn="l" defTabSz="914400" rtl="0" eaLnBrk="1" fontAlgn="base" latinLnBrk="0" hangingPunct="1">
+                        <a:lnSpc>
+                          <a:spcPts val="1600"/>
+                        </a:lnSpc>
+                        <a:spcBef>
+                          <a:spcPct val="0"/>
+                        </a:spcBef>
+                        <a:spcAft>
+                          <a:spcPct val="0"/>
+                        </a:spcAft>
+                        <a:buClrTx/>
+                        <a:buSzPct val="100000"/>
+                        <a:buFont typeface="Arial" pitchFamily="34" charset="0"/>
+                        <a:buNone/>
+                        <a:tabLst/>
+                      </a:pPr>
+                      <a:r>
+                        <a:rPr kumimoji="0" lang="zh-CN" sz="1400" u="none" strike="noStrike" cap="none" normalizeH="0" baseline="0" dirty="0" smtClean="0">
+                          <a:ln>
+                            <a:noFill/>
+                          </a:ln>
+                          <a:effectLst/>
+                        </a:rPr>
+                        <a:t>表现一堆设备及其间的依赖关系</a:t>
+                      </a:r>
+                      <a:endParaRPr kumimoji="0" lang="zh-CN" sz="1400" b="0" i="0" u="none" strike="noStrike" cap="none" normalizeH="0" baseline="0" dirty="0" smtClean="0">
+                        <a:ln>
+                          <a:noFill/>
+                        </a:ln>
+                        <a:solidFill>
+                          <a:schemeClr val="tx1"/>
+                        </a:solidFill>
+                        <a:effectLst/>
+                        <a:latin typeface="Times New Roman" pitchFamily="18" charset="0"/>
+                        <a:ea typeface="微软雅黑" pitchFamily="34" charset="-122"/>
+                      </a:endParaRPr>
+                    </a:p>
+                  </a:txBody>
+                  <a:tcPr marL="45720" marR="45720" marT="0" marB="0" anchor="ctr" horzOverflow="overflow"/>
+                </a:tc>
+                <a:tc>
+                  <a:txBody>
+                    <a:bodyPr/>
+                    <a:lstStyle/>
+                    <a:p>
+                      <a:pPr marL="66675" marR="0" lvl="0" indent="0" algn="l" defTabSz="914400" rtl="0" eaLnBrk="1" fontAlgn="base" latinLnBrk="0" hangingPunct="1">
+                        <a:lnSpc>
+                          <a:spcPts val="1600"/>
+                        </a:lnSpc>
+                        <a:spcBef>
+                          <a:spcPct val="0"/>
+                        </a:spcBef>
+                        <a:spcAft>
+                          <a:spcPct val="0"/>
+                        </a:spcAft>
+                        <a:buClrTx/>
+                        <a:buSzPct val="100000"/>
+                        <a:buFont typeface="Arial" pitchFamily="34" charset="0"/>
+                        <a:buNone/>
+                        <a:tabLst/>
+                      </a:pPr>
+                      <a:r>
+                        <a:rPr kumimoji="0" lang="zh-CN" sz="1400" u="none" strike="noStrike" cap="none" normalizeH="0" baseline="0" dirty="0" smtClean="0">
+                          <a:ln>
+                            <a:noFill/>
+                          </a:ln>
+                          <a:effectLst/>
+                        </a:rPr>
+                        <a:t>节点、组件、依赖关系</a:t>
+                      </a:r>
+                      <a:endParaRPr kumimoji="0" lang="zh-CN" sz="1400" b="0" i="0" u="none" strike="noStrike" cap="none" normalizeH="0" baseline="0" dirty="0" smtClean="0">
+                        <a:ln>
+                          <a:noFill/>
+                        </a:ln>
+                        <a:solidFill>
+                          <a:schemeClr val="tx1"/>
+                        </a:solidFill>
+                        <a:effectLst/>
+                        <a:latin typeface="Times New Roman" pitchFamily="18" charset="0"/>
+                        <a:ea typeface="微软雅黑" pitchFamily="34" charset="-122"/>
+                      </a:endParaRPr>
+                    </a:p>
+                  </a:txBody>
+                  <a:tcPr marL="45720" marR="45720" marT="0" marB="0" anchor="ctr" horzOverflow="overflow"/>
+                </a:tc>
+              </a:tr>
+            </a:tbl>
+          </a:graphicData>
+        </a:graphic>
+      </p:graphicFrame>
+    </p:spTree>
+    <p:extLst>
+      <p:ext uri="{BB962C8B-B14F-4D97-AF65-F5344CB8AC3E}">
+        <p14:creationId xmlns:p14="http://schemas.microsoft.com/office/powerpoint/2010/main" val="2511840273"/>
+      </p:ext>
+    </p:extLst>
+  </p:cSld>
+  <p:clrMapOvr>
+    <a:masterClrMapping/>
+  </p:clrMapOvr>
+  <p:timing>
+    <p:tnLst>
+      <p:par>
+        <p:cTn id="1" dur="indefinite" restart="never" nodeType="tmRoot"/>
+      </p:par>
+    </p:tnLst>
+  </p:timing>
+</p:sld>
+</file>
+
+<file path=ppt/slides/slide35.xml><?xml version="1.0" encoding="utf-8"?>
+<p:sld xmlns:a="http://schemas.openxmlformats.org/drawingml/2006/main" xmlns:r="http://schemas.openxmlformats.org/officeDocument/2006/relationships" xmlns:p="http://schemas.openxmlformats.org/presentationml/2006/main">
+  <p:cSld>
+    <p:spTree>
+      <p:nvGrpSpPr>
+        <p:cNvPr id="1" name=""/>
+        <p:cNvGrpSpPr/>
+        <p:nvPr/>
+      </p:nvGrpSpPr>
+      <p:grpSpPr>
+        <a:xfrm>
+          <a:off x="0" y="0"/>
+          <a:ext cx="0" cy="0"/>
+          <a:chOff x="0" y="0"/>
+          <a:chExt cx="0" cy="0"/>
+        </a:xfrm>
+      </p:grpSpPr>
+      <p:sp>
+        <p:nvSpPr>
+          <p:cNvPr id="2" name="标题 1"/>
+          <p:cNvSpPr>
+            <a:spLocks noGrp="1"/>
+          </p:cNvSpPr>
+          <p:nvPr>
+            <p:ph type="title"/>
+          </p:nvPr>
+        </p:nvSpPr>
+        <p:spPr/>
+        <p:txBody>
+          <a:bodyPr/>
+          <a:lstStyle/>
+          <a:p>
+            <a:r>
+              <a:rPr lang="zh-CN" altLang="en-US" dirty="0" smtClean="0"/>
+              <a:t>图书馆管理系统</a:t>
+            </a:r>
+            <a:endParaRPr lang="zh-CN" altLang="en-US" dirty="0"/>
+          </a:p>
+        </p:txBody>
+      </p:sp>
+      <p:sp>
+        <p:nvSpPr>
+          <p:cNvPr id="3" name="内容占位符 2"/>
+          <p:cNvSpPr>
+            <a:spLocks noGrp="1"/>
+          </p:cNvSpPr>
+          <p:nvPr>
+            <p:ph idx="1"/>
+          </p:nvPr>
+        </p:nvSpPr>
+        <p:spPr/>
+        <p:txBody>
+          <a:bodyPr>
+            <a:noAutofit/>
+          </a:bodyPr>
+          <a:lstStyle/>
+          <a:p>
+            <a:r>
+              <a:rPr lang="zh-CN" altLang="en-US" dirty="0" smtClean="0"/>
+              <a:t>一切从读者提出想要借书开始</a:t>
+            </a:r>
+            <a:r>
+              <a:rPr lang="en-US" altLang="zh-CN" dirty="0" smtClean="0"/>
+              <a:t>……</a:t>
+            </a:r>
+          </a:p>
+          <a:p>
+            <a:pPr marL="822960" lvl="1" indent="-457200">
+              <a:buClr>
+                <a:srgbClr val="0070C0"/>
+              </a:buClr>
+              <a:buFont typeface="+mj-ea"/>
+              <a:buAutoNum type="circleNumDbPlain"/>
+            </a:pPr>
+            <a:r>
+              <a:rPr lang="zh-CN" altLang="en-US" dirty="0" smtClean="0">
+                <a:solidFill>
+                  <a:srgbClr val="0070C0"/>
+                </a:solidFill>
+                <a:latin typeface="楷体" panose="02010609060101010101" pitchFamily="49" charset="-122"/>
+                <a:ea typeface="楷体" panose="02010609060101010101" pitchFamily="49" charset="-122"/>
+              </a:rPr>
+              <a:t>读者在</a:t>
+            </a:r>
+            <a:r>
+              <a:rPr lang="zh-CN" altLang="en-US" dirty="0">
+                <a:solidFill>
+                  <a:srgbClr val="0070C0"/>
+                </a:solidFill>
+                <a:latin typeface="楷体" panose="02010609060101010101" pitchFamily="49" charset="-122"/>
+                <a:ea typeface="楷体" panose="02010609060101010101" pitchFamily="49" charset="-122"/>
+              </a:rPr>
+              <a:t>系统界面中输入关键字查询图书；</a:t>
+            </a:r>
+          </a:p>
+          <a:p>
+            <a:pPr marL="822960" lvl="1" indent="-457200">
+              <a:buClr>
+                <a:srgbClr val="0070C0"/>
+              </a:buClr>
+              <a:buFont typeface="+mj-ea"/>
+              <a:buAutoNum type="circleNumDbPlain"/>
+            </a:pPr>
+            <a:r>
+              <a:rPr lang="zh-CN" altLang="en-US" dirty="0" smtClean="0">
+                <a:solidFill>
+                  <a:srgbClr val="0070C0"/>
+                </a:solidFill>
+                <a:latin typeface="楷体" panose="02010609060101010101" pitchFamily="49" charset="-122"/>
+                <a:ea typeface="楷体" panose="02010609060101010101" pitchFamily="49" charset="-122"/>
+              </a:rPr>
+              <a:t>系统列出</a:t>
+            </a:r>
+            <a:r>
+              <a:rPr lang="zh-CN" altLang="en-US" dirty="0">
+                <a:solidFill>
+                  <a:srgbClr val="0070C0"/>
+                </a:solidFill>
+                <a:latin typeface="楷体" panose="02010609060101010101" pitchFamily="49" charset="-122"/>
+                <a:ea typeface="楷体" panose="02010609060101010101" pitchFamily="49" charset="-122"/>
+              </a:rPr>
+              <a:t>可借用的图书供读者选择；</a:t>
+            </a:r>
+          </a:p>
+          <a:p>
+            <a:pPr marL="822960" lvl="1" indent="-457200">
+              <a:buClr>
+                <a:srgbClr val="0070C0"/>
+              </a:buClr>
+              <a:buFont typeface="+mj-ea"/>
+              <a:buAutoNum type="circleNumDbPlain"/>
+            </a:pPr>
+            <a:r>
+              <a:rPr lang="zh-CN" altLang="en-US" dirty="0">
+                <a:solidFill>
+                  <a:srgbClr val="0070C0"/>
+                </a:solidFill>
+                <a:latin typeface="楷体" panose="02010609060101010101" pitchFamily="49" charset="-122"/>
+                <a:ea typeface="楷体" panose="02010609060101010101" pitchFamily="49" charset="-122"/>
+              </a:rPr>
+              <a:t>如果读者选定了图书，系统提示读者输入借书证号和密码；</a:t>
+            </a:r>
+          </a:p>
+          <a:p>
+            <a:pPr marL="822960" lvl="1" indent="-457200">
+              <a:buClr>
+                <a:srgbClr val="0070C0"/>
+              </a:buClr>
+              <a:buFont typeface="+mj-ea"/>
+              <a:buAutoNum type="circleNumDbPlain"/>
+            </a:pPr>
+            <a:r>
+              <a:rPr lang="zh-CN" altLang="en-US" dirty="0">
+                <a:solidFill>
+                  <a:srgbClr val="0070C0"/>
+                </a:solidFill>
+                <a:latin typeface="楷体" panose="02010609060101010101" pitchFamily="49" charset="-122"/>
+                <a:ea typeface="楷体" panose="02010609060101010101" pitchFamily="49" charset="-122"/>
+              </a:rPr>
+              <a:t>如果最后读者确定借阅关系，系统处理并通知读者借书成功，并给读者一个确认；</a:t>
+            </a:r>
+          </a:p>
+          <a:p>
+            <a:pPr marL="822960" lvl="1" indent="-457200">
+              <a:buClr>
+                <a:srgbClr val="0070C0"/>
+              </a:buClr>
+              <a:buFont typeface="+mj-ea"/>
+              <a:buAutoNum type="circleNumDbPlain"/>
+            </a:pPr>
+            <a:r>
+              <a:rPr lang="zh-CN" altLang="en-US" dirty="0">
+                <a:solidFill>
+                  <a:srgbClr val="0070C0"/>
+                </a:solidFill>
+                <a:latin typeface="楷体" panose="02010609060101010101" pitchFamily="49" charset="-122"/>
+                <a:ea typeface="楷体" panose="02010609060101010101" pitchFamily="49" charset="-122"/>
+              </a:rPr>
+              <a:t>当确认信息出现时，整个图书借阅的交互过程就结束了</a:t>
+            </a:r>
+          </a:p>
+        </p:txBody>
+      </p:sp>
+      <p:pic>
+        <p:nvPicPr>
+          <p:cNvPr id="19458" name="Picture 2" descr="https://timgsa.baidu.com/timg?image&amp;quality=80&amp;size=b9999_10000&amp;sec=1591188263521&amp;di=2eb2d53756f1ba51bb9407d14943803d&amp;imgtype=0&amp;src=http%3A%2F%2Fb-ssl.duitang.com%2Fuploads%2Fitem%2F201606%2F26%2F20160626155856_E8iFt.jpeg"/>
+          <p:cNvPicPr>
+            <a:picLocks noChangeAspect="1" noChangeArrowheads="1"/>
+          </p:cNvPicPr>
+          <p:nvPr/>
+        </p:nvPicPr>
+        <p:blipFill>
+          <a:blip r:embed="rId2">
+            <a:extLst>
+              <a:ext uri="{28A0092B-C50C-407E-A947-70E740481C1C}">
+                <a14:useLocalDpi xmlns:a14="http://schemas.microsoft.com/office/drawing/2010/main" val="0"/>
+              </a:ext>
+            </a:extLst>
+          </a:blip>
+          <a:srcRect/>
+          <a:stretch>
+            <a:fillRect/>
+          </a:stretch>
+        </p:blipFill>
+        <p:spPr bwMode="auto">
+          <a:xfrm>
+            <a:off x="6732240" y="692696"/>
+            <a:ext cx="1524000" cy="1524001"/>
+          </a:xfrm>
+          <a:prstGeom prst="rect">
+            <a:avLst/>
+          </a:prstGeom>
+          <a:noFill/>
+          <a:extLst>
+            <a:ext uri="{909E8E84-426E-40DD-AFC4-6F175D3DCCD1}">
+              <a14:hiddenFill xmlns:a14="http://schemas.microsoft.com/office/drawing/2010/main">
+                <a:solidFill>
+                  <a:srgbClr val="FFFFFF"/>
+                </a:solidFill>
+              </a14:hiddenFill>
+            </a:ext>
+          </a:extLst>
+        </p:spPr>
+      </p:pic>
+    </p:spTree>
+    <p:extLst>
+      <p:ext uri="{BB962C8B-B14F-4D97-AF65-F5344CB8AC3E}">
+        <p14:creationId xmlns:p14="http://schemas.microsoft.com/office/powerpoint/2010/main" val="928756157"/>
+      </p:ext>
+    </p:extLst>
+  </p:cSld>
+  <p:clrMapOvr>
+    <a:masterClrMapping/>
+  </p:clrMapOvr>
+  <p:timing>
+    <p:tnLst>
+      <p:par>
+        <p:cTn id="1" dur="indefinite" restart="never" nodeType="tmRoot"/>
+      </p:par>
+    </p:tnLst>
+  </p:timing>
+</p:sld>
+</file>
+
+<file path=ppt/slides/slide36.xml><?xml version="1.0" encoding="utf-8"?>
+<p:sld xmlns:a="http://schemas.openxmlformats.org/drawingml/2006/main" xmlns:r="http://schemas.openxmlformats.org/officeDocument/2006/relationships" xmlns:p="http://schemas.openxmlformats.org/presentationml/2006/main">
+  <p:cSld>
+    <p:spTree>
+      <p:nvGrpSpPr>
+        <p:cNvPr id="1" name=""/>
+        <p:cNvGrpSpPr/>
+        <p:nvPr/>
+      </p:nvGrpSpPr>
+      <p:grpSpPr>
+        <a:xfrm>
+          <a:off x="0" y="0"/>
+          <a:ext cx="0" cy="0"/>
+          <a:chOff x="0" y="0"/>
+          <a:chExt cx="0" cy="0"/>
+        </a:xfrm>
+      </p:grpSpPr>
+      <p:sp>
+        <p:nvSpPr>
+          <p:cNvPr id="2" name="标题 1"/>
+          <p:cNvSpPr>
+            <a:spLocks noGrp="1"/>
+          </p:cNvSpPr>
+          <p:nvPr>
+            <p:ph type="title"/>
+          </p:nvPr>
+        </p:nvSpPr>
+        <p:spPr/>
+        <p:txBody>
+          <a:bodyPr/>
+          <a:lstStyle/>
+          <a:p>
+            <a:r>
+              <a:rPr lang="zh-CN" altLang="en-US" dirty="0" smtClean="0"/>
+              <a:t>使用行为分析</a:t>
+            </a:r>
+            <a:endParaRPr lang="zh-CN" altLang="en-US" dirty="0"/>
+          </a:p>
+        </p:txBody>
+      </p:sp>
+      <p:sp>
+        <p:nvSpPr>
+          <p:cNvPr id="3" name="内容占位符 2"/>
+          <p:cNvSpPr>
+            <a:spLocks noGrp="1"/>
+          </p:cNvSpPr>
+          <p:nvPr>
+            <p:ph idx="1"/>
+          </p:nvPr>
+        </p:nvSpPr>
+        <p:spPr/>
+        <p:txBody>
+          <a:bodyPr/>
+          <a:lstStyle/>
+          <a:p>
+            <a:r>
+              <a:rPr lang="zh-CN" altLang="en-US" dirty="0" smtClean="0"/>
+              <a:t>理解</a:t>
+            </a:r>
+            <a:r>
+              <a:rPr lang="zh-CN" altLang="en-US" dirty="0"/>
+              <a:t>系统中每个参与者及其所需完成的</a:t>
+            </a:r>
+            <a:r>
+              <a:rPr lang="zh-CN" altLang="en-US" dirty="0" smtClean="0"/>
+              <a:t>任务</a:t>
+            </a:r>
+            <a:endParaRPr lang="en-US" altLang="zh-CN" dirty="0" smtClean="0"/>
+          </a:p>
+          <a:p>
+            <a:endParaRPr lang="en-US" altLang="zh-CN" dirty="0"/>
+          </a:p>
+          <a:p>
+            <a:r>
+              <a:rPr lang="zh-CN" altLang="en-US" b="1" dirty="0" smtClean="0">
+                <a:solidFill>
+                  <a:srgbClr val="C00000"/>
+                </a:solidFill>
+              </a:rPr>
+              <a:t>三种参与者</a:t>
+            </a:r>
+            <a:r>
+              <a:rPr lang="zh-CN" altLang="en-US" dirty="0" smtClean="0"/>
+              <a:t>：读者（借阅者）、图书管理员、系统管理员</a:t>
+            </a:r>
+            <a:endParaRPr lang="en-US" altLang="zh-CN" dirty="0" smtClean="0"/>
+          </a:p>
+          <a:p>
+            <a:endParaRPr lang="en-US" altLang="zh-CN" dirty="0"/>
+          </a:p>
+          <a:p>
+            <a:r>
+              <a:rPr lang="zh-CN" altLang="en-US" dirty="0" smtClean="0"/>
+              <a:t>用</a:t>
+            </a:r>
+            <a:r>
+              <a:rPr lang="zh-CN" altLang="en-US" b="1" dirty="0" smtClean="0">
+                <a:solidFill>
+                  <a:srgbClr val="C00000"/>
+                </a:solidFill>
+              </a:rPr>
+              <a:t>用例图</a:t>
+            </a:r>
+            <a:r>
+              <a:rPr lang="zh-CN" altLang="en-US" dirty="0" smtClean="0"/>
+              <a:t>来描述三种参与者的行为</a:t>
+            </a:r>
+            <a:endParaRPr lang="zh-CN" altLang="en-US" dirty="0"/>
+          </a:p>
+        </p:txBody>
+      </p:sp>
+    </p:spTree>
+    <p:extLst>
+      <p:ext uri="{BB962C8B-B14F-4D97-AF65-F5344CB8AC3E}">
+        <p14:creationId xmlns:p14="http://schemas.microsoft.com/office/powerpoint/2010/main" val="477592361"/>
+      </p:ext>
+    </p:extLst>
+  </p:cSld>
+  <p:clrMapOvr>
+    <a:masterClrMapping/>
+  </p:clrMapOvr>
+  <p:timing>
+    <p:tnLst>
+      <p:par>
+        <p:cTn id="1" dur="indefinite" restart="never" nodeType="tmRoot"/>
+      </p:par>
+    </p:tnLst>
+  </p:timing>
+</p:sld>
+</file>
+
+<file path=ppt/slides/slide37.xml><?xml version="1.0" encoding="utf-8"?>
+<p:sld xmlns:a="http://schemas.openxmlformats.org/drawingml/2006/main" xmlns:r="http://schemas.openxmlformats.org/officeDocument/2006/relationships" xmlns:p="http://schemas.openxmlformats.org/presentationml/2006/main">
+  <p:cSld>
+    <p:spTree>
+      <p:nvGrpSpPr>
+        <p:cNvPr id="1" name=""/>
+        <p:cNvGrpSpPr/>
+        <p:nvPr/>
+      </p:nvGrpSpPr>
+      <p:grpSpPr>
+        <a:xfrm>
+          <a:off x="0" y="0"/>
+          <a:ext cx="0" cy="0"/>
+          <a:chOff x="0" y="0"/>
+          <a:chExt cx="0" cy="0"/>
+        </a:xfrm>
+      </p:grpSpPr>
+      <p:sp>
+        <p:nvSpPr>
+          <p:cNvPr id="2" name="标题 1"/>
+          <p:cNvSpPr>
+            <a:spLocks noGrp="1"/>
+          </p:cNvSpPr>
+          <p:nvPr>
+            <p:ph type="title"/>
+          </p:nvPr>
+        </p:nvSpPr>
+        <p:spPr>
+          <a:xfrm>
+            <a:off x="1043490" y="942920"/>
+            <a:ext cx="7024744" cy="685880"/>
+          </a:xfrm>
+        </p:spPr>
+        <p:txBody>
+          <a:bodyPr>
+            <a:normAutofit fontScale="90000"/>
+          </a:bodyPr>
+          <a:lstStyle/>
+          <a:p>
+            <a:r>
+              <a:rPr lang="zh-CN" altLang="en-US" dirty="0"/>
+              <a:t>读者使用图书馆管理系统的</a:t>
+            </a:r>
+            <a:r>
+              <a:rPr lang="zh-CN" altLang="en-US" dirty="0" smtClean="0"/>
+              <a:t>用例</a:t>
+            </a:r>
+            <a:endParaRPr lang="zh-CN" altLang="en-US" dirty="0"/>
+          </a:p>
+        </p:txBody>
+      </p:sp>
+      <p:graphicFrame>
+        <p:nvGraphicFramePr>
+          <p:cNvPr id="4" name="对象 3"/>
+          <p:cNvGraphicFramePr>
+            <a:graphicFrameLocks noChangeAspect="1"/>
+          </p:cNvGraphicFramePr>
+          <p:nvPr>
+            <p:extLst>
+              <p:ext uri="{D42A27DB-BD31-4B8C-83A1-F6EECF244321}">
+                <p14:modId xmlns:p14="http://schemas.microsoft.com/office/powerpoint/2010/main" val="4219657421"/>
+              </p:ext>
+            </p:extLst>
+          </p:nvPr>
+        </p:nvGraphicFramePr>
+        <p:xfrm>
+          <a:off x="971550" y="1915691"/>
+          <a:ext cx="6769100" cy="4465637"/>
+        </p:xfrm>
+        <a:graphic>
+          <a:graphicData uri="http://schemas.openxmlformats.org/presentationml/2006/ole">
+            <mc:AlternateContent xmlns:mc="http://schemas.openxmlformats.org/markup-compatibility/2006">
+              <mc:Choice xmlns:v="urn:schemas-microsoft-com:vml" Requires="v">
+                <p:oleObj spid="_x0000_s24580" r:id="rId3" imgW="6161040" imgH="4063320" progId="Visio.Drawing.11">
+                  <p:embed/>
+                </p:oleObj>
+              </mc:Choice>
+              <mc:Fallback>
+                <p:oleObj r:id="rId3" imgW="6161040" imgH="4063320" progId="Visio.Drawing.11">
+                  <p:embed/>
+                  <p:pic>
+                    <p:nvPicPr>
+                      <p:cNvPr id="0" name="Object 1"/>
+                      <p:cNvPicPr>
+                        <a:picLocks noChangeAspect="1" noChangeArrowheads="1"/>
+                      </p:cNvPicPr>
+                      <p:nvPr/>
+                    </p:nvPicPr>
+                    <p:blipFill>
+                      <a:blip r:embed="rId4">
+                        <a:extLst>
+                          <a:ext uri="{28A0092B-C50C-407E-A947-70E740481C1C}">
+                            <a14:useLocalDpi xmlns:a14="http://schemas.microsoft.com/office/drawing/2010/main" val="0"/>
+                          </a:ext>
+                        </a:extLst>
+                      </a:blip>
+                      <a:srcRect/>
+                      <a:stretch>
+                        <a:fillRect/>
+                      </a:stretch>
+                    </p:blipFill>
+                    <p:spPr bwMode="auto">
+                      <a:xfrm>
+                        <a:off x="971550" y="1915691"/>
+                        <a:ext cx="6769100" cy="4465637"/>
+                      </a:xfrm>
+                      <a:prstGeom prst="rect">
+                        <a:avLst/>
+                      </a:prstGeom>
+                      <a:noFill/>
+                      <a:ln>
+                        <a:noFill/>
+                      </a:ln>
+                      <a:extLst>
+                        <a:ext uri="{909E8E84-426E-40DD-AFC4-6F175D3DCCD1}">
+                          <a14:hiddenFill xmlns:a14="http://schemas.microsoft.com/office/drawing/2010/main">
+                            <a:solidFill>
+                              <a:srgbClr val="FFFFFF"/>
+                            </a:solidFill>
+                          </a14:hiddenFill>
+                        </a:ext>
+                        <a:ext uri="{91240B29-F687-4F45-9708-019B960494DF}">
+                          <a14:hiddenLine xmlns:a14="http://schemas.microsoft.com/office/drawing/2010/main" w="9525">
+                            <a:solidFill>
+                              <a:srgbClr val="000000"/>
+                            </a:solidFill>
+                            <a:miter lim="800000"/>
+                            <a:headEnd/>
+                            <a:tailEnd/>
+                          </a14:hiddenLine>
+                        </a:ext>
+                      </a:extLst>
+                    </p:spPr>
+                  </p:pic>
+                </p:oleObj>
+              </mc:Fallback>
+            </mc:AlternateContent>
+          </a:graphicData>
+        </a:graphic>
+      </p:graphicFrame>
+    </p:spTree>
+    <p:extLst>
+      <p:ext uri="{BB962C8B-B14F-4D97-AF65-F5344CB8AC3E}">
+        <p14:creationId xmlns:p14="http://schemas.microsoft.com/office/powerpoint/2010/main" val="2649011694"/>
+      </p:ext>
+    </p:extLst>
+  </p:cSld>
+  <p:clrMapOvr>
+    <a:masterClrMapping/>
+  </p:clrMapOvr>
+  <p:timing>
+    <p:tnLst>
+      <p:par>
+        <p:cTn id="1" dur="indefinite" restart="never" nodeType="tmRoot"/>
+      </p:par>
+    </p:tnLst>
+  </p:timing>
+</p:sld>
+</file>
+
+<file path=ppt/slides/slide38.xml><?xml version="1.0" encoding="utf-8"?>
+<p:sld xmlns:a="http://schemas.openxmlformats.org/drawingml/2006/main" xmlns:r="http://schemas.openxmlformats.org/officeDocument/2006/relationships" xmlns:p="http://schemas.openxmlformats.org/presentationml/2006/main">
+  <p:cSld>
+    <p:spTree>
+      <p:nvGrpSpPr>
+        <p:cNvPr id="1" name=""/>
+        <p:cNvGrpSpPr/>
+        <p:nvPr/>
+      </p:nvGrpSpPr>
+      <p:grpSpPr>
+        <a:xfrm>
+          <a:off x="0" y="0"/>
+          <a:ext cx="0" cy="0"/>
+          <a:chOff x="0" y="0"/>
+          <a:chExt cx="0" cy="0"/>
+        </a:xfrm>
+      </p:grpSpPr>
+      <p:sp>
+        <p:nvSpPr>
+          <p:cNvPr id="2" name="标题 1"/>
+          <p:cNvSpPr>
+            <a:spLocks noGrp="1"/>
+          </p:cNvSpPr>
+          <p:nvPr>
+            <p:ph type="title"/>
+          </p:nvPr>
+        </p:nvSpPr>
+        <p:spPr>
+          <a:xfrm>
+            <a:off x="1043490" y="942920"/>
+            <a:ext cx="7200918" cy="685880"/>
+          </a:xfrm>
+        </p:spPr>
+        <p:txBody>
+          <a:bodyPr>
+            <a:normAutofit fontScale="90000"/>
+          </a:bodyPr>
+          <a:lstStyle/>
+          <a:p>
+            <a:r>
+              <a:rPr lang="zh-CN" altLang="en-US" dirty="0"/>
+              <a:t>图书管理员处理借书、还书的用例</a:t>
+            </a:r>
+          </a:p>
+        </p:txBody>
+      </p:sp>
+      <p:graphicFrame>
+        <p:nvGraphicFramePr>
+          <p:cNvPr id="3" name="对象 2"/>
+          <p:cNvGraphicFramePr>
+            <a:graphicFrameLocks noChangeAspect="1"/>
+          </p:cNvGraphicFramePr>
+          <p:nvPr>
+            <p:extLst>
+              <p:ext uri="{D42A27DB-BD31-4B8C-83A1-F6EECF244321}">
+                <p14:modId xmlns:p14="http://schemas.microsoft.com/office/powerpoint/2010/main" val="550697940"/>
+              </p:ext>
+            </p:extLst>
+          </p:nvPr>
+        </p:nvGraphicFramePr>
+        <p:xfrm>
+          <a:off x="1043608" y="1803424"/>
+          <a:ext cx="7056437" cy="4433888"/>
+        </p:xfrm>
+        <a:graphic>
+          <a:graphicData uri="http://schemas.openxmlformats.org/presentationml/2006/ole">
+            <mc:AlternateContent xmlns:mc="http://schemas.openxmlformats.org/markup-compatibility/2006">
+              <mc:Choice xmlns:v="urn:schemas-microsoft-com:vml" Requires="v">
+                <p:oleObj spid="_x0000_s25604" r:id="rId3" imgW="6077520" imgH="3826800" progId="Visio.Drawing.11">
+                  <p:embed/>
+                </p:oleObj>
+              </mc:Choice>
+              <mc:Fallback>
+                <p:oleObj r:id="rId3" imgW="6077520" imgH="3826800" progId="Visio.Drawing.11">
+                  <p:embed/>
+                  <p:pic>
+                    <p:nvPicPr>
+                      <p:cNvPr id="0" name="Object 1"/>
+                      <p:cNvPicPr>
+                        <a:picLocks noChangeAspect="1" noChangeArrowheads="1"/>
+                      </p:cNvPicPr>
+                      <p:nvPr/>
+                    </p:nvPicPr>
+                    <p:blipFill>
+                      <a:blip r:embed="rId4">
+                        <a:extLst>
+                          <a:ext uri="{28A0092B-C50C-407E-A947-70E740481C1C}">
+                            <a14:useLocalDpi xmlns:a14="http://schemas.microsoft.com/office/drawing/2010/main" val="0"/>
+                          </a:ext>
+                        </a:extLst>
+                      </a:blip>
+                      <a:srcRect/>
+                      <a:stretch>
+                        <a:fillRect/>
+                      </a:stretch>
+                    </p:blipFill>
+                    <p:spPr bwMode="auto">
+                      <a:xfrm>
+                        <a:off x="1043608" y="1803424"/>
+                        <a:ext cx="7056437" cy="4433888"/>
+                      </a:xfrm>
+                      <a:prstGeom prst="rect">
+                        <a:avLst/>
+                      </a:prstGeom>
+                      <a:noFill/>
+                      <a:ln>
+                        <a:noFill/>
+                      </a:ln>
+                      <a:extLst>
+                        <a:ext uri="{909E8E84-426E-40DD-AFC4-6F175D3DCCD1}">
+                          <a14:hiddenFill xmlns:a14="http://schemas.microsoft.com/office/drawing/2010/main">
+                            <a:solidFill>
+                              <a:srgbClr val="FFFFFF"/>
+                            </a:solidFill>
+                          </a14:hiddenFill>
+                        </a:ext>
+                        <a:ext uri="{91240B29-F687-4F45-9708-019B960494DF}">
+                          <a14:hiddenLine xmlns:a14="http://schemas.microsoft.com/office/drawing/2010/main" w="9525">
+                            <a:solidFill>
+                              <a:srgbClr val="000000"/>
+                            </a:solidFill>
+                            <a:miter lim="800000"/>
+                            <a:headEnd/>
+                            <a:tailEnd/>
+                          </a14:hiddenLine>
+                        </a:ext>
+                      </a:extLst>
+                    </p:spPr>
+                  </p:pic>
+                </p:oleObj>
+              </mc:Fallback>
+            </mc:AlternateContent>
+          </a:graphicData>
+        </a:graphic>
+      </p:graphicFrame>
+    </p:spTree>
+    <p:extLst>
+      <p:ext uri="{BB962C8B-B14F-4D97-AF65-F5344CB8AC3E}">
+        <p14:creationId xmlns:p14="http://schemas.microsoft.com/office/powerpoint/2010/main" val="3014614727"/>
+      </p:ext>
+    </p:extLst>
+  </p:cSld>
+  <p:clrMapOvr>
+    <a:masterClrMapping/>
+  </p:clrMapOvr>
+  <p:timing>
+    <p:tnLst>
+      <p:par>
+        <p:cTn id="1" dur="indefinite" restart="never" nodeType="tmRoot"/>
+      </p:par>
+    </p:tnLst>
+  </p:timing>
+</p:sld>
+</file>
+
+<file path=ppt/slides/slide39.xml><?xml version="1.0" encoding="utf-8"?>
+<p:sld xmlns:a="http://schemas.openxmlformats.org/drawingml/2006/main" xmlns:r="http://schemas.openxmlformats.org/officeDocument/2006/relationships" xmlns:p="http://schemas.openxmlformats.org/presentationml/2006/main">
+  <p:cSld>
+    <p:spTree>
+      <p:nvGrpSpPr>
+        <p:cNvPr id="1" name=""/>
+        <p:cNvGrpSpPr/>
+        <p:nvPr/>
+      </p:nvGrpSpPr>
+      <p:grpSpPr>
+        <a:xfrm>
+          <a:off x="0" y="0"/>
+          <a:ext cx="0" cy="0"/>
+          <a:chOff x="0" y="0"/>
+          <a:chExt cx="0" cy="0"/>
+        </a:xfrm>
+      </p:grpSpPr>
+      <p:sp>
+        <p:nvSpPr>
+          <p:cNvPr id="2" name="标题 1"/>
+          <p:cNvSpPr>
+            <a:spLocks noGrp="1"/>
+          </p:cNvSpPr>
+          <p:nvPr>
+            <p:ph type="title"/>
+          </p:nvPr>
+        </p:nvSpPr>
+        <p:spPr>
+          <a:xfrm>
+            <a:off x="1043490" y="942920"/>
+            <a:ext cx="7200918" cy="685880"/>
+          </a:xfrm>
+        </p:spPr>
+        <p:txBody>
+          <a:bodyPr>
+            <a:normAutofit fontScale="90000"/>
+          </a:bodyPr>
+          <a:lstStyle/>
+          <a:p>
+            <a:r>
+              <a:rPr lang="zh-CN" altLang="en-US" dirty="0"/>
+              <a:t>系统管理员进行系统维护的用例</a:t>
+            </a:r>
+          </a:p>
+        </p:txBody>
+      </p:sp>
+      <p:graphicFrame>
+        <p:nvGraphicFramePr>
+          <p:cNvPr id="4" name="对象 3"/>
+          <p:cNvGraphicFramePr>
+            <a:graphicFrameLocks noChangeAspect="1"/>
+          </p:cNvGraphicFramePr>
+          <p:nvPr>
+            <p:extLst>
+              <p:ext uri="{D42A27DB-BD31-4B8C-83A1-F6EECF244321}">
+                <p14:modId xmlns:p14="http://schemas.microsoft.com/office/powerpoint/2010/main" val="896222974"/>
+              </p:ext>
+            </p:extLst>
+          </p:nvPr>
+        </p:nvGraphicFramePr>
+        <p:xfrm>
+          <a:off x="972071" y="1726207"/>
+          <a:ext cx="7272337" cy="4583113"/>
+        </p:xfrm>
+        <a:graphic>
+          <a:graphicData uri="http://schemas.openxmlformats.org/presentationml/2006/ole">
+            <mc:AlternateContent xmlns:mc="http://schemas.openxmlformats.org/markup-compatibility/2006">
+              <mc:Choice xmlns:v="urn:schemas-microsoft-com:vml" Requires="v">
+                <p:oleObj spid="_x0000_s26627" r:id="rId3" imgW="5799240" imgH="3655080" progId="Visio.Drawing.11">
+                  <p:embed/>
+                </p:oleObj>
+              </mc:Choice>
+              <mc:Fallback>
+                <p:oleObj r:id="rId3" imgW="5799240" imgH="3655080" progId="Visio.Drawing.11">
+                  <p:embed/>
+                  <p:pic>
+                    <p:nvPicPr>
+                      <p:cNvPr id="0" name="Object 1"/>
+                      <p:cNvPicPr>
+                        <a:picLocks noChangeAspect="1" noChangeArrowheads="1"/>
+                      </p:cNvPicPr>
+                      <p:nvPr/>
+                    </p:nvPicPr>
+                    <p:blipFill>
+                      <a:blip r:embed="rId4">
+                        <a:extLst>
+                          <a:ext uri="{28A0092B-C50C-407E-A947-70E740481C1C}">
+                            <a14:useLocalDpi xmlns:a14="http://schemas.microsoft.com/office/drawing/2010/main" val="0"/>
+                          </a:ext>
+                        </a:extLst>
+                      </a:blip>
+                      <a:srcRect/>
+                      <a:stretch>
+                        <a:fillRect/>
+                      </a:stretch>
+                    </p:blipFill>
+                    <p:spPr bwMode="auto">
+                      <a:xfrm>
+                        <a:off x="972071" y="1726207"/>
+                        <a:ext cx="7272337" cy="4583113"/>
+                      </a:xfrm>
+                      <a:prstGeom prst="rect">
+                        <a:avLst/>
+                      </a:prstGeom>
+                      <a:noFill/>
+                      <a:ln>
+                        <a:noFill/>
+                      </a:ln>
+                      <a:extLst>
+                        <a:ext uri="{909E8E84-426E-40DD-AFC4-6F175D3DCCD1}">
+                          <a14:hiddenFill xmlns:a14="http://schemas.microsoft.com/office/drawing/2010/main">
+                            <a:solidFill>
+                              <a:srgbClr val="FFFFFF"/>
+                            </a:solidFill>
+                          </a14:hiddenFill>
+                        </a:ext>
+                        <a:ext uri="{91240B29-F687-4F45-9708-019B960494DF}">
+                          <a14:hiddenLine xmlns:a14="http://schemas.microsoft.com/office/drawing/2010/main" w="9525">
+                            <a:solidFill>
+                              <a:srgbClr val="000000"/>
+                            </a:solidFill>
+                            <a:miter lim="800000"/>
+                            <a:headEnd/>
+                            <a:tailEnd/>
+                          </a14:hiddenLine>
+                        </a:ext>
+                      </a:extLst>
+                    </p:spPr>
+                  </p:pic>
+                </p:oleObj>
+              </mc:Fallback>
+            </mc:AlternateContent>
+          </a:graphicData>
+        </a:graphic>
+      </p:graphicFrame>
+    </p:spTree>
+    <p:extLst>
+      <p:ext uri="{BB962C8B-B14F-4D97-AF65-F5344CB8AC3E}">
+        <p14:creationId xmlns:p14="http://schemas.microsoft.com/office/powerpoint/2010/main" val="1093465644"/>
+      </p:ext>
+    </p:extLst>
+  </p:cSld>
+  <p:clrMapOvr>
+    <a:masterClrMapping/>
+  </p:clrMapOvr>
+  <p:timing>
+    <p:tnLst>
+      <p:par>
+        <p:cTn id="1" dur="indefinite" restart="never" nodeType="tmRoot"/>
+      </p:par>
+    </p:tnLst>
+  </p:timing>
+</p:sld>
+</file>
+
 <file path=ppt/slides/slide4.xml><?xml version="1.0" encoding="utf-8"?>
 <p:sld xmlns:a="http://schemas.openxmlformats.org/drawingml/2006/main" xmlns:r="http://schemas.openxmlformats.org/officeDocument/2006/relationships" xmlns:p="http://schemas.openxmlformats.org/presentationml/2006/main">
   <p:cSld>
@@ -20958,6 +27085,335 @@
     <p:extLst>
       <p:ext uri="{BB962C8B-B14F-4D97-AF65-F5344CB8AC3E}">
         <p14:creationId xmlns:p14="http://schemas.microsoft.com/office/powerpoint/2010/main" val="1420645940"/>
+      </p:ext>
+    </p:extLst>
+  </p:cSld>
+  <p:clrMapOvr>
+    <a:masterClrMapping/>
+  </p:clrMapOvr>
+  <p:timing>
+    <p:tnLst>
+      <p:par>
+        <p:cTn id="1" dur="indefinite" restart="never" nodeType="tmRoot"/>
+      </p:par>
+    </p:tnLst>
+  </p:timing>
+</p:sld>
+</file>
+
+<file path=ppt/slides/slide40.xml><?xml version="1.0" encoding="utf-8"?>
+<p:sld xmlns:a="http://schemas.openxmlformats.org/drawingml/2006/main" xmlns:r="http://schemas.openxmlformats.org/officeDocument/2006/relationships" xmlns:p="http://schemas.openxmlformats.org/presentationml/2006/main">
+  <p:cSld>
+    <p:spTree>
+      <p:nvGrpSpPr>
+        <p:cNvPr id="1" name=""/>
+        <p:cNvGrpSpPr/>
+        <p:nvPr/>
+      </p:nvGrpSpPr>
+      <p:grpSpPr>
+        <a:xfrm>
+          <a:off x="0" y="0"/>
+          <a:ext cx="0" cy="0"/>
+          <a:chOff x="0" y="0"/>
+          <a:chExt cx="0" cy="0"/>
+        </a:xfrm>
+      </p:grpSpPr>
+      <p:sp>
+        <p:nvSpPr>
+          <p:cNvPr id="2" name="标题 1"/>
+          <p:cNvSpPr>
+            <a:spLocks noGrp="1"/>
+          </p:cNvSpPr>
+          <p:nvPr>
+            <p:ph type="title"/>
+          </p:nvPr>
+        </p:nvSpPr>
+        <p:spPr/>
+        <p:txBody>
+          <a:bodyPr/>
+          <a:lstStyle/>
+          <a:p>
+            <a:r>
+              <a:rPr lang="zh-CN" altLang="en-US" dirty="0" smtClean="0"/>
+              <a:t>顺序分析</a:t>
+            </a:r>
+            <a:endParaRPr lang="zh-CN" altLang="en-US" dirty="0"/>
+          </a:p>
+        </p:txBody>
+      </p:sp>
+      <p:sp>
+        <p:nvSpPr>
+          <p:cNvPr id="3" name="内容占位符 2"/>
+          <p:cNvSpPr>
+            <a:spLocks noGrp="1"/>
+          </p:cNvSpPr>
+          <p:nvPr>
+            <p:ph idx="1"/>
+          </p:nvPr>
+        </p:nvSpPr>
+        <p:spPr/>
+        <p:txBody>
+          <a:bodyPr/>
+          <a:lstStyle/>
+          <a:p>
+            <a:r>
+              <a:rPr lang="zh-CN" altLang="en-US" dirty="0" smtClean="0"/>
+              <a:t>描述每个使用行为各步骤的先后顺序关系，一般使用</a:t>
+            </a:r>
+            <a:r>
+              <a:rPr lang="zh-CN" altLang="en-US" b="1" dirty="0" smtClean="0">
+                <a:solidFill>
+                  <a:srgbClr val="C00000"/>
+                </a:solidFill>
+              </a:rPr>
+              <a:t>序列图</a:t>
+            </a:r>
+            <a:r>
+              <a:rPr lang="zh-CN" altLang="en-US" dirty="0" smtClean="0"/>
+              <a:t>来描述</a:t>
+            </a:r>
+            <a:endParaRPr lang="zh-CN" altLang="en-US" dirty="0"/>
+          </a:p>
+        </p:txBody>
+      </p:sp>
+    </p:spTree>
+    <p:extLst>
+      <p:ext uri="{BB962C8B-B14F-4D97-AF65-F5344CB8AC3E}">
+        <p14:creationId xmlns:p14="http://schemas.microsoft.com/office/powerpoint/2010/main" val="2403364492"/>
+      </p:ext>
+    </p:extLst>
+  </p:cSld>
+  <p:clrMapOvr>
+    <a:masterClrMapping/>
+  </p:clrMapOvr>
+  <p:timing>
+    <p:tnLst>
+      <p:par>
+        <p:cTn id="1" dur="indefinite" restart="never" nodeType="tmRoot"/>
+      </p:par>
+    </p:tnLst>
+  </p:timing>
+</p:sld>
+</file>
+
+<file path=ppt/slides/slide41.xml><?xml version="1.0" encoding="utf-8"?>
+<p:sld xmlns:a="http://schemas.openxmlformats.org/drawingml/2006/main" xmlns:r="http://schemas.openxmlformats.org/officeDocument/2006/relationships" xmlns:p="http://schemas.openxmlformats.org/presentationml/2006/main">
+  <p:cSld>
+    <p:spTree>
+      <p:nvGrpSpPr>
+        <p:cNvPr id="1" name=""/>
+        <p:cNvGrpSpPr/>
+        <p:nvPr/>
+      </p:nvGrpSpPr>
+      <p:grpSpPr>
+        <a:xfrm>
+          <a:off x="0" y="0"/>
+          <a:ext cx="0" cy="0"/>
+          <a:chOff x="0" y="0"/>
+          <a:chExt cx="0" cy="0"/>
+        </a:xfrm>
+      </p:grpSpPr>
+      <p:sp>
+        <p:nvSpPr>
+          <p:cNvPr id="2" name="标题 1"/>
+          <p:cNvSpPr>
+            <a:spLocks noGrp="1"/>
+          </p:cNvSpPr>
+          <p:nvPr>
+            <p:ph type="title"/>
+          </p:nvPr>
+        </p:nvSpPr>
+        <p:spPr>
+          <a:xfrm>
+            <a:off x="1043490" y="620688"/>
+            <a:ext cx="7024744" cy="757888"/>
+          </a:xfrm>
+        </p:spPr>
+        <p:txBody>
+          <a:bodyPr>
+            <a:normAutofit/>
+          </a:bodyPr>
+          <a:lstStyle/>
+          <a:p>
+            <a:r>
+              <a:rPr lang="zh-CN" altLang="en-US" dirty="0"/>
+              <a:t>读者借书时序图</a:t>
+            </a:r>
+          </a:p>
+        </p:txBody>
+      </p:sp>
+      <p:graphicFrame>
+        <p:nvGraphicFramePr>
+          <p:cNvPr id="5" name="对象 4"/>
+          <p:cNvGraphicFramePr>
+            <a:graphicFrameLocks noChangeAspect="1"/>
+          </p:cNvGraphicFramePr>
+          <p:nvPr>
+            <p:extLst>
+              <p:ext uri="{D42A27DB-BD31-4B8C-83A1-F6EECF244321}">
+                <p14:modId xmlns:p14="http://schemas.microsoft.com/office/powerpoint/2010/main" val="3597758741"/>
+              </p:ext>
+            </p:extLst>
+          </p:nvPr>
+        </p:nvGraphicFramePr>
+        <p:xfrm>
+          <a:off x="611188" y="1366788"/>
+          <a:ext cx="7489825" cy="5662612"/>
+        </p:xfrm>
+        <a:graphic>
+          <a:graphicData uri="http://schemas.openxmlformats.org/presentationml/2006/ole">
+            <mc:AlternateContent xmlns:mc="http://schemas.openxmlformats.org/markup-compatibility/2006">
+              <mc:Choice xmlns:v="urn:schemas-microsoft-com:vml" Requires="v">
+                <p:oleObj spid="_x0000_s28675" r:id="rId3" imgW="7540200" imgH="5716440" progId="Visio.Drawing.11">
+                  <p:embed/>
+                </p:oleObj>
+              </mc:Choice>
+              <mc:Fallback>
+                <p:oleObj r:id="rId3" imgW="7540200" imgH="5716440" progId="Visio.Drawing.11">
+                  <p:embed/>
+                  <p:pic>
+                    <p:nvPicPr>
+                      <p:cNvPr id="0" name="Object 1"/>
+                      <p:cNvPicPr>
+                        <a:picLocks noChangeAspect="1" noChangeArrowheads="1"/>
+                      </p:cNvPicPr>
+                      <p:nvPr/>
+                    </p:nvPicPr>
+                    <p:blipFill>
+                      <a:blip r:embed="rId4">
+                        <a:extLst>
+                          <a:ext uri="{28A0092B-C50C-407E-A947-70E740481C1C}">
+                            <a14:useLocalDpi xmlns:a14="http://schemas.microsoft.com/office/drawing/2010/main" val="0"/>
+                          </a:ext>
+                        </a:extLst>
+                      </a:blip>
+                      <a:srcRect/>
+                      <a:stretch>
+                        <a:fillRect/>
+                      </a:stretch>
+                    </p:blipFill>
+                    <p:spPr bwMode="auto">
+                      <a:xfrm>
+                        <a:off x="611188" y="1366788"/>
+                        <a:ext cx="7489825" cy="5662612"/>
+                      </a:xfrm>
+                      <a:prstGeom prst="rect">
+                        <a:avLst/>
+                      </a:prstGeom>
+                      <a:noFill/>
+                      <a:ln>
+                        <a:noFill/>
+                      </a:ln>
+                      <a:extLst>
+                        <a:ext uri="{909E8E84-426E-40DD-AFC4-6F175D3DCCD1}">
+                          <a14:hiddenFill xmlns:a14="http://schemas.microsoft.com/office/drawing/2010/main">
+                            <a:solidFill>
+                              <a:srgbClr val="FFFFFF"/>
+                            </a:solidFill>
+                          </a14:hiddenFill>
+                        </a:ext>
+                        <a:ext uri="{91240B29-F687-4F45-9708-019B960494DF}">
+                          <a14:hiddenLine xmlns:a14="http://schemas.microsoft.com/office/drawing/2010/main" w="9525">
+                            <a:solidFill>
+                              <a:srgbClr val="000000"/>
+                            </a:solidFill>
+                            <a:miter lim="800000"/>
+                            <a:headEnd/>
+                            <a:tailEnd/>
+                          </a14:hiddenLine>
+                        </a:ext>
+                      </a:extLst>
+                    </p:spPr>
+                  </p:pic>
+                </p:oleObj>
+              </mc:Fallback>
+            </mc:AlternateContent>
+          </a:graphicData>
+        </a:graphic>
+      </p:graphicFrame>
+    </p:spTree>
+    <p:extLst>
+      <p:ext uri="{BB962C8B-B14F-4D97-AF65-F5344CB8AC3E}">
+        <p14:creationId xmlns:p14="http://schemas.microsoft.com/office/powerpoint/2010/main" val="651671097"/>
+      </p:ext>
+    </p:extLst>
+  </p:cSld>
+  <p:clrMapOvr>
+    <a:masterClrMapping/>
+  </p:clrMapOvr>
+  <p:timing>
+    <p:tnLst>
+      <p:par>
+        <p:cTn id="1" dur="indefinite" restart="never" nodeType="tmRoot"/>
+      </p:par>
+    </p:tnLst>
+  </p:timing>
+</p:sld>
+</file>
+
+<file path=ppt/slides/slide42.xml><?xml version="1.0" encoding="utf-8"?>
+<p:sld xmlns:a="http://schemas.openxmlformats.org/drawingml/2006/main" xmlns:r="http://schemas.openxmlformats.org/officeDocument/2006/relationships" xmlns:p="http://schemas.openxmlformats.org/presentationml/2006/main">
+  <p:cSld>
+    <p:spTree>
+      <p:nvGrpSpPr>
+        <p:cNvPr id="1" name=""/>
+        <p:cNvGrpSpPr/>
+        <p:nvPr/>
+      </p:nvGrpSpPr>
+      <p:grpSpPr>
+        <a:xfrm>
+          <a:off x="0" y="0"/>
+          <a:ext cx="0" cy="0"/>
+          <a:chOff x="0" y="0"/>
+          <a:chExt cx="0" cy="0"/>
+        </a:xfrm>
+      </p:grpSpPr>
+      <p:sp>
+        <p:nvSpPr>
+          <p:cNvPr id="2" name="标题 1"/>
+          <p:cNvSpPr>
+            <a:spLocks noGrp="1"/>
+          </p:cNvSpPr>
+          <p:nvPr>
+            <p:ph type="title"/>
+          </p:nvPr>
+        </p:nvSpPr>
+        <p:spPr/>
+        <p:txBody>
+          <a:bodyPr/>
+          <a:lstStyle/>
+          <a:p>
+            <a:r>
+              <a:rPr lang="zh-CN" altLang="en-US" dirty="0" smtClean="0"/>
+              <a:t>协作关系分析</a:t>
+            </a:r>
+            <a:endParaRPr lang="zh-CN" altLang="en-US" dirty="0"/>
+          </a:p>
+        </p:txBody>
+      </p:sp>
+      <p:sp>
+        <p:nvSpPr>
+          <p:cNvPr id="3" name="内容占位符 2"/>
+          <p:cNvSpPr>
+            <a:spLocks noGrp="1"/>
+          </p:cNvSpPr>
+          <p:nvPr>
+            <p:ph idx="1"/>
+          </p:nvPr>
+        </p:nvSpPr>
+        <p:spPr/>
+        <p:txBody>
+          <a:bodyPr/>
+          <a:lstStyle/>
+          <a:p>
+            <a:endParaRPr lang="zh-CN" altLang="en-US"/>
+          </a:p>
+        </p:txBody>
+      </p:sp>
+    </p:spTree>
+    <p:extLst>
+      <p:ext uri="{BB962C8B-B14F-4D97-AF65-F5344CB8AC3E}">
+        <p14:creationId xmlns:p14="http://schemas.microsoft.com/office/powerpoint/2010/main" val="183977764"/>
       </p:ext>
     </p:extLst>
   </p:cSld>
